--- a/BA/datasets_survey_presentation.pptx
+++ b/BA/datasets_survey_presentation.pptx
@@ -5,10 +5,10 @@
     <p:sldMasterId id="2147483648" r:id="rId1"/>
   </p:sldMasterIdLst>
   <p:notesMasterIdLst>
-    <p:notesMasterId r:id="rId16"/>
+    <p:notesMasterId r:id="rId24"/>
   </p:notesMasterIdLst>
   <p:handoutMasterIdLst>
-    <p:handoutMasterId r:id="rId17"/>
+    <p:handoutMasterId r:id="rId25"/>
   </p:handoutMasterIdLst>
   <p:sldIdLst>
     <p:sldId id="256" r:id="rId2"/>
@@ -19,12 +19,20 @@
     <p:sldId id="263" r:id="rId7"/>
     <p:sldId id="267" r:id="rId8"/>
     <p:sldId id="265" r:id="rId9"/>
-    <p:sldId id="266" r:id="rId10"/>
-    <p:sldId id="268" r:id="rId11"/>
-    <p:sldId id="269" r:id="rId12"/>
-    <p:sldId id="270" r:id="rId13"/>
-    <p:sldId id="271" r:id="rId14"/>
-    <p:sldId id="261" r:id="rId15"/>
+    <p:sldId id="279" r:id="rId10"/>
+    <p:sldId id="266" r:id="rId11"/>
+    <p:sldId id="272" r:id="rId12"/>
+    <p:sldId id="268" r:id="rId13"/>
+    <p:sldId id="269" r:id="rId14"/>
+    <p:sldId id="273" r:id="rId15"/>
+    <p:sldId id="274" r:id="rId16"/>
+    <p:sldId id="270" r:id="rId17"/>
+    <p:sldId id="271" r:id="rId18"/>
+    <p:sldId id="275" r:id="rId19"/>
+    <p:sldId id="276" r:id="rId20"/>
+    <p:sldId id="277" r:id="rId21"/>
+    <p:sldId id="278" r:id="rId22"/>
+    <p:sldId id="261" r:id="rId23"/>
   </p:sldIdLst>
   <p:sldSz cx="12192000" cy="6858000"/>
   <p:notesSz cx="6858000" cy="9144000"/>
@@ -228,7 +236,7 @@
           <a:p>
             <a:fld id="{C0A7DB85-EE5E-4B89-A00E-8344E8B639BA}" type="datetimeFigureOut">
               <a:rPr lang="en-US" smtClean="0"/>
-              <a:t>3/9/2025</a:t>
+              <a:t>3/10/2025</a:t>
             </a:fld>
             <a:endParaRPr lang="en-US"/>
           </a:p>
@@ -405,7 +413,7 @@
           <a:p>
             <a:fld id="{B35B5EF2-A964-4D7D-9158-777FD8535308}" type="datetimeFigureOut">
               <a:rPr lang="de-AT" smtClean="0"/>
-              <a:t>09.03.2025</a:t>
+              <a:t>10.03.2025</a:t>
             </a:fld>
             <a:endParaRPr lang="de-AT"/>
           </a:p>
@@ -844,7 +852,7 @@
           <a:p>
             <a:fld id="{50D9DC21-A691-4E12-BE63-F3D936BE7372}" type="datetime1">
               <a:rPr lang="de-AT" smtClean="0"/>
-              <a:t>09.03.2025</a:t>
+              <a:t>10.03.2025</a:t>
             </a:fld>
             <a:endParaRPr lang="de-AT"/>
           </a:p>
@@ -1125,7 +1133,7 @@
           <a:p>
             <a:fld id="{028FCB96-2F42-4462-A342-00EC35B71FF6}" type="datetime1">
               <a:rPr lang="de-AT" smtClean="0"/>
-              <a:t>09.03.2025</a:t>
+              <a:t>10.03.2025</a:t>
             </a:fld>
             <a:endParaRPr lang="de-AT"/>
           </a:p>
@@ -1349,7 +1357,7 @@
           <a:p>
             <a:fld id="{6A55E67A-D367-4A6F-98CA-BE7661CC9263}" type="datetime1">
               <a:rPr lang="de-AT" smtClean="0"/>
-              <a:t>09.03.2025</a:t>
+              <a:t>10.03.2025</a:t>
             </a:fld>
             <a:endParaRPr lang="de-AT"/>
           </a:p>
@@ -1583,7 +1591,7 @@
           <a:p>
             <a:fld id="{91DF8F64-70FA-4748-A379-D6027052AD1D}" type="datetime1">
               <a:rPr lang="de-AT" smtClean="0"/>
-              <a:t>09.03.2025</a:t>
+              <a:t>10.03.2025</a:t>
             </a:fld>
             <a:endParaRPr lang="de-AT"/>
           </a:p>
@@ -1813,7 +1821,7 @@
           <a:p>
             <a:fld id="{50D9DC21-A691-4E12-BE63-F3D936BE7372}" type="datetime1">
               <a:rPr lang="de-AT" smtClean="0"/>
-              <a:t>09.03.2025</a:t>
+              <a:t>10.03.2025</a:t>
             </a:fld>
             <a:endParaRPr lang="de-AT"/>
           </a:p>
@@ -2163,7 +2171,7 @@
           <a:p>
             <a:fld id="{962D501D-BCED-4878-8047-57F06292E8C5}" type="datetime1">
               <a:rPr lang="de-AT" smtClean="0"/>
-              <a:t>09.03.2025</a:t>
+              <a:t>10.03.2025</a:t>
             </a:fld>
             <a:endParaRPr lang="de-AT"/>
           </a:p>
@@ -2455,7 +2463,7 @@
           <a:p>
             <a:fld id="{831B355B-158D-4FD1-AA6B-BA0F89F3C796}" type="datetime1">
               <a:rPr lang="de-AT" smtClean="0"/>
-              <a:t>09.03.2025</a:t>
+              <a:t>10.03.2025</a:t>
             </a:fld>
             <a:endParaRPr lang="de-AT"/>
           </a:p>
@@ -2894,7 +2902,7 @@
           <a:p>
             <a:fld id="{0DD6BFA3-EA7E-491F-8E0A-F722489964A3}" type="datetime1">
               <a:rPr lang="de-AT" smtClean="0"/>
-              <a:t>09.03.2025</a:t>
+              <a:t>10.03.2025</a:t>
             </a:fld>
             <a:endParaRPr lang="de-AT"/>
           </a:p>
@@ -3060,7 +3068,7 @@
           <a:p>
             <a:fld id="{811366F0-3C03-4B90-998A-D47A82F6384C}" type="datetime1">
               <a:rPr lang="de-AT" smtClean="0"/>
-              <a:t>09.03.2025</a:t>
+              <a:t>10.03.2025</a:t>
             </a:fld>
             <a:endParaRPr lang="de-AT"/>
           </a:p>
@@ -3197,7 +3205,7 @@
           <a:p>
             <a:fld id="{BA46F52E-F80E-4B87-BB70-1E9A0792144F}" type="datetime1">
               <a:rPr lang="de-AT" smtClean="0"/>
-              <a:t>09.03.2025</a:t>
+              <a:t>10.03.2025</a:t>
             </a:fld>
             <a:endParaRPr lang="de-AT"/>
           </a:p>
@@ -3534,7 +3542,7 @@
           <a:p>
             <a:fld id="{51E4DD5C-A999-4615-9604-BA1AEED49628}" type="datetime1">
               <a:rPr lang="de-AT" smtClean="0"/>
-              <a:t>09.03.2025</a:t>
+              <a:t>10.03.2025</a:t>
             </a:fld>
             <a:endParaRPr lang="de-AT"/>
           </a:p>
@@ -4217,7 +4225,7 @@
           <a:p>
             <a:fld id="{95129EDE-2129-415B-887D-3F661C69B039}" type="datetime1">
               <a:rPr lang="de-AT" smtClean="0"/>
-              <a:t>09.03.2025</a:t>
+              <a:t>10.03.2025</a:t>
             </a:fld>
             <a:endParaRPr lang="de-AT"/>
           </a:p>
@@ -4289,10 +4297,10 @@
       </p:sp>
       <p:pic>
         <p:nvPicPr>
-          <p:cNvPr id="8" name="Picture 7">
-            <a:extLst>
-              <a:ext uri="{FF2B5EF4-FFF2-40B4-BE49-F238E27FC236}">
-                <a16:creationId xmlns:a16="http://schemas.microsoft.com/office/drawing/2014/main" id="{0D9C6677-B4A4-4381-A484-620478394377}"/>
+          <p:cNvPr id="5" name="Picture 4">
+            <a:extLst>
+              <a:ext uri="{FF2B5EF4-FFF2-40B4-BE49-F238E27FC236}">
+                <a16:creationId xmlns:a16="http://schemas.microsoft.com/office/drawing/2014/main" id="{3D7F6D22-04F8-4955-BE9C-74B28E74A8DC}"/>
               </a:ext>
             </a:extLst>
           </p:cNvPr>
@@ -4309,6 +4317,100 @@
         </p:blipFill>
         <p:spPr>
           <a:xfrm>
+            <a:off x="1278000" y="445764"/>
+            <a:ext cx="9635999" cy="5472436"/>
+          </a:xfrm>
+          <a:prstGeom prst="rect">
+            <a:avLst/>
+          </a:prstGeom>
+        </p:spPr>
+      </p:pic>
+    </p:spTree>
+    <p:extLst>
+      <p:ext uri="{BB962C8B-B14F-4D97-AF65-F5344CB8AC3E}">
+        <p14:creationId xmlns:p14="http://schemas.microsoft.com/office/powerpoint/2010/main" val="3709173479"/>
+      </p:ext>
+    </p:extLst>
+  </p:cSld>
+  <p:clrMapOvr>
+    <a:masterClrMapping/>
+  </p:clrMapOvr>
+</p:sld>
+</file>
+
+<file path=ppt/slides/slide11.xml><?xml version="1.0" encoding="utf-8"?>
+<p:sld xmlns:a="http://schemas.openxmlformats.org/drawingml/2006/main" xmlns:r="http://schemas.openxmlformats.org/officeDocument/2006/relationships" xmlns:p="http://schemas.openxmlformats.org/presentationml/2006/main">
+  <p:cSld>
+    <p:spTree>
+      <p:nvGrpSpPr>
+        <p:cNvPr id="1" name=""/>
+        <p:cNvGrpSpPr/>
+        <p:nvPr/>
+      </p:nvGrpSpPr>
+      <p:grpSpPr>
+        <a:xfrm>
+          <a:off x="0" y="0"/>
+          <a:ext cx="0" cy="0"/>
+          <a:chOff x="0" y="0"/>
+          <a:chExt cx="0" cy="0"/>
+        </a:xfrm>
+      </p:grpSpPr>
+      <p:sp>
+        <p:nvSpPr>
+          <p:cNvPr id="2" name="Foliennummernplatzhalter 1">
+            <a:extLst>
+              <a:ext uri="{FF2B5EF4-FFF2-40B4-BE49-F238E27FC236}">
+                <a16:creationId xmlns:a16="http://schemas.microsoft.com/office/drawing/2014/main" id="{15122CDF-34FF-4D9C-8E7D-DB78AA39CED1}"/>
+              </a:ext>
+            </a:extLst>
+          </p:cNvPr>
+          <p:cNvSpPr>
+            <a:spLocks noGrp="1"/>
+          </p:cNvSpPr>
+          <p:nvPr>
+            <p:ph type="sldNum" sz="quarter" idx="11"/>
+          </p:nvPr>
+        </p:nvSpPr>
+        <p:spPr>
+          <a:xfrm>
+            <a:off x="4724400" y="6356350"/>
+            <a:ext cx="2743200" cy="365125"/>
+          </a:xfrm>
+        </p:spPr>
+        <p:txBody>
+          <a:bodyPr/>
+          <a:lstStyle/>
+          <a:p>
+            <a:fld id="{4A398261-F701-46B7-83E5-4561CE5D0B2C}" type="slidenum">
+              <a:rPr lang="de-AT" smtClean="0"/>
+              <a:t>11</a:t>
+            </a:fld>
+            <a:endParaRPr lang="de-AT"/>
+          </a:p>
+        </p:txBody>
+      </p:sp>
+      <p:pic>
+        <p:nvPicPr>
+          <p:cNvPr id="8" name="Picture 7">
+            <a:extLst>
+              <a:ext uri="{FF2B5EF4-FFF2-40B4-BE49-F238E27FC236}">
+                <a16:creationId xmlns:a16="http://schemas.microsoft.com/office/drawing/2014/main" id="{0D9C6677-B4A4-4381-A484-620478394377}"/>
+              </a:ext>
+            </a:extLst>
+          </p:cNvPr>
+          <p:cNvPicPr>
+            <a:picLocks noChangeAspect="1"/>
+          </p:cNvPicPr>
+          <p:nvPr/>
+        </p:nvPicPr>
+        <p:blipFill>
+          <a:blip r:embed="rId2"/>
+          <a:stretch>
+            <a:fillRect/>
+          </a:stretch>
+        </p:blipFill>
+        <p:spPr>
+          <a:xfrm>
             <a:off x="125514" y="0"/>
             <a:ext cx="5970486" cy="6103475"/>
           </a:xfrm>
@@ -4472,7 +4574,7 @@
         </p:nvSpPr>
         <p:spPr>
           <a:xfrm>
-            <a:off x="7734300" y="-249173"/>
+            <a:off x="6252713" y="-242888"/>
             <a:ext cx="11878573" cy="1114305"/>
           </a:xfrm>
         </p:spPr>
@@ -4484,7 +4586,7 @@
           <a:p>
             <a:r>
               <a:rPr lang="en-US" sz="3600" b="1" noProof="0" dirty="0"/>
-              <a:t>Dataset List</a:t>
+              <a:t>Dataset List without n/a Size</a:t>
             </a:r>
             <a:endParaRPr lang="de-AT" sz="3600" b="1" dirty="0"/>
           </a:p>
@@ -5079,131 +5181,7 @@
     </p:spTree>
     <p:extLst>
       <p:ext uri="{BB962C8B-B14F-4D97-AF65-F5344CB8AC3E}">
-        <p14:creationId xmlns:p14="http://schemas.microsoft.com/office/powerpoint/2010/main" val="1992590223"/>
-      </p:ext>
-    </p:extLst>
-  </p:cSld>
-  <p:clrMapOvr>
-    <a:masterClrMapping/>
-  </p:clrMapOvr>
-</p:sld>
-</file>
-
-<file path=ppt/slides/slide11.xml><?xml version="1.0" encoding="utf-8"?>
-<p:sld xmlns:a="http://schemas.openxmlformats.org/drawingml/2006/main" xmlns:r="http://schemas.openxmlformats.org/officeDocument/2006/relationships" xmlns:p="http://schemas.openxmlformats.org/presentationml/2006/main">
-  <p:cSld>
-    <p:spTree>
-      <p:nvGrpSpPr>
-        <p:cNvPr id="1" name=""/>
-        <p:cNvGrpSpPr/>
-        <p:nvPr/>
-      </p:nvGrpSpPr>
-      <p:grpSpPr>
-        <a:xfrm>
-          <a:off x="0" y="0"/>
-          <a:ext cx="0" cy="0"/>
-          <a:chOff x="0" y="0"/>
-          <a:chExt cx="0" cy="0"/>
-        </a:xfrm>
-      </p:grpSpPr>
-      <p:sp>
-        <p:nvSpPr>
-          <p:cNvPr id="2" name="Foliennummernplatzhalter 1">
-            <a:extLst>
-              <a:ext uri="{FF2B5EF4-FFF2-40B4-BE49-F238E27FC236}">
-                <a16:creationId xmlns:a16="http://schemas.microsoft.com/office/drawing/2014/main" id="{15122CDF-34FF-4D9C-8E7D-DB78AA39CED1}"/>
-              </a:ext>
-            </a:extLst>
-          </p:cNvPr>
-          <p:cNvSpPr>
-            <a:spLocks noGrp="1"/>
-          </p:cNvSpPr>
-          <p:nvPr>
-            <p:ph type="sldNum" sz="quarter" idx="11"/>
-          </p:nvPr>
-        </p:nvSpPr>
-        <p:spPr>
-          <a:xfrm>
-            <a:off x="4724400" y="6356350"/>
-            <a:ext cx="2743200" cy="365125"/>
-          </a:xfrm>
-        </p:spPr>
-        <p:txBody>
-          <a:bodyPr/>
-          <a:lstStyle/>
-          <a:p>
-            <a:fld id="{4A398261-F701-46B7-83E5-4561CE5D0B2C}" type="slidenum">
-              <a:rPr lang="de-AT" smtClean="0"/>
-              <a:t>11</a:t>
-            </a:fld>
-            <a:endParaRPr lang="de-AT"/>
-          </a:p>
-        </p:txBody>
-      </p:sp>
-      <p:pic>
-        <p:nvPicPr>
-          <p:cNvPr id="13" name="Picture 12">
-            <a:extLst>
-              <a:ext uri="{FF2B5EF4-FFF2-40B4-BE49-F238E27FC236}">
-                <a16:creationId xmlns:a16="http://schemas.microsoft.com/office/drawing/2014/main" id="{D0AE28CA-005E-4521-8A5A-841A738E7C7F}"/>
-              </a:ext>
-            </a:extLst>
-          </p:cNvPr>
-          <p:cNvPicPr>
-            <a:picLocks noChangeAspect="1"/>
-          </p:cNvPicPr>
-          <p:nvPr/>
-        </p:nvPicPr>
-        <p:blipFill>
-          <a:blip r:embed="rId2"/>
-          <a:stretch>
-            <a:fillRect/>
-          </a:stretch>
-        </p:blipFill>
-        <p:spPr>
-          <a:xfrm>
-            <a:off x="94436" y="1391442"/>
-            <a:ext cx="7539540" cy="3971649"/>
-          </a:xfrm>
-          <a:prstGeom prst="rect">
-            <a:avLst/>
-          </a:prstGeom>
-        </p:spPr>
-      </p:pic>
-      <p:pic>
-        <p:nvPicPr>
-          <p:cNvPr id="15" name="Picture 14">
-            <a:extLst>
-              <a:ext uri="{FF2B5EF4-FFF2-40B4-BE49-F238E27FC236}">
-                <a16:creationId xmlns:a16="http://schemas.microsoft.com/office/drawing/2014/main" id="{35509244-F299-4FBF-A1BE-FB1BDCEADA8D}"/>
-              </a:ext>
-            </a:extLst>
-          </p:cNvPr>
-          <p:cNvPicPr>
-            <a:picLocks noChangeAspect="1"/>
-          </p:cNvPicPr>
-          <p:nvPr/>
-        </p:nvPicPr>
-        <p:blipFill>
-          <a:blip r:embed="rId3"/>
-          <a:stretch>
-            <a:fillRect/>
-          </a:stretch>
-        </p:blipFill>
-        <p:spPr>
-          <a:xfrm>
-            <a:off x="7633976" y="1663148"/>
-            <a:ext cx="4258321" cy="3428239"/>
-          </a:xfrm>
-          <a:prstGeom prst="rect">
-            <a:avLst/>
-          </a:prstGeom>
-        </p:spPr>
-      </p:pic>
-    </p:spTree>
-    <p:extLst>
-      <p:ext uri="{BB962C8B-B14F-4D97-AF65-F5344CB8AC3E}">
-        <p14:creationId xmlns:p14="http://schemas.microsoft.com/office/powerpoint/2010/main" val="1024135226"/>
+        <p14:creationId xmlns:p14="http://schemas.microsoft.com/office/powerpoint/2010/main" val="3430806475"/>
       </p:ext>
     </p:extLst>
   </p:cSld>
@@ -5232,10 +5210,10 @@
       </p:grpSpPr>
       <p:sp>
         <p:nvSpPr>
-          <p:cNvPr id="4" name="Slide Number Placeholder 3">
-            <a:extLst>
-              <a:ext uri="{FF2B5EF4-FFF2-40B4-BE49-F238E27FC236}">
-                <a16:creationId xmlns:a16="http://schemas.microsoft.com/office/drawing/2014/main" id="{454A80C6-6C3C-45CC-9AEC-B56DC6F68D3D}"/>
+          <p:cNvPr id="2" name="Foliennummernplatzhalter 1">
+            <a:extLst>
+              <a:ext uri="{FF2B5EF4-FFF2-40B4-BE49-F238E27FC236}">
+                <a16:creationId xmlns:a16="http://schemas.microsoft.com/office/drawing/2014/main" id="{15122CDF-34FF-4D9C-8E7D-DB78AA39CED1}"/>
               </a:ext>
             </a:extLst>
           </p:cNvPr>
@@ -5246,17 +5224,21 @@
             <p:ph type="sldNum" sz="quarter" idx="11"/>
           </p:nvPr>
         </p:nvSpPr>
-        <p:spPr/>
+        <p:spPr>
+          <a:xfrm>
+            <a:off x="4724400" y="6356350"/>
+            <a:ext cx="2743200" cy="365125"/>
+          </a:xfrm>
+        </p:spPr>
         <p:txBody>
           <a:bodyPr/>
           <a:lstStyle/>
           <a:p>
             <a:fld id="{4A398261-F701-46B7-83E5-4561CE5D0B2C}" type="slidenum">
               <a:rPr lang="de-AT" smtClean="0"/>
-              <a:pPr/>
               <a:t>12</a:t>
             </a:fld>
-            <a:endParaRPr lang="de-AT" dirty="0"/>
+            <a:endParaRPr lang="de-AT"/>
           </a:p>
         </p:txBody>
       </p:sp>
@@ -5265,7 +5247,7 @@
           <p:cNvPr id="6" name="Picture 5">
             <a:extLst>
               <a:ext uri="{FF2B5EF4-FFF2-40B4-BE49-F238E27FC236}">
-                <a16:creationId xmlns:a16="http://schemas.microsoft.com/office/drawing/2014/main" id="{D180A29D-3C36-429E-A71C-562AED6A1CE4}"/>
+                <a16:creationId xmlns:a16="http://schemas.microsoft.com/office/drawing/2014/main" id="{273F13DF-B7D7-45F9-B102-EE052603CDC2}"/>
               </a:ext>
             </a:extLst>
           </p:cNvPr>
@@ -5282,18 +5264,338 @@
         </p:blipFill>
         <p:spPr>
           <a:xfrm>
-            <a:off x="954477" y="789733"/>
-            <a:ext cx="10283045" cy="4916018"/>
+            <a:off x="448301" y="1902436"/>
+            <a:ext cx="11295397" cy="2368008"/>
           </a:xfrm>
           <a:prstGeom prst="rect">
             <a:avLst/>
           </a:prstGeom>
         </p:spPr>
       </p:pic>
+      <p:sp>
+        <p:nvSpPr>
+          <p:cNvPr id="16" name="Titel 2">
+            <a:extLst>
+              <a:ext uri="{FF2B5EF4-FFF2-40B4-BE49-F238E27FC236}">
+                <a16:creationId xmlns:a16="http://schemas.microsoft.com/office/drawing/2014/main" id="{39D45C2B-D4E8-4D65-BF1D-BC689FF6F230}"/>
+              </a:ext>
+            </a:extLst>
+          </p:cNvPr>
+          <p:cNvSpPr>
+            <a:spLocks noGrp="1"/>
+          </p:cNvSpPr>
+          <p:nvPr>
+            <p:ph type="title"/>
+          </p:nvPr>
+        </p:nvSpPr>
+        <p:spPr>
+          <a:xfrm>
+            <a:off x="4502639" y="369031"/>
+            <a:ext cx="3258232" cy="1114305"/>
+          </a:xfrm>
+        </p:spPr>
+        <p:txBody>
+          <a:bodyPr>
+            <a:normAutofit/>
+          </a:bodyPr>
+          <a:lstStyle/>
+          <a:p>
+            <a:r>
+              <a:rPr lang="en-US" sz="3600" b="1" noProof="0" dirty="0"/>
+              <a:t>Hours in Dataset</a:t>
+            </a:r>
+            <a:endParaRPr lang="de-AT" sz="3600" b="1" dirty="0"/>
+          </a:p>
+        </p:txBody>
+      </p:sp>
+      <p:cxnSp>
+        <p:nvCxnSpPr>
+          <p:cNvPr id="17" name="Straight Arrow Connector 16">
+            <a:extLst>
+              <a:ext uri="{FF2B5EF4-FFF2-40B4-BE49-F238E27FC236}">
+                <a16:creationId xmlns:a16="http://schemas.microsoft.com/office/drawing/2014/main" id="{9A271D5A-84E7-48A6-9D02-25CE37AABD92}"/>
+              </a:ext>
+            </a:extLst>
+          </p:cNvPr>
+          <p:cNvCxnSpPr/>
+          <p:nvPr/>
+        </p:nvCxnSpPr>
+        <p:spPr>
+          <a:xfrm flipV="1">
+            <a:off x="925952" y="3939539"/>
+            <a:ext cx="496110" cy="817123"/>
+          </a:xfrm>
+          <a:prstGeom prst="straightConnector1">
+            <a:avLst/>
+          </a:prstGeom>
+          <a:ln>
+            <a:tailEnd type="triangle"/>
+          </a:ln>
+        </p:spPr>
+        <p:style>
+          <a:lnRef idx="1">
+            <a:schemeClr val="accent2"/>
+          </a:lnRef>
+          <a:fillRef idx="0">
+            <a:schemeClr val="accent2"/>
+          </a:fillRef>
+          <a:effectRef idx="0">
+            <a:schemeClr val="accent2"/>
+          </a:effectRef>
+          <a:fontRef idx="minor">
+            <a:schemeClr val="tx1"/>
+          </a:fontRef>
+        </p:style>
+      </p:cxnSp>
+      <p:sp>
+        <p:nvSpPr>
+          <p:cNvPr id="18" name="Titel 2">
+            <a:extLst>
+              <a:ext uri="{FF2B5EF4-FFF2-40B4-BE49-F238E27FC236}">
+                <a16:creationId xmlns:a16="http://schemas.microsoft.com/office/drawing/2014/main" id="{674025A6-1BE8-4BD7-BE81-6D3915C27241}"/>
+              </a:ext>
+            </a:extLst>
+          </p:cNvPr>
+          <p:cNvSpPr txBox="1">
+            <a:spLocks/>
+          </p:cNvSpPr>
+          <p:nvPr/>
+        </p:nvSpPr>
+        <p:spPr>
+          <a:xfrm>
+            <a:off x="561431" y="4484009"/>
+            <a:ext cx="4077244" cy="1114305"/>
+          </a:xfrm>
+          <a:prstGeom prst="rect">
+            <a:avLst/>
+          </a:prstGeom>
+        </p:spPr>
+        <p:txBody>
+          <a:bodyPr vert="horz" lIns="91440" tIns="45720" rIns="91440" bIns="45720" rtlCol="0" anchor="ctr">
+            <a:normAutofit/>
+          </a:bodyPr>
+          <a:lstStyle>
+            <a:lvl1pPr algn="l" defTabSz="914400" rtl="0" eaLnBrk="1" latinLnBrk="0" hangingPunct="1">
+              <a:lnSpc>
+                <a:spcPct val="90000"/>
+              </a:lnSpc>
+              <a:spcBef>
+                <a:spcPct val="0"/>
+              </a:spcBef>
+              <a:buNone/>
+              <a:defRPr sz="4400" kern="1200">
+                <a:solidFill>
+                  <a:schemeClr val="tx1"/>
+                </a:solidFill>
+                <a:latin typeface="+mj-lt"/>
+                <a:ea typeface="+mj-ea"/>
+                <a:cs typeface="+mj-cs"/>
+              </a:defRPr>
+            </a:lvl1pPr>
+          </a:lstStyle>
+          <a:p>
+            <a:r>
+              <a:rPr lang="en-US" sz="2400" b="1" dirty="0"/>
+              <a:t>58000</a:t>
+            </a:r>
+            <a:endParaRPr lang="de-AT" sz="2400" b="1" dirty="0"/>
+          </a:p>
+        </p:txBody>
+      </p:sp>
+      <p:cxnSp>
+        <p:nvCxnSpPr>
+          <p:cNvPr id="19" name="Straight Arrow Connector 18">
+            <a:extLst>
+              <a:ext uri="{FF2B5EF4-FFF2-40B4-BE49-F238E27FC236}">
+                <a16:creationId xmlns:a16="http://schemas.microsoft.com/office/drawing/2014/main" id="{A6B5A84E-A898-461B-B996-CA587FD8B82F}"/>
+              </a:ext>
+            </a:extLst>
+          </p:cNvPr>
+          <p:cNvCxnSpPr/>
+          <p:nvPr/>
+        </p:nvCxnSpPr>
+        <p:spPr>
+          <a:xfrm flipV="1">
+            <a:off x="8125392" y="3939539"/>
+            <a:ext cx="496110" cy="817123"/>
+          </a:xfrm>
+          <a:prstGeom prst="straightConnector1">
+            <a:avLst/>
+          </a:prstGeom>
+          <a:ln>
+            <a:tailEnd type="triangle"/>
+          </a:ln>
+        </p:spPr>
+        <p:style>
+          <a:lnRef idx="1">
+            <a:schemeClr val="accent2"/>
+          </a:lnRef>
+          <a:fillRef idx="0">
+            <a:schemeClr val="accent2"/>
+          </a:fillRef>
+          <a:effectRef idx="0">
+            <a:schemeClr val="accent2"/>
+          </a:effectRef>
+          <a:fontRef idx="minor">
+            <a:schemeClr val="tx1"/>
+          </a:fontRef>
+        </p:style>
+      </p:cxnSp>
+      <p:sp>
+        <p:nvSpPr>
+          <p:cNvPr id="20" name="Titel 2">
+            <a:extLst>
+              <a:ext uri="{FF2B5EF4-FFF2-40B4-BE49-F238E27FC236}">
+                <a16:creationId xmlns:a16="http://schemas.microsoft.com/office/drawing/2014/main" id="{F01A3B59-89EB-4249-8127-AC411528DE70}"/>
+              </a:ext>
+            </a:extLst>
+          </p:cNvPr>
+          <p:cNvSpPr txBox="1">
+            <a:spLocks/>
+          </p:cNvSpPr>
+          <p:nvPr/>
+        </p:nvSpPr>
+        <p:spPr>
+          <a:xfrm>
+            <a:off x="7760871" y="4484009"/>
+            <a:ext cx="4077244" cy="1114305"/>
+          </a:xfrm>
+          <a:prstGeom prst="rect">
+            <a:avLst/>
+          </a:prstGeom>
+        </p:spPr>
+        <p:txBody>
+          <a:bodyPr vert="horz" lIns="91440" tIns="45720" rIns="91440" bIns="45720" rtlCol="0" anchor="ctr">
+            <a:normAutofit/>
+          </a:bodyPr>
+          <a:lstStyle>
+            <a:lvl1pPr algn="l" defTabSz="914400" rtl="0" eaLnBrk="1" latinLnBrk="0" hangingPunct="1">
+              <a:lnSpc>
+                <a:spcPct val="90000"/>
+              </a:lnSpc>
+              <a:spcBef>
+                <a:spcPct val="0"/>
+              </a:spcBef>
+              <a:buNone/>
+              <a:defRPr sz="4400" kern="1200">
+                <a:solidFill>
+                  <a:schemeClr val="tx1"/>
+                </a:solidFill>
+                <a:latin typeface="+mj-lt"/>
+                <a:ea typeface="+mj-ea"/>
+                <a:cs typeface="+mj-cs"/>
+              </a:defRPr>
+            </a:lvl1pPr>
+          </a:lstStyle>
+          <a:p>
+            <a:r>
+              <a:rPr lang="en-US" sz="2400" b="1" dirty="0"/>
+              <a:t>45784</a:t>
+            </a:r>
+            <a:endParaRPr lang="de-AT" sz="2400" b="1" dirty="0"/>
+          </a:p>
+        </p:txBody>
+      </p:sp>
+      <p:cxnSp>
+        <p:nvCxnSpPr>
+          <p:cNvPr id="21" name="Straight Arrow Connector 20">
+            <a:extLst>
+              <a:ext uri="{FF2B5EF4-FFF2-40B4-BE49-F238E27FC236}">
+                <a16:creationId xmlns:a16="http://schemas.microsoft.com/office/drawing/2014/main" id="{D9FB86E3-1735-4CE3-B98A-E6F08F130D7E}"/>
+              </a:ext>
+            </a:extLst>
+          </p:cNvPr>
+          <p:cNvCxnSpPr>
+            <a:cxnSpLocks/>
+          </p:cNvCxnSpPr>
+          <p:nvPr/>
+        </p:nvCxnSpPr>
+        <p:spPr>
+          <a:xfrm>
+            <a:off x="11238873" y="1483336"/>
+            <a:ext cx="1" cy="1389902"/>
+          </a:xfrm>
+          <a:prstGeom prst="straightConnector1">
+            <a:avLst/>
+          </a:prstGeom>
+          <a:ln>
+            <a:tailEnd type="triangle"/>
+          </a:ln>
+        </p:spPr>
+        <p:style>
+          <a:lnRef idx="1">
+            <a:schemeClr val="accent2"/>
+          </a:lnRef>
+          <a:fillRef idx="0">
+            <a:schemeClr val="accent2"/>
+          </a:fillRef>
+          <a:effectRef idx="0">
+            <a:schemeClr val="accent2"/>
+          </a:effectRef>
+          <a:fontRef idx="minor">
+            <a:schemeClr val="tx1"/>
+          </a:fontRef>
+        </p:style>
+      </p:cxnSp>
+      <p:sp>
+        <p:nvSpPr>
+          <p:cNvPr id="22" name="Titel 2">
+            <a:extLst>
+              <a:ext uri="{FF2B5EF4-FFF2-40B4-BE49-F238E27FC236}">
+                <a16:creationId xmlns:a16="http://schemas.microsoft.com/office/drawing/2014/main" id="{D2916AD3-7418-49CD-A3C1-650D88A1276B}"/>
+              </a:ext>
+            </a:extLst>
+          </p:cNvPr>
+          <p:cNvSpPr txBox="1">
+            <a:spLocks/>
+          </p:cNvSpPr>
+          <p:nvPr/>
+        </p:nvSpPr>
+        <p:spPr>
+          <a:xfrm>
+            <a:off x="10459827" y="702533"/>
+            <a:ext cx="4077244" cy="1114305"/>
+          </a:xfrm>
+          <a:prstGeom prst="rect">
+            <a:avLst/>
+          </a:prstGeom>
+        </p:spPr>
+        <p:txBody>
+          <a:bodyPr vert="horz" lIns="91440" tIns="45720" rIns="91440" bIns="45720" rtlCol="0" anchor="ctr">
+            <a:normAutofit/>
+          </a:bodyPr>
+          <a:lstStyle>
+            <a:lvl1pPr algn="l" defTabSz="914400" rtl="0" eaLnBrk="1" latinLnBrk="0" hangingPunct="1">
+              <a:lnSpc>
+                <a:spcPct val="90000"/>
+              </a:lnSpc>
+              <a:spcBef>
+                <a:spcPct val="0"/>
+              </a:spcBef>
+              <a:buNone/>
+              <a:defRPr sz="4400" kern="1200">
+                <a:solidFill>
+                  <a:schemeClr val="tx1"/>
+                </a:solidFill>
+                <a:latin typeface="+mj-lt"/>
+                <a:ea typeface="+mj-ea"/>
+                <a:cs typeface="+mj-cs"/>
+              </a:defRPr>
+            </a:lvl1pPr>
+          </a:lstStyle>
+          <a:p>
+            <a:r>
+              <a:rPr lang="en-US" sz="2400" b="1" dirty="0"/>
+              <a:t>45797</a:t>
+            </a:r>
+            <a:endParaRPr lang="de-AT" sz="2400" b="1" dirty="0"/>
+          </a:p>
+        </p:txBody>
+      </p:sp>
     </p:spTree>
     <p:extLst>
       <p:ext uri="{BB962C8B-B14F-4D97-AF65-F5344CB8AC3E}">
-        <p14:creationId xmlns:p14="http://schemas.microsoft.com/office/powerpoint/2010/main" val="3530473453"/>
+        <p14:creationId xmlns:p14="http://schemas.microsoft.com/office/powerpoint/2010/main" val="1992590223"/>
       </p:ext>
     </p:extLst>
   </p:cSld>
@@ -5322,47 +5624,18 @@
       </p:grpSpPr>
       <p:sp>
         <p:nvSpPr>
-          <p:cNvPr id="4" name="Titel 3">
-            <a:extLst>
-              <a:ext uri="{FF2B5EF4-FFF2-40B4-BE49-F238E27FC236}">
-                <a16:creationId xmlns:a16="http://schemas.microsoft.com/office/drawing/2014/main" id="{B6793014-A3F0-483E-B553-1C5083D217C3}"/>
-              </a:ext>
-            </a:extLst>
-          </p:cNvPr>
-          <p:cNvSpPr>
-            <a:spLocks noGrp="1"/>
-          </p:cNvSpPr>
-          <p:nvPr>
-            <p:ph type="title"/>
-          </p:nvPr>
-        </p:nvSpPr>
-        <p:spPr/>
-        <p:txBody>
-          <a:bodyPr/>
-          <a:lstStyle/>
-          <a:p>
-            <a:r>
-              <a:rPr lang="en-US" dirty="0"/>
-              <a:t>Explore Audio Classification Datasets</a:t>
-            </a:r>
-            <a:endParaRPr lang="de-AT" dirty="0"/>
-          </a:p>
-        </p:txBody>
-      </p:sp>
-      <p:sp>
-        <p:nvSpPr>
           <p:cNvPr id="2" name="Foliennummernplatzhalter 1">
             <a:extLst>
               <a:ext uri="{FF2B5EF4-FFF2-40B4-BE49-F238E27FC236}">
-                <a16:creationId xmlns:a16="http://schemas.microsoft.com/office/drawing/2014/main" id="{6DECA6F6-28E2-46BC-BEB7-A4288C9737A7}"/>
-              </a:ext>
-            </a:extLst>
-          </p:cNvPr>
-          <p:cNvSpPr>
-            <a:spLocks noGrp="1"/>
-          </p:cNvSpPr>
-          <p:nvPr>
-            <p:ph type="sldNum" sz="quarter" idx="4294967295"/>
+                <a16:creationId xmlns:a16="http://schemas.microsoft.com/office/drawing/2014/main" id="{15122CDF-34FF-4D9C-8E7D-DB78AA39CED1}"/>
+              </a:ext>
+            </a:extLst>
+          </p:cNvPr>
+          <p:cNvSpPr>
+            <a:spLocks noGrp="1"/>
+          </p:cNvSpPr>
+          <p:nvPr>
+            <p:ph type="sldNum" sz="quarter" idx="11"/>
           </p:nvPr>
         </p:nvSpPr>
         <p:spPr>
@@ -5370,9 +5643,6 @@
             <a:off x="4724400" y="6356350"/>
             <a:ext cx="2743200" cy="365125"/>
           </a:xfrm>
-          <a:prstGeom prst="rect">
-            <a:avLst/>
-          </a:prstGeom>
         </p:spPr>
         <p:txBody>
           <a:bodyPr/>
@@ -5386,10 +5656,70 @@
           </a:p>
         </p:txBody>
       </p:sp>
+      <p:pic>
+        <p:nvPicPr>
+          <p:cNvPr id="13" name="Picture 12">
+            <a:extLst>
+              <a:ext uri="{FF2B5EF4-FFF2-40B4-BE49-F238E27FC236}">
+                <a16:creationId xmlns:a16="http://schemas.microsoft.com/office/drawing/2014/main" id="{D0AE28CA-005E-4521-8A5A-841A738E7C7F}"/>
+              </a:ext>
+            </a:extLst>
+          </p:cNvPr>
+          <p:cNvPicPr>
+            <a:picLocks noChangeAspect="1"/>
+          </p:cNvPicPr>
+          <p:nvPr/>
+        </p:nvPicPr>
+        <p:blipFill>
+          <a:blip r:embed="rId2"/>
+          <a:stretch>
+            <a:fillRect/>
+          </a:stretch>
+        </p:blipFill>
+        <p:spPr>
+          <a:xfrm>
+            <a:off x="94436" y="1391442"/>
+            <a:ext cx="7539540" cy="3971649"/>
+          </a:xfrm>
+          <a:prstGeom prst="rect">
+            <a:avLst/>
+          </a:prstGeom>
+        </p:spPr>
+      </p:pic>
+      <p:pic>
+        <p:nvPicPr>
+          <p:cNvPr id="15" name="Picture 14">
+            <a:extLst>
+              <a:ext uri="{FF2B5EF4-FFF2-40B4-BE49-F238E27FC236}">
+                <a16:creationId xmlns:a16="http://schemas.microsoft.com/office/drawing/2014/main" id="{35509244-F299-4FBF-A1BE-FB1BDCEADA8D}"/>
+              </a:ext>
+            </a:extLst>
+          </p:cNvPr>
+          <p:cNvPicPr>
+            <a:picLocks noChangeAspect="1"/>
+          </p:cNvPicPr>
+          <p:nvPr/>
+        </p:nvPicPr>
+        <p:blipFill>
+          <a:blip r:embed="rId3"/>
+          <a:stretch>
+            <a:fillRect/>
+          </a:stretch>
+        </p:blipFill>
+        <p:spPr>
+          <a:xfrm>
+            <a:off x="7633976" y="1663148"/>
+            <a:ext cx="4258321" cy="3428239"/>
+          </a:xfrm>
+          <a:prstGeom prst="rect">
+            <a:avLst/>
+          </a:prstGeom>
+        </p:spPr>
+      </p:pic>
     </p:spTree>
     <p:extLst>
       <p:ext uri="{BB962C8B-B14F-4D97-AF65-F5344CB8AC3E}">
-        <p14:creationId xmlns:p14="http://schemas.microsoft.com/office/powerpoint/2010/main" val="214001632"/>
+        <p14:creationId xmlns:p14="http://schemas.microsoft.com/office/powerpoint/2010/main" val="1024135226"/>
       </p:ext>
     </p:extLst>
   </p:cSld>
@@ -5418,56 +5748,26 @@
       </p:grpSpPr>
       <p:sp>
         <p:nvSpPr>
-          <p:cNvPr id="4" name="Titel 3">
-            <a:extLst>
-              <a:ext uri="{FF2B5EF4-FFF2-40B4-BE49-F238E27FC236}">
-                <a16:creationId xmlns:a16="http://schemas.microsoft.com/office/drawing/2014/main" id="{4453C3EF-AB70-4C49-B9EA-228B28D2DE3F}"/>
-              </a:ext>
-            </a:extLst>
-          </p:cNvPr>
-          <p:cNvSpPr>
-            <a:spLocks noGrp="1"/>
-          </p:cNvSpPr>
-          <p:nvPr>
-            <p:ph type="title"/>
-          </p:nvPr>
-        </p:nvSpPr>
-        <p:spPr>
-          <a:xfrm>
-            <a:off x="838200" y="2766218"/>
-            <a:ext cx="10515600" cy="1325563"/>
-          </a:xfrm>
-        </p:spPr>
-        <p:txBody>
-          <a:bodyPr/>
-          <a:lstStyle/>
-          <a:p>
-            <a:pPr algn="ctr"/>
-            <a:r>
-              <a:rPr lang="en-US" noProof="0" dirty="0"/>
-              <a:t>Thank you for your attention!</a:t>
-            </a:r>
-            <a:endParaRPr lang="de-AT" dirty="0"/>
-          </a:p>
-        </p:txBody>
-      </p:sp>
-      <p:sp>
-        <p:nvSpPr>
-          <p:cNvPr id="5" name="Foliennummernplatzhalter 4">
-            <a:extLst>
-              <a:ext uri="{FF2B5EF4-FFF2-40B4-BE49-F238E27FC236}">
-                <a16:creationId xmlns:a16="http://schemas.microsoft.com/office/drawing/2014/main" id="{BFC8D299-C10B-467A-BACA-475797DE8699}"/>
-              </a:ext>
-            </a:extLst>
-          </p:cNvPr>
-          <p:cNvSpPr>
-            <a:spLocks noGrp="1"/>
-          </p:cNvSpPr>
-          <p:nvPr>
-            <p:ph type="sldNum" sz="quarter" idx="12"/>
-          </p:nvPr>
-        </p:nvSpPr>
-        <p:spPr/>
+          <p:cNvPr id="2" name="Foliennummernplatzhalter 1">
+            <a:extLst>
+              <a:ext uri="{FF2B5EF4-FFF2-40B4-BE49-F238E27FC236}">
+                <a16:creationId xmlns:a16="http://schemas.microsoft.com/office/drawing/2014/main" id="{15122CDF-34FF-4D9C-8E7D-DB78AA39CED1}"/>
+              </a:ext>
+            </a:extLst>
+          </p:cNvPr>
+          <p:cNvSpPr>
+            <a:spLocks noGrp="1"/>
+          </p:cNvSpPr>
+          <p:nvPr>
+            <p:ph type="sldNum" sz="quarter" idx="11"/>
+          </p:nvPr>
+        </p:nvSpPr>
+        <p:spPr>
+          <a:xfrm>
+            <a:off x="4724400" y="6356350"/>
+            <a:ext cx="2743200" cy="365125"/>
+          </a:xfrm>
+        </p:spPr>
         <p:txBody>
           <a:bodyPr/>
           <a:lstStyle/>
@@ -5480,10 +5780,1857 @@
           </a:p>
         </p:txBody>
       </p:sp>
+      <p:pic>
+        <p:nvPicPr>
+          <p:cNvPr id="4" name="Picture 3">
+            <a:extLst>
+              <a:ext uri="{FF2B5EF4-FFF2-40B4-BE49-F238E27FC236}">
+                <a16:creationId xmlns:a16="http://schemas.microsoft.com/office/drawing/2014/main" id="{29CB09CC-AFDD-4C51-890A-D8B3B7A09846}"/>
+              </a:ext>
+            </a:extLst>
+          </p:cNvPr>
+          <p:cNvPicPr>
+            <a:picLocks noChangeAspect="1"/>
+          </p:cNvPicPr>
+          <p:nvPr/>
+        </p:nvPicPr>
+        <p:blipFill>
+          <a:blip r:embed="rId2">
+            <a:extLst>
+              <a:ext uri="{28A0092B-C50C-407E-A947-70E740481C1C}">
+                <a14:useLocalDpi xmlns:a14="http://schemas.microsoft.com/office/drawing/2010/main" val="0"/>
+              </a:ext>
+            </a:extLst>
+          </a:blip>
+          <a:stretch>
+            <a:fillRect/>
+          </a:stretch>
+        </p:blipFill>
+        <p:spPr>
+          <a:xfrm>
+            <a:off x="-9732" y="1426741"/>
+            <a:ext cx="12192000" cy="3925868"/>
+          </a:xfrm>
+          <a:prstGeom prst="rect">
+            <a:avLst/>
+          </a:prstGeom>
+        </p:spPr>
+      </p:pic>
+      <p:sp>
+        <p:nvSpPr>
+          <p:cNvPr id="7" name="Titel 2">
+            <a:extLst>
+              <a:ext uri="{FF2B5EF4-FFF2-40B4-BE49-F238E27FC236}">
+                <a16:creationId xmlns:a16="http://schemas.microsoft.com/office/drawing/2014/main" id="{4566EB22-9E47-442B-8204-FB9F4EF43A07}"/>
+              </a:ext>
+            </a:extLst>
+          </p:cNvPr>
+          <p:cNvSpPr>
+            <a:spLocks noGrp="1"/>
+          </p:cNvSpPr>
+          <p:nvPr>
+            <p:ph type="title"/>
+          </p:nvPr>
+        </p:nvSpPr>
+        <p:spPr>
+          <a:xfrm>
+            <a:off x="4057378" y="973859"/>
+            <a:ext cx="4077244" cy="1114305"/>
+          </a:xfrm>
+        </p:spPr>
+        <p:txBody>
+          <a:bodyPr>
+            <a:normAutofit/>
+          </a:bodyPr>
+          <a:lstStyle/>
+          <a:p>
+            <a:r>
+              <a:rPr lang="en-US" sz="3600" b="1" noProof="0" dirty="0"/>
+              <a:t>Number of Citations</a:t>
+            </a:r>
+            <a:endParaRPr lang="de-AT" sz="3600" b="1" dirty="0"/>
+          </a:p>
+        </p:txBody>
+      </p:sp>
+      <p:cxnSp>
+        <p:nvCxnSpPr>
+          <p:cNvPr id="6" name="Straight Arrow Connector 5">
+            <a:extLst>
+              <a:ext uri="{FF2B5EF4-FFF2-40B4-BE49-F238E27FC236}">
+                <a16:creationId xmlns:a16="http://schemas.microsoft.com/office/drawing/2014/main" id="{A7E74AC3-C5AB-4D64-AEF0-A55A5C6DCA1C}"/>
+              </a:ext>
+            </a:extLst>
+          </p:cNvPr>
+          <p:cNvCxnSpPr/>
+          <p:nvPr/>
+        </p:nvCxnSpPr>
+        <p:spPr>
+          <a:xfrm flipV="1">
+            <a:off x="1011677" y="4182894"/>
+            <a:ext cx="496110" cy="817123"/>
+          </a:xfrm>
+          <a:prstGeom prst="straightConnector1">
+            <a:avLst/>
+          </a:prstGeom>
+          <a:ln>
+            <a:tailEnd type="triangle"/>
+          </a:ln>
+        </p:spPr>
+        <p:style>
+          <a:lnRef idx="1">
+            <a:schemeClr val="accent2"/>
+          </a:lnRef>
+          <a:fillRef idx="0">
+            <a:schemeClr val="accent2"/>
+          </a:fillRef>
+          <a:effectRef idx="0">
+            <a:schemeClr val="accent2"/>
+          </a:effectRef>
+          <a:fontRef idx="minor">
+            <a:schemeClr val="tx1"/>
+          </a:fontRef>
+        </p:style>
+      </p:cxnSp>
+      <p:sp>
+        <p:nvSpPr>
+          <p:cNvPr id="10" name="Titel 2">
+            <a:extLst>
+              <a:ext uri="{FF2B5EF4-FFF2-40B4-BE49-F238E27FC236}">
+                <a16:creationId xmlns:a16="http://schemas.microsoft.com/office/drawing/2014/main" id="{6BC00B92-97D4-4419-9D6E-7443FEF42356}"/>
+              </a:ext>
+            </a:extLst>
+          </p:cNvPr>
+          <p:cNvSpPr txBox="1">
+            <a:spLocks/>
+          </p:cNvSpPr>
+          <p:nvPr/>
+        </p:nvSpPr>
+        <p:spPr>
+          <a:xfrm>
+            <a:off x="647156" y="4727364"/>
+            <a:ext cx="4077244" cy="1114305"/>
+          </a:xfrm>
+          <a:prstGeom prst="rect">
+            <a:avLst/>
+          </a:prstGeom>
+        </p:spPr>
+        <p:txBody>
+          <a:bodyPr vert="horz" lIns="91440" tIns="45720" rIns="91440" bIns="45720" rtlCol="0" anchor="ctr">
+            <a:normAutofit/>
+          </a:bodyPr>
+          <a:lstStyle>
+            <a:lvl1pPr algn="l" defTabSz="914400" rtl="0" eaLnBrk="1" latinLnBrk="0" hangingPunct="1">
+              <a:lnSpc>
+                <a:spcPct val="90000"/>
+              </a:lnSpc>
+              <a:spcBef>
+                <a:spcPct val="0"/>
+              </a:spcBef>
+              <a:buNone/>
+              <a:defRPr sz="4400" kern="1200">
+                <a:solidFill>
+                  <a:schemeClr val="tx1"/>
+                </a:solidFill>
+                <a:latin typeface="+mj-lt"/>
+                <a:ea typeface="+mj-ea"/>
+                <a:cs typeface="+mj-cs"/>
+              </a:defRPr>
+            </a:lvl1pPr>
+          </a:lstStyle>
+          <a:p>
+            <a:r>
+              <a:rPr lang="en-US" sz="2400" b="1" dirty="0"/>
+              <a:t>7494</a:t>
+            </a:r>
+            <a:endParaRPr lang="de-AT" sz="2400" b="1" dirty="0"/>
+          </a:p>
+        </p:txBody>
+      </p:sp>
+      <p:cxnSp>
+        <p:nvCxnSpPr>
+          <p:cNvPr id="11" name="Straight Arrow Connector 10">
+            <a:extLst>
+              <a:ext uri="{FF2B5EF4-FFF2-40B4-BE49-F238E27FC236}">
+                <a16:creationId xmlns:a16="http://schemas.microsoft.com/office/drawing/2014/main" id="{28B11744-A37F-4DD8-ACDC-EB3B58A84FDD}"/>
+              </a:ext>
+            </a:extLst>
+          </p:cNvPr>
+          <p:cNvCxnSpPr>
+            <a:cxnSpLocks/>
+          </p:cNvCxnSpPr>
+          <p:nvPr/>
+        </p:nvCxnSpPr>
+        <p:spPr>
+          <a:xfrm flipH="1">
+            <a:off x="8356060" y="1906621"/>
+            <a:ext cx="398834" cy="982493"/>
+          </a:xfrm>
+          <a:prstGeom prst="straightConnector1">
+            <a:avLst/>
+          </a:prstGeom>
+          <a:ln>
+            <a:tailEnd type="triangle"/>
+          </a:ln>
+        </p:spPr>
+        <p:style>
+          <a:lnRef idx="1">
+            <a:schemeClr val="accent2"/>
+          </a:lnRef>
+          <a:fillRef idx="0">
+            <a:schemeClr val="accent2"/>
+          </a:fillRef>
+          <a:effectRef idx="0">
+            <a:schemeClr val="accent2"/>
+          </a:effectRef>
+          <a:fontRef idx="minor">
+            <a:schemeClr val="tx1"/>
+          </a:fontRef>
+        </p:style>
+      </p:cxnSp>
+      <p:sp>
+        <p:nvSpPr>
+          <p:cNvPr id="14" name="Titel 2">
+            <a:extLst>
+              <a:ext uri="{FF2B5EF4-FFF2-40B4-BE49-F238E27FC236}">
+                <a16:creationId xmlns:a16="http://schemas.microsoft.com/office/drawing/2014/main" id="{E85B29F6-3090-4B30-B34C-E4C0F5EFEB17}"/>
+              </a:ext>
+            </a:extLst>
+          </p:cNvPr>
+          <p:cNvSpPr txBox="1">
+            <a:spLocks/>
+          </p:cNvSpPr>
+          <p:nvPr/>
+        </p:nvSpPr>
+        <p:spPr>
+          <a:xfrm>
+            <a:off x="8754894" y="1280350"/>
+            <a:ext cx="4077244" cy="1114305"/>
+          </a:xfrm>
+          <a:prstGeom prst="rect">
+            <a:avLst/>
+          </a:prstGeom>
+        </p:spPr>
+        <p:txBody>
+          <a:bodyPr vert="horz" lIns="91440" tIns="45720" rIns="91440" bIns="45720" rtlCol="0" anchor="ctr">
+            <a:normAutofit/>
+          </a:bodyPr>
+          <a:lstStyle>
+            <a:lvl1pPr algn="l" defTabSz="914400" rtl="0" eaLnBrk="1" latinLnBrk="0" hangingPunct="1">
+              <a:lnSpc>
+                <a:spcPct val="90000"/>
+              </a:lnSpc>
+              <a:spcBef>
+                <a:spcPct val="0"/>
+              </a:spcBef>
+              <a:buNone/>
+              <a:defRPr sz="4400" kern="1200">
+                <a:solidFill>
+                  <a:schemeClr val="tx1"/>
+                </a:solidFill>
+                <a:latin typeface="+mj-lt"/>
+                <a:ea typeface="+mj-ea"/>
+                <a:cs typeface="+mj-cs"/>
+              </a:defRPr>
+            </a:lvl1pPr>
+          </a:lstStyle>
+          <a:p>
+            <a:r>
+              <a:rPr lang="en-US" sz="2400" b="1" dirty="0"/>
+              <a:t>3950</a:t>
+            </a:r>
+            <a:endParaRPr lang="de-AT" sz="2400" b="1" dirty="0"/>
+          </a:p>
+        </p:txBody>
+      </p:sp>
+      <p:sp>
+        <p:nvSpPr>
+          <p:cNvPr id="16" name="Titel 2">
+            <a:extLst>
+              <a:ext uri="{FF2B5EF4-FFF2-40B4-BE49-F238E27FC236}">
+                <a16:creationId xmlns:a16="http://schemas.microsoft.com/office/drawing/2014/main" id="{AB8B53FF-F47E-4C71-8F50-CE3997BDDDDA}"/>
+              </a:ext>
+            </a:extLst>
+          </p:cNvPr>
+          <p:cNvSpPr txBox="1">
+            <a:spLocks/>
+          </p:cNvSpPr>
+          <p:nvPr/>
+        </p:nvSpPr>
+        <p:spPr>
+          <a:xfrm>
+            <a:off x="11014954" y="1280349"/>
+            <a:ext cx="2216018" cy="1114305"/>
+          </a:xfrm>
+          <a:prstGeom prst="rect">
+            <a:avLst/>
+          </a:prstGeom>
+        </p:spPr>
+        <p:txBody>
+          <a:bodyPr vert="horz" lIns="91440" tIns="45720" rIns="91440" bIns="45720" rtlCol="0" anchor="ctr">
+            <a:normAutofit/>
+          </a:bodyPr>
+          <a:lstStyle>
+            <a:lvl1pPr algn="l" defTabSz="914400" rtl="0" eaLnBrk="1" latinLnBrk="0" hangingPunct="1">
+              <a:lnSpc>
+                <a:spcPct val="90000"/>
+              </a:lnSpc>
+              <a:spcBef>
+                <a:spcPct val="0"/>
+              </a:spcBef>
+              <a:buNone/>
+              <a:defRPr sz="4400" kern="1200">
+                <a:solidFill>
+                  <a:schemeClr val="tx1"/>
+                </a:solidFill>
+                <a:latin typeface="+mj-lt"/>
+                <a:ea typeface="+mj-ea"/>
+                <a:cs typeface="+mj-cs"/>
+              </a:defRPr>
+            </a:lvl1pPr>
+          </a:lstStyle>
+          <a:p>
+            <a:r>
+              <a:rPr lang="en-US" sz="2400" b="1" dirty="0"/>
+              <a:t>1420</a:t>
+            </a:r>
+            <a:endParaRPr lang="de-AT" sz="2400" b="1" dirty="0"/>
+          </a:p>
+        </p:txBody>
+      </p:sp>
+      <p:cxnSp>
+        <p:nvCxnSpPr>
+          <p:cNvPr id="17" name="Straight Arrow Connector 16">
+            <a:extLst>
+              <a:ext uri="{FF2B5EF4-FFF2-40B4-BE49-F238E27FC236}">
+                <a16:creationId xmlns:a16="http://schemas.microsoft.com/office/drawing/2014/main" id="{E79E608A-B739-4223-92AB-8034A4CBEA18}"/>
+              </a:ext>
+            </a:extLst>
+          </p:cNvPr>
+          <p:cNvCxnSpPr>
+            <a:cxnSpLocks/>
+          </p:cNvCxnSpPr>
+          <p:nvPr/>
+        </p:nvCxnSpPr>
+        <p:spPr>
+          <a:xfrm flipH="1">
+            <a:off x="11102503" y="2049798"/>
+            <a:ext cx="398834" cy="982493"/>
+          </a:xfrm>
+          <a:prstGeom prst="straightConnector1">
+            <a:avLst/>
+          </a:prstGeom>
+          <a:ln>
+            <a:tailEnd type="triangle"/>
+          </a:ln>
+        </p:spPr>
+        <p:style>
+          <a:lnRef idx="1">
+            <a:schemeClr val="accent2"/>
+          </a:lnRef>
+          <a:fillRef idx="0">
+            <a:schemeClr val="accent2"/>
+          </a:fillRef>
+          <a:effectRef idx="0">
+            <a:schemeClr val="accent2"/>
+          </a:effectRef>
+          <a:fontRef idx="minor">
+            <a:schemeClr val="tx1"/>
+          </a:fontRef>
+        </p:style>
+      </p:cxnSp>
     </p:spTree>
     <p:extLst>
       <p:ext uri="{BB962C8B-B14F-4D97-AF65-F5344CB8AC3E}">
-        <p14:creationId xmlns:p14="http://schemas.microsoft.com/office/powerpoint/2010/main" val="4024874473"/>
+        <p14:creationId xmlns:p14="http://schemas.microsoft.com/office/powerpoint/2010/main" val="311170412"/>
+      </p:ext>
+    </p:extLst>
+  </p:cSld>
+  <p:clrMapOvr>
+    <a:masterClrMapping/>
+  </p:clrMapOvr>
+</p:sld>
+</file>
+
+<file path=ppt/slides/slide15.xml><?xml version="1.0" encoding="utf-8"?>
+<p:sld xmlns:a="http://schemas.openxmlformats.org/drawingml/2006/main" xmlns:r="http://schemas.openxmlformats.org/officeDocument/2006/relationships" xmlns:p="http://schemas.openxmlformats.org/presentationml/2006/main">
+  <p:cSld>
+    <p:spTree>
+      <p:nvGrpSpPr>
+        <p:cNvPr id="1" name=""/>
+        <p:cNvGrpSpPr/>
+        <p:nvPr/>
+      </p:nvGrpSpPr>
+      <p:grpSpPr>
+        <a:xfrm>
+          <a:off x="0" y="0"/>
+          <a:ext cx="0" cy="0"/>
+          <a:chOff x="0" y="0"/>
+          <a:chExt cx="0" cy="0"/>
+        </a:xfrm>
+      </p:grpSpPr>
+      <p:sp>
+        <p:nvSpPr>
+          <p:cNvPr id="4" name="Slide Number Placeholder 3">
+            <a:extLst>
+              <a:ext uri="{FF2B5EF4-FFF2-40B4-BE49-F238E27FC236}">
+                <a16:creationId xmlns:a16="http://schemas.microsoft.com/office/drawing/2014/main" id="{B1DAB5C0-C948-4091-8EBA-0EB86DD906FC}"/>
+              </a:ext>
+            </a:extLst>
+          </p:cNvPr>
+          <p:cNvSpPr>
+            <a:spLocks noGrp="1"/>
+          </p:cNvSpPr>
+          <p:nvPr>
+            <p:ph type="sldNum" sz="quarter" idx="11"/>
+          </p:nvPr>
+        </p:nvSpPr>
+        <p:spPr/>
+        <p:txBody>
+          <a:bodyPr/>
+          <a:lstStyle/>
+          <a:p>
+            <a:fld id="{4A398261-F701-46B7-83E5-4561CE5D0B2C}" type="slidenum">
+              <a:rPr lang="de-AT" smtClean="0"/>
+              <a:pPr/>
+              <a:t>15</a:t>
+            </a:fld>
+            <a:endParaRPr lang="de-AT" dirty="0"/>
+          </a:p>
+        </p:txBody>
+      </p:sp>
+      <p:pic>
+        <p:nvPicPr>
+          <p:cNvPr id="6" name="Picture 5">
+            <a:extLst>
+              <a:ext uri="{FF2B5EF4-FFF2-40B4-BE49-F238E27FC236}">
+                <a16:creationId xmlns:a16="http://schemas.microsoft.com/office/drawing/2014/main" id="{9E1B1C82-1B32-4ED5-AAB6-783C5BBABA21}"/>
+              </a:ext>
+            </a:extLst>
+          </p:cNvPr>
+          <p:cNvPicPr>
+            <a:picLocks noChangeAspect="1"/>
+          </p:cNvPicPr>
+          <p:nvPr/>
+        </p:nvPicPr>
+        <p:blipFill>
+          <a:blip r:embed="rId2"/>
+          <a:stretch>
+            <a:fillRect/>
+          </a:stretch>
+        </p:blipFill>
+        <p:spPr>
+          <a:xfrm>
+            <a:off x="1566967" y="578879"/>
+            <a:ext cx="8668960" cy="4610743"/>
+          </a:xfrm>
+          <a:prstGeom prst="rect">
+            <a:avLst/>
+          </a:prstGeom>
+        </p:spPr>
+      </p:pic>
+    </p:spTree>
+    <p:extLst>
+      <p:ext uri="{BB962C8B-B14F-4D97-AF65-F5344CB8AC3E}">
+        <p14:creationId xmlns:p14="http://schemas.microsoft.com/office/powerpoint/2010/main" val="911299174"/>
+      </p:ext>
+    </p:extLst>
+  </p:cSld>
+  <p:clrMapOvr>
+    <a:masterClrMapping/>
+  </p:clrMapOvr>
+</p:sld>
+</file>
+
+<file path=ppt/slides/slide16.xml><?xml version="1.0" encoding="utf-8"?>
+<p:sld xmlns:a="http://schemas.openxmlformats.org/drawingml/2006/main" xmlns:r="http://schemas.openxmlformats.org/officeDocument/2006/relationships" xmlns:p="http://schemas.openxmlformats.org/presentationml/2006/main">
+  <p:cSld>
+    <p:spTree>
+      <p:nvGrpSpPr>
+        <p:cNvPr id="1" name=""/>
+        <p:cNvGrpSpPr/>
+        <p:nvPr/>
+      </p:nvGrpSpPr>
+      <p:grpSpPr>
+        <a:xfrm>
+          <a:off x="0" y="0"/>
+          <a:ext cx="0" cy="0"/>
+          <a:chOff x="0" y="0"/>
+          <a:chExt cx="0" cy="0"/>
+        </a:xfrm>
+      </p:grpSpPr>
+      <p:sp>
+        <p:nvSpPr>
+          <p:cNvPr id="4" name="Slide Number Placeholder 3">
+            <a:extLst>
+              <a:ext uri="{FF2B5EF4-FFF2-40B4-BE49-F238E27FC236}">
+                <a16:creationId xmlns:a16="http://schemas.microsoft.com/office/drawing/2014/main" id="{454A80C6-6C3C-45CC-9AEC-B56DC6F68D3D}"/>
+              </a:ext>
+            </a:extLst>
+          </p:cNvPr>
+          <p:cNvSpPr>
+            <a:spLocks noGrp="1"/>
+          </p:cNvSpPr>
+          <p:nvPr>
+            <p:ph type="sldNum" sz="quarter" idx="11"/>
+          </p:nvPr>
+        </p:nvSpPr>
+        <p:spPr/>
+        <p:txBody>
+          <a:bodyPr/>
+          <a:lstStyle/>
+          <a:p>
+            <a:fld id="{4A398261-F701-46B7-83E5-4561CE5D0B2C}" type="slidenum">
+              <a:rPr lang="de-AT" smtClean="0"/>
+              <a:pPr/>
+              <a:t>16</a:t>
+            </a:fld>
+            <a:endParaRPr lang="de-AT" dirty="0"/>
+          </a:p>
+        </p:txBody>
+      </p:sp>
+      <p:pic>
+        <p:nvPicPr>
+          <p:cNvPr id="6" name="Picture 5">
+            <a:extLst>
+              <a:ext uri="{FF2B5EF4-FFF2-40B4-BE49-F238E27FC236}">
+                <a16:creationId xmlns:a16="http://schemas.microsoft.com/office/drawing/2014/main" id="{D180A29D-3C36-429E-A71C-562AED6A1CE4}"/>
+              </a:ext>
+            </a:extLst>
+          </p:cNvPr>
+          <p:cNvPicPr>
+            <a:picLocks noChangeAspect="1"/>
+          </p:cNvPicPr>
+          <p:nvPr/>
+        </p:nvPicPr>
+        <p:blipFill>
+          <a:blip r:embed="rId2"/>
+          <a:stretch>
+            <a:fillRect/>
+          </a:stretch>
+        </p:blipFill>
+        <p:spPr>
+          <a:xfrm>
+            <a:off x="954477" y="789733"/>
+            <a:ext cx="10283045" cy="4916018"/>
+          </a:xfrm>
+          <a:prstGeom prst="rect">
+            <a:avLst/>
+          </a:prstGeom>
+        </p:spPr>
+      </p:pic>
+    </p:spTree>
+    <p:extLst>
+      <p:ext uri="{BB962C8B-B14F-4D97-AF65-F5344CB8AC3E}">
+        <p14:creationId xmlns:p14="http://schemas.microsoft.com/office/powerpoint/2010/main" val="3530473453"/>
+      </p:ext>
+    </p:extLst>
+  </p:cSld>
+  <p:clrMapOvr>
+    <a:masterClrMapping/>
+  </p:clrMapOvr>
+</p:sld>
+</file>
+
+<file path=ppt/slides/slide17.xml><?xml version="1.0" encoding="utf-8"?>
+<p:sld xmlns:a="http://schemas.openxmlformats.org/drawingml/2006/main" xmlns:r="http://schemas.openxmlformats.org/officeDocument/2006/relationships" xmlns:p="http://schemas.openxmlformats.org/presentationml/2006/main">
+  <p:cSld>
+    <p:spTree>
+      <p:nvGrpSpPr>
+        <p:cNvPr id="1" name=""/>
+        <p:cNvGrpSpPr/>
+        <p:nvPr/>
+      </p:nvGrpSpPr>
+      <p:grpSpPr>
+        <a:xfrm>
+          <a:off x="0" y="0"/>
+          <a:ext cx="0" cy="0"/>
+          <a:chOff x="0" y="0"/>
+          <a:chExt cx="0" cy="0"/>
+        </a:xfrm>
+      </p:grpSpPr>
+      <p:sp>
+        <p:nvSpPr>
+          <p:cNvPr id="4" name="Titel 3">
+            <a:extLst>
+              <a:ext uri="{FF2B5EF4-FFF2-40B4-BE49-F238E27FC236}">
+                <a16:creationId xmlns:a16="http://schemas.microsoft.com/office/drawing/2014/main" id="{B6793014-A3F0-483E-B553-1C5083D217C3}"/>
+              </a:ext>
+            </a:extLst>
+          </p:cNvPr>
+          <p:cNvSpPr>
+            <a:spLocks noGrp="1"/>
+          </p:cNvSpPr>
+          <p:nvPr>
+            <p:ph type="title"/>
+          </p:nvPr>
+        </p:nvSpPr>
+        <p:spPr/>
+        <p:txBody>
+          <a:bodyPr/>
+          <a:lstStyle/>
+          <a:p>
+            <a:r>
+              <a:rPr lang="en-US" dirty="0"/>
+              <a:t>Explore Audio Classification Datasets</a:t>
+            </a:r>
+            <a:endParaRPr lang="de-AT" dirty="0"/>
+          </a:p>
+        </p:txBody>
+      </p:sp>
+      <p:sp>
+        <p:nvSpPr>
+          <p:cNvPr id="2" name="Foliennummernplatzhalter 1">
+            <a:extLst>
+              <a:ext uri="{FF2B5EF4-FFF2-40B4-BE49-F238E27FC236}">
+                <a16:creationId xmlns:a16="http://schemas.microsoft.com/office/drawing/2014/main" id="{6DECA6F6-28E2-46BC-BEB7-A4288C9737A7}"/>
+              </a:ext>
+            </a:extLst>
+          </p:cNvPr>
+          <p:cNvSpPr>
+            <a:spLocks noGrp="1"/>
+          </p:cNvSpPr>
+          <p:nvPr>
+            <p:ph type="sldNum" sz="quarter" idx="4294967295"/>
+          </p:nvPr>
+        </p:nvSpPr>
+        <p:spPr>
+          <a:xfrm>
+            <a:off x="4724400" y="6356350"/>
+            <a:ext cx="2743200" cy="365125"/>
+          </a:xfrm>
+          <a:prstGeom prst="rect">
+            <a:avLst/>
+          </a:prstGeom>
+        </p:spPr>
+        <p:txBody>
+          <a:bodyPr/>
+          <a:lstStyle/>
+          <a:p>
+            <a:fld id="{4A398261-F701-46B7-83E5-4561CE5D0B2C}" type="slidenum">
+              <a:rPr lang="de-AT" smtClean="0"/>
+              <a:t>17</a:t>
+            </a:fld>
+            <a:endParaRPr lang="de-AT"/>
+          </a:p>
+        </p:txBody>
+      </p:sp>
+    </p:spTree>
+    <p:extLst>
+      <p:ext uri="{BB962C8B-B14F-4D97-AF65-F5344CB8AC3E}">
+        <p14:creationId xmlns:p14="http://schemas.microsoft.com/office/powerpoint/2010/main" val="214001632"/>
+      </p:ext>
+    </p:extLst>
+  </p:cSld>
+  <p:clrMapOvr>
+    <a:masterClrMapping/>
+  </p:clrMapOvr>
+</p:sld>
+</file>
+
+<file path=ppt/slides/slide18.xml><?xml version="1.0" encoding="utf-8"?>
+<p:sld xmlns:a="http://schemas.openxmlformats.org/drawingml/2006/main" xmlns:r="http://schemas.openxmlformats.org/officeDocument/2006/relationships" xmlns:p="http://schemas.openxmlformats.org/presentationml/2006/main">
+  <p:cSld>
+    <p:spTree>
+      <p:nvGrpSpPr>
+        <p:cNvPr id="1" name=""/>
+        <p:cNvGrpSpPr/>
+        <p:nvPr/>
+      </p:nvGrpSpPr>
+      <p:grpSpPr>
+        <a:xfrm>
+          <a:off x="0" y="0"/>
+          <a:ext cx="0" cy="0"/>
+          <a:chOff x="0" y="0"/>
+          <a:chExt cx="0" cy="0"/>
+        </a:xfrm>
+      </p:grpSpPr>
+      <p:sp>
+        <p:nvSpPr>
+          <p:cNvPr id="2" name="Title 1">
+            <a:extLst>
+              <a:ext uri="{FF2B5EF4-FFF2-40B4-BE49-F238E27FC236}">
+                <a16:creationId xmlns:a16="http://schemas.microsoft.com/office/drawing/2014/main" id="{409379BB-F66F-4D09-B1FD-C171693DC1C7}"/>
+              </a:ext>
+            </a:extLst>
+          </p:cNvPr>
+          <p:cNvSpPr>
+            <a:spLocks noGrp="1"/>
+          </p:cNvSpPr>
+          <p:nvPr>
+            <p:ph type="title"/>
+          </p:nvPr>
+        </p:nvSpPr>
+        <p:spPr/>
+        <p:txBody>
+          <a:bodyPr/>
+          <a:lstStyle/>
+          <a:p>
+            <a:r>
+              <a:rPr lang="en-US" dirty="0"/>
+              <a:t>Some numbers</a:t>
+            </a:r>
+            <a:endParaRPr lang="en-AT" dirty="0"/>
+          </a:p>
+        </p:txBody>
+      </p:sp>
+      <p:sp>
+        <p:nvSpPr>
+          <p:cNvPr id="3" name="Slide Number Placeholder 2">
+            <a:extLst>
+              <a:ext uri="{FF2B5EF4-FFF2-40B4-BE49-F238E27FC236}">
+                <a16:creationId xmlns:a16="http://schemas.microsoft.com/office/drawing/2014/main" id="{0A961397-D5E0-4402-9BB6-B03F3AF5FAE3}"/>
+              </a:ext>
+            </a:extLst>
+          </p:cNvPr>
+          <p:cNvSpPr>
+            <a:spLocks noGrp="1"/>
+          </p:cNvSpPr>
+          <p:nvPr>
+            <p:ph type="sldNum" sz="quarter" idx="12"/>
+          </p:nvPr>
+        </p:nvSpPr>
+        <p:spPr/>
+        <p:txBody>
+          <a:bodyPr/>
+          <a:lstStyle/>
+          <a:p>
+            <a:fld id="{4A398261-F701-46B7-83E5-4561CE5D0B2C}" type="slidenum">
+              <a:rPr lang="de-AT" smtClean="0"/>
+              <a:t>18</a:t>
+            </a:fld>
+            <a:endParaRPr lang="de-AT"/>
+          </a:p>
+        </p:txBody>
+      </p:sp>
+      <p:sp>
+        <p:nvSpPr>
+          <p:cNvPr id="8" name="Inhaltsplatzhalter 3">
+            <a:extLst>
+              <a:ext uri="{FF2B5EF4-FFF2-40B4-BE49-F238E27FC236}">
+                <a16:creationId xmlns:a16="http://schemas.microsoft.com/office/drawing/2014/main" id="{7C3F10CD-4930-4C4B-AD59-FE281A1ECC0C}"/>
+              </a:ext>
+            </a:extLst>
+          </p:cNvPr>
+          <p:cNvSpPr txBox="1">
+            <a:spLocks/>
+          </p:cNvSpPr>
+          <p:nvPr/>
+        </p:nvSpPr>
+        <p:spPr>
+          <a:xfrm>
+            <a:off x="900312" y="1619156"/>
+            <a:ext cx="4466465" cy="500957"/>
+          </a:xfrm>
+          <a:prstGeom prst="rect">
+            <a:avLst/>
+          </a:prstGeom>
+        </p:spPr>
+        <p:txBody>
+          <a:bodyPr>
+            <a:noAutofit/>
+          </a:bodyPr>
+          <a:lstStyle>
+            <a:lvl1pPr marL="228600" indent="-228600" algn="l" defTabSz="914400" rtl="0" eaLnBrk="1" latinLnBrk="0" hangingPunct="1">
+              <a:lnSpc>
+                <a:spcPct val="90000"/>
+              </a:lnSpc>
+              <a:spcBef>
+                <a:spcPts val="1000"/>
+              </a:spcBef>
+              <a:buFont typeface="Arial" panose="020B0604020202020204" pitchFamily="34" charset="0"/>
+              <a:buChar char="•"/>
+              <a:defRPr sz="2800" kern="1200">
+                <a:solidFill>
+                  <a:schemeClr val="tx1"/>
+                </a:solidFill>
+                <a:latin typeface="+mn-lt"/>
+                <a:ea typeface="+mn-ea"/>
+                <a:cs typeface="+mn-cs"/>
+              </a:defRPr>
+            </a:lvl1pPr>
+            <a:lvl2pPr marL="685800" indent="-228600" algn="l" defTabSz="914400" rtl="0" eaLnBrk="1" latinLnBrk="0" hangingPunct="1">
+              <a:lnSpc>
+                <a:spcPct val="90000"/>
+              </a:lnSpc>
+              <a:spcBef>
+                <a:spcPts val="500"/>
+              </a:spcBef>
+              <a:buFont typeface="Arial" panose="020B0604020202020204" pitchFamily="34" charset="0"/>
+              <a:buChar char="•"/>
+              <a:defRPr sz="2400" kern="1200">
+                <a:solidFill>
+                  <a:schemeClr val="tx1"/>
+                </a:solidFill>
+                <a:latin typeface="+mn-lt"/>
+                <a:ea typeface="+mn-ea"/>
+                <a:cs typeface="+mn-cs"/>
+              </a:defRPr>
+            </a:lvl2pPr>
+            <a:lvl3pPr marL="1143000" indent="-228600" algn="l" defTabSz="914400" rtl="0" eaLnBrk="1" latinLnBrk="0" hangingPunct="1">
+              <a:lnSpc>
+                <a:spcPct val="90000"/>
+              </a:lnSpc>
+              <a:spcBef>
+                <a:spcPts val="500"/>
+              </a:spcBef>
+              <a:buFont typeface="Arial" panose="020B0604020202020204" pitchFamily="34" charset="0"/>
+              <a:buChar char="•"/>
+              <a:defRPr sz="2000" kern="1200">
+                <a:solidFill>
+                  <a:schemeClr val="tx1"/>
+                </a:solidFill>
+                <a:latin typeface="+mn-lt"/>
+                <a:ea typeface="+mn-ea"/>
+                <a:cs typeface="+mn-cs"/>
+              </a:defRPr>
+            </a:lvl3pPr>
+            <a:lvl4pPr marL="1600200" indent="-228600" algn="l" defTabSz="914400" rtl="0" eaLnBrk="1" latinLnBrk="0" hangingPunct="1">
+              <a:lnSpc>
+                <a:spcPct val="90000"/>
+              </a:lnSpc>
+              <a:spcBef>
+                <a:spcPts val="500"/>
+              </a:spcBef>
+              <a:buFont typeface="Arial" panose="020B0604020202020204" pitchFamily="34" charset="0"/>
+              <a:buChar char="•"/>
+              <a:defRPr sz="1800" kern="1200">
+                <a:solidFill>
+                  <a:schemeClr val="tx1"/>
+                </a:solidFill>
+                <a:latin typeface="+mn-lt"/>
+                <a:ea typeface="+mn-ea"/>
+                <a:cs typeface="+mn-cs"/>
+              </a:defRPr>
+            </a:lvl4pPr>
+            <a:lvl5pPr marL="2057400" indent="-228600" algn="l" defTabSz="914400" rtl="0" eaLnBrk="1" latinLnBrk="0" hangingPunct="1">
+              <a:lnSpc>
+                <a:spcPct val="90000"/>
+              </a:lnSpc>
+              <a:spcBef>
+                <a:spcPts val="500"/>
+              </a:spcBef>
+              <a:buFont typeface="Arial" panose="020B0604020202020204" pitchFamily="34" charset="0"/>
+              <a:buChar char="•"/>
+              <a:defRPr sz="1800" kern="1200">
+                <a:solidFill>
+                  <a:schemeClr val="tx1"/>
+                </a:solidFill>
+                <a:latin typeface="+mn-lt"/>
+                <a:ea typeface="+mn-ea"/>
+                <a:cs typeface="+mn-cs"/>
+              </a:defRPr>
+            </a:lvl5pPr>
+            <a:lvl6pPr marL="2514600" indent="-228600" algn="l" defTabSz="914400" rtl="0" eaLnBrk="1" latinLnBrk="0" hangingPunct="1">
+              <a:lnSpc>
+                <a:spcPct val="90000"/>
+              </a:lnSpc>
+              <a:spcBef>
+                <a:spcPts val="500"/>
+              </a:spcBef>
+              <a:buFont typeface="Arial" panose="020B0604020202020204" pitchFamily="34" charset="0"/>
+              <a:buChar char="•"/>
+              <a:defRPr sz="1800" kern="1200">
+                <a:solidFill>
+                  <a:schemeClr val="tx1"/>
+                </a:solidFill>
+                <a:latin typeface="+mn-lt"/>
+                <a:ea typeface="+mn-ea"/>
+                <a:cs typeface="+mn-cs"/>
+              </a:defRPr>
+            </a:lvl6pPr>
+            <a:lvl7pPr marL="2971800" indent="-228600" algn="l" defTabSz="914400" rtl="0" eaLnBrk="1" latinLnBrk="0" hangingPunct="1">
+              <a:lnSpc>
+                <a:spcPct val="90000"/>
+              </a:lnSpc>
+              <a:spcBef>
+                <a:spcPts val="500"/>
+              </a:spcBef>
+              <a:buFont typeface="Arial" panose="020B0604020202020204" pitchFamily="34" charset="0"/>
+              <a:buChar char="•"/>
+              <a:defRPr sz="1800" kern="1200">
+                <a:solidFill>
+                  <a:schemeClr val="tx1"/>
+                </a:solidFill>
+                <a:latin typeface="+mn-lt"/>
+                <a:ea typeface="+mn-ea"/>
+                <a:cs typeface="+mn-cs"/>
+              </a:defRPr>
+            </a:lvl7pPr>
+            <a:lvl8pPr marL="3429000" indent="-228600" algn="l" defTabSz="914400" rtl="0" eaLnBrk="1" latinLnBrk="0" hangingPunct="1">
+              <a:lnSpc>
+                <a:spcPct val="90000"/>
+              </a:lnSpc>
+              <a:spcBef>
+                <a:spcPts val="500"/>
+              </a:spcBef>
+              <a:buFont typeface="Arial" panose="020B0604020202020204" pitchFamily="34" charset="0"/>
+              <a:buChar char="•"/>
+              <a:defRPr sz="1800" kern="1200">
+                <a:solidFill>
+                  <a:schemeClr val="tx1"/>
+                </a:solidFill>
+                <a:latin typeface="+mn-lt"/>
+                <a:ea typeface="+mn-ea"/>
+                <a:cs typeface="+mn-cs"/>
+              </a:defRPr>
+            </a:lvl8pPr>
+            <a:lvl9pPr marL="3886200" indent="-228600" algn="l" defTabSz="914400" rtl="0" eaLnBrk="1" latinLnBrk="0" hangingPunct="1">
+              <a:lnSpc>
+                <a:spcPct val="90000"/>
+              </a:lnSpc>
+              <a:spcBef>
+                <a:spcPts val="500"/>
+              </a:spcBef>
+              <a:buFont typeface="Arial" panose="020B0604020202020204" pitchFamily="34" charset="0"/>
+              <a:buChar char="•"/>
+              <a:defRPr sz="1800" kern="1200">
+                <a:solidFill>
+                  <a:schemeClr val="tx1"/>
+                </a:solidFill>
+                <a:latin typeface="+mn-lt"/>
+                <a:ea typeface="+mn-ea"/>
+                <a:cs typeface="+mn-cs"/>
+              </a:defRPr>
+            </a:lvl9pPr>
+          </a:lstStyle>
+          <a:p>
+            <a:r>
+              <a:rPr lang="en-US" dirty="0"/>
+              <a:t>Top 5 Most Cited Datasets</a:t>
+            </a:r>
+          </a:p>
+          <a:p>
+            <a:pPr lvl="1"/>
+            <a:r>
+              <a:rPr lang="en-US" sz="2000" dirty="0" err="1"/>
+              <a:t>AudioSet</a:t>
+            </a:r>
+            <a:r>
+              <a:rPr lang="en-US" sz="2000" dirty="0"/>
+              <a:t> </a:t>
+            </a:r>
+            <a:r>
+              <a:rPr lang="en-US" sz="2000" dirty="0">
+                <a:sym typeface="Wingdings" panose="05000000000000000000" pitchFamily="2" charset="2"/>
+              </a:rPr>
+              <a:t> 3950</a:t>
+            </a:r>
+          </a:p>
+          <a:p>
+            <a:pPr lvl="1"/>
+            <a:r>
+              <a:rPr lang="en-US" sz="2000" dirty="0" err="1">
+                <a:sym typeface="Wingdings" panose="05000000000000000000" pitchFamily="2" charset="2"/>
+              </a:rPr>
+              <a:t>EmoDB</a:t>
+            </a:r>
+            <a:r>
+              <a:rPr lang="en-US" sz="2000" dirty="0">
+                <a:sym typeface="Wingdings" panose="05000000000000000000" pitchFamily="2" charset="2"/>
+              </a:rPr>
+              <a:t>  3072</a:t>
+            </a:r>
+          </a:p>
+          <a:p>
+            <a:pPr lvl="1"/>
+            <a:r>
+              <a:rPr lang="en-US" sz="2000" dirty="0">
+                <a:sym typeface="Wingdings" panose="05000000000000000000" pitchFamily="2" charset="2"/>
+              </a:rPr>
+              <a:t>RAVDESS  2154</a:t>
+            </a:r>
+          </a:p>
+          <a:p>
+            <a:pPr lvl="1"/>
+            <a:r>
+              <a:rPr lang="en-US" sz="2000" dirty="0">
+                <a:sym typeface="Wingdings" panose="05000000000000000000" pitchFamily="2" charset="2"/>
+              </a:rPr>
+              <a:t>Speech Commands  1882</a:t>
+            </a:r>
+          </a:p>
+          <a:p>
+            <a:pPr lvl="1"/>
+            <a:r>
+              <a:rPr lang="en-US" sz="2000" dirty="0">
+                <a:sym typeface="Wingdings" panose="05000000000000000000" pitchFamily="2" charset="2"/>
+              </a:rPr>
+              <a:t>ESC50  1872</a:t>
+            </a:r>
+            <a:endParaRPr lang="en-US" sz="2000" dirty="0"/>
+          </a:p>
+          <a:p>
+            <a:pPr marL="0" indent="0">
+              <a:buNone/>
+            </a:pPr>
+            <a:endParaRPr lang="en-US" dirty="0">
+              <a:sym typeface="Wingdings" panose="05000000000000000000" pitchFamily="2" charset="2"/>
+            </a:endParaRPr>
+          </a:p>
+        </p:txBody>
+      </p:sp>
+      <p:sp>
+        <p:nvSpPr>
+          <p:cNvPr id="13" name="Inhaltsplatzhalter 3">
+            <a:extLst>
+              <a:ext uri="{FF2B5EF4-FFF2-40B4-BE49-F238E27FC236}">
+                <a16:creationId xmlns:a16="http://schemas.microsoft.com/office/drawing/2014/main" id="{ABC9B6C0-714B-4170-8E78-5AB49CF08919}"/>
+              </a:ext>
+            </a:extLst>
+          </p:cNvPr>
+          <p:cNvSpPr txBox="1">
+            <a:spLocks/>
+          </p:cNvSpPr>
+          <p:nvPr/>
+        </p:nvSpPr>
+        <p:spPr>
+          <a:xfrm>
+            <a:off x="6103187" y="1619155"/>
+            <a:ext cx="5188501" cy="500957"/>
+          </a:xfrm>
+          <a:prstGeom prst="rect">
+            <a:avLst/>
+          </a:prstGeom>
+        </p:spPr>
+        <p:txBody>
+          <a:bodyPr>
+            <a:noAutofit/>
+          </a:bodyPr>
+          <a:lstStyle>
+            <a:lvl1pPr marL="228600" indent="-228600" algn="l" defTabSz="914400" rtl="0" eaLnBrk="1" latinLnBrk="0" hangingPunct="1">
+              <a:lnSpc>
+                <a:spcPct val="90000"/>
+              </a:lnSpc>
+              <a:spcBef>
+                <a:spcPts val="1000"/>
+              </a:spcBef>
+              <a:buFont typeface="Arial" panose="020B0604020202020204" pitchFamily="34" charset="0"/>
+              <a:buChar char="•"/>
+              <a:defRPr sz="2800" kern="1200">
+                <a:solidFill>
+                  <a:schemeClr val="tx1"/>
+                </a:solidFill>
+                <a:latin typeface="+mn-lt"/>
+                <a:ea typeface="+mn-ea"/>
+                <a:cs typeface="+mn-cs"/>
+              </a:defRPr>
+            </a:lvl1pPr>
+            <a:lvl2pPr marL="685800" indent="-228600" algn="l" defTabSz="914400" rtl="0" eaLnBrk="1" latinLnBrk="0" hangingPunct="1">
+              <a:lnSpc>
+                <a:spcPct val="90000"/>
+              </a:lnSpc>
+              <a:spcBef>
+                <a:spcPts val="500"/>
+              </a:spcBef>
+              <a:buFont typeface="Arial" panose="020B0604020202020204" pitchFamily="34" charset="0"/>
+              <a:buChar char="•"/>
+              <a:defRPr sz="2400" kern="1200">
+                <a:solidFill>
+                  <a:schemeClr val="tx1"/>
+                </a:solidFill>
+                <a:latin typeface="+mn-lt"/>
+                <a:ea typeface="+mn-ea"/>
+                <a:cs typeface="+mn-cs"/>
+              </a:defRPr>
+            </a:lvl2pPr>
+            <a:lvl3pPr marL="1143000" indent="-228600" algn="l" defTabSz="914400" rtl="0" eaLnBrk="1" latinLnBrk="0" hangingPunct="1">
+              <a:lnSpc>
+                <a:spcPct val="90000"/>
+              </a:lnSpc>
+              <a:spcBef>
+                <a:spcPts val="500"/>
+              </a:spcBef>
+              <a:buFont typeface="Arial" panose="020B0604020202020204" pitchFamily="34" charset="0"/>
+              <a:buChar char="•"/>
+              <a:defRPr sz="2000" kern="1200">
+                <a:solidFill>
+                  <a:schemeClr val="tx1"/>
+                </a:solidFill>
+                <a:latin typeface="+mn-lt"/>
+                <a:ea typeface="+mn-ea"/>
+                <a:cs typeface="+mn-cs"/>
+              </a:defRPr>
+            </a:lvl3pPr>
+            <a:lvl4pPr marL="1600200" indent="-228600" algn="l" defTabSz="914400" rtl="0" eaLnBrk="1" latinLnBrk="0" hangingPunct="1">
+              <a:lnSpc>
+                <a:spcPct val="90000"/>
+              </a:lnSpc>
+              <a:spcBef>
+                <a:spcPts val="500"/>
+              </a:spcBef>
+              <a:buFont typeface="Arial" panose="020B0604020202020204" pitchFamily="34" charset="0"/>
+              <a:buChar char="•"/>
+              <a:defRPr sz="1800" kern="1200">
+                <a:solidFill>
+                  <a:schemeClr val="tx1"/>
+                </a:solidFill>
+                <a:latin typeface="+mn-lt"/>
+                <a:ea typeface="+mn-ea"/>
+                <a:cs typeface="+mn-cs"/>
+              </a:defRPr>
+            </a:lvl4pPr>
+            <a:lvl5pPr marL="2057400" indent="-228600" algn="l" defTabSz="914400" rtl="0" eaLnBrk="1" latinLnBrk="0" hangingPunct="1">
+              <a:lnSpc>
+                <a:spcPct val="90000"/>
+              </a:lnSpc>
+              <a:spcBef>
+                <a:spcPts val="500"/>
+              </a:spcBef>
+              <a:buFont typeface="Arial" panose="020B0604020202020204" pitchFamily="34" charset="0"/>
+              <a:buChar char="•"/>
+              <a:defRPr sz="1800" kern="1200">
+                <a:solidFill>
+                  <a:schemeClr val="tx1"/>
+                </a:solidFill>
+                <a:latin typeface="+mn-lt"/>
+                <a:ea typeface="+mn-ea"/>
+                <a:cs typeface="+mn-cs"/>
+              </a:defRPr>
+            </a:lvl5pPr>
+            <a:lvl6pPr marL="2514600" indent="-228600" algn="l" defTabSz="914400" rtl="0" eaLnBrk="1" latinLnBrk="0" hangingPunct="1">
+              <a:lnSpc>
+                <a:spcPct val="90000"/>
+              </a:lnSpc>
+              <a:spcBef>
+                <a:spcPts val="500"/>
+              </a:spcBef>
+              <a:buFont typeface="Arial" panose="020B0604020202020204" pitchFamily="34" charset="0"/>
+              <a:buChar char="•"/>
+              <a:defRPr sz="1800" kern="1200">
+                <a:solidFill>
+                  <a:schemeClr val="tx1"/>
+                </a:solidFill>
+                <a:latin typeface="+mn-lt"/>
+                <a:ea typeface="+mn-ea"/>
+                <a:cs typeface="+mn-cs"/>
+              </a:defRPr>
+            </a:lvl6pPr>
+            <a:lvl7pPr marL="2971800" indent="-228600" algn="l" defTabSz="914400" rtl="0" eaLnBrk="1" latinLnBrk="0" hangingPunct="1">
+              <a:lnSpc>
+                <a:spcPct val="90000"/>
+              </a:lnSpc>
+              <a:spcBef>
+                <a:spcPts val="500"/>
+              </a:spcBef>
+              <a:buFont typeface="Arial" panose="020B0604020202020204" pitchFamily="34" charset="0"/>
+              <a:buChar char="•"/>
+              <a:defRPr sz="1800" kern="1200">
+                <a:solidFill>
+                  <a:schemeClr val="tx1"/>
+                </a:solidFill>
+                <a:latin typeface="+mn-lt"/>
+                <a:ea typeface="+mn-ea"/>
+                <a:cs typeface="+mn-cs"/>
+              </a:defRPr>
+            </a:lvl7pPr>
+            <a:lvl8pPr marL="3429000" indent="-228600" algn="l" defTabSz="914400" rtl="0" eaLnBrk="1" latinLnBrk="0" hangingPunct="1">
+              <a:lnSpc>
+                <a:spcPct val="90000"/>
+              </a:lnSpc>
+              <a:spcBef>
+                <a:spcPts val="500"/>
+              </a:spcBef>
+              <a:buFont typeface="Arial" panose="020B0604020202020204" pitchFamily="34" charset="0"/>
+              <a:buChar char="•"/>
+              <a:defRPr sz="1800" kern="1200">
+                <a:solidFill>
+                  <a:schemeClr val="tx1"/>
+                </a:solidFill>
+                <a:latin typeface="+mn-lt"/>
+                <a:ea typeface="+mn-ea"/>
+                <a:cs typeface="+mn-cs"/>
+              </a:defRPr>
+            </a:lvl8pPr>
+            <a:lvl9pPr marL="3886200" indent="-228600" algn="l" defTabSz="914400" rtl="0" eaLnBrk="1" latinLnBrk="0" hangingPunct="1">
+              <a:lnSpc>
+                <a:spcPct val="90000"/>
+              </a:lnSpc>
+              <a:spcBef>
+                <a:spcPts val="500"/>
+              </a:spcBef>
+              <a:buFont typeface="Arial" panose="020B0604020202020204" pitchFamily="34" charset="0"/>
+              <a:buChar char="•"/>
+              <a:defRPr sz="1800" kern="1200">
+                <a:solidFill>
+                  <a:schemeClr val="tx1"/>
+                </a:solidFill>
+                <a:latin typeface="+mn-lt"/>
+                <a:ea typeface="+mn-ea"/>
+                <a:cs typeface="+mn-cs"/>
+              </a:defRPr>
+            </a:lvl9pPr>
+          </a:lstStyle>
+          <a:p>
+            <a:r>
+              <a:rPr lang="en-US" dirty="0"/>
+              <a:t>Top 5 Papers in Papers with Code</a:t>
+            </a:r>
+          </a:p>
+          <a:p>
+            <a:pPr lvl="1"/>
+            <a:r>
+              <a:rPr lang="en-US" sz="2000" dirty="0" err="1"/>
+              <a:t>AudioSet</a:t>
+            </a:r>
+            <a:r>
+              <a:rPr lang="en-US" sz="2000" dirty="0"/>
+              <a:t> </a:t>
+            </a:r>
+            <a:r>
+              <a:rPr lang="en-US" sz="2000" dirty="0">
+                <a:sym typeface="Wingdings" panose="05000000000000000000" pitchFamily="2" charset="2"/>
+              </a:rPr>
+              <a:t> 591</a:t>
+            </a:r>
+          </a:p>
+          <a:p>
+            <a:pPr lvl="1"/>
+            <a:r>
+              <a:rPr lang="en-US" sz="2000" dirty="0">
+                <a:sym typeface="Wingdings" panose="05000000000000000000" pitchFamily="2" charset="2"/>
+              </a:rPr>
+              <a:t>VoxCeleb1  490</a:t>
+            </a:r>
+          </a:p>
+          <a:p>
+            <a:pPr lvl="1"/>
+            <a:r>
+              <a:rPr lang="en-US" sz="2000" dirty="0">
+                <a:sym typeface="Wingdings" panose="05000000000000000000" pitchFamily="2" charset="2"/>
+              </a:rPr>
+              <a:t>Speech Commands  336</a:t>
+            </a:r>
+          </a:p>
+          <a:p>
+            <a:pPr lvl="1"/>
+            <a:r>
+              <a:rPr lang="en-US" sz="2000" dirty="0">
+                <a:sym typeface="Wingdings" panose="05000000000000000000" pitchFamily="2" charset="2"/>
+              </a:rPr>
+              <a:t>ESC50  302</a:t>
+            </a:r>
+          </a:p>
+          <a:p>
+            <a:pPr lvl="1"/>
+            <a:r>
+              <a:rPr lang="en-US" sz="2000" dirty="0">
+                <a:sym typeface="Wingdings" panose="05000000000000000000" pitchFamily="2" charset="2"/>
+              </a:rPr>
+              <a:t>VGG-Sound  179</a:t>
+            </a:r>
+            <a:endParaRPr lang="en-US" sz="2000" dirty="0"/>
+          </a:p>
+          <a:p>
+            <a:pPr marL="0" indent="0">
+              <a:buNone/>
+            </a:pPr>
+            <a:endParaRPr lang="en-US" dirty="0">
+              <a:sym typeface="Wingdings" panose="05000000000000000000" pitchFamily="2" charset="2"/>
+            </a:endParaRPr>
+          </a:p>
+        </p:txBody>
+      </p:sp>
+      <p:sp>
+        <p:nvSpPr>
+          <p:cNvPr id="14" name="Inhaltsplatzhalter 3">
+            <a:extLst>
+              <a:ext uri="{FF2B5EF4-FFF2-40B4-BE49-F238E27FC236}">
+                <a16:creationId xmlns:a16="http://schemas.microsoft.com/office/drawing/2014/main" id="{85CA4753-8727-4287-94CC-50BA72E9187B}"/>
+              </a:ext>
+            </a:extLst>
+          </p:cNvPr>
+          <p:cNvSpPr txBox="1">
+            <a:spLocks/>
+          </p:cNvSpPr>
+          <p:nvPr/>
+        </p:nvSpPr>
+        <p:spPr>
+          <a:xfrm>
+            <a:off x="2348754" y="4487409"/>
+            <a:ext cx="7018982" cy="500957"/>
+          </a:xfrm>
+          <a:prstGeom prst="rect">
+            <a:avLst/>
+          </a:prstGeom>
+        </p:spPr>
+        <p:txBody>
+          <a:bodyPr>
+            <a:noAutofit/>
+          </a:bodyPr>
+          <a:lstStyle>
+            <a:lvl1pPr marL="228600" indent="-228600" algn="l" defTabSz="914400" rtl="0" eaLnBrk="1" latinLnBrk="0" hangingPunct="1">
+              <a:lnSpc>
+                <a:spcPct val="90000"/>
+              </a:lnSpc>
+              <a:spcBef>
+                <a:spcPts val="1000"/>
+              </a:spcBef>
+              <a:buFont typeface="Arial" panose="020B0604020202020204" pitchFamily="34" charset="0"/>
+              <a:buChar char="•"/>
+              <a:defRPr sz="2800" kern="1200">
+                <a:solidFill>
+                  <a:schemeClr val="tx1"/>
+                </a:solidFill>
+                <a:latin typeface="+mn-lt"/>
+                <a:ea typeface="+mn-ea"/>
+                <a:cs typeface="+mn-cs"/>
+              </a:defRPr>
+            </a:lvl1pPr>
+            <a:lvl2pPr marL="685800" indent="-228600" algn="l" defTabSz="914400" rtl="0" eaLnBrk="1" latinLnBrk="0" hangingPunct="1">
+              <a:lnSpc>
+                <a:spcPct val="90000"/>
+              </a:lnSpc>
+              <a:spcBef>
+                <a:spcPts val="500"/>
+              </a:spcBef>
+              <a:buFont typeface="Arial" panose="020B0604020202020204" pitchFamily="34" charset="0"/>
+              <a:buChar char="•"/>
+              <a:defRPr sz="2400" kern="1200">
+                <a:solidFill>
+                  <a:schemeClr val="tx1"/>
+                </a:solidFill>
+                <a:latin typeface="+mn-lt"/>
+                <a:ea typeface="+mn-ea"/>
+                <a:cs typeface="+mn-cs"/>
+              </a:defRPr>
+            </a:lvl2pPr>
+            <a:lvl3pPr marL="1143000" indent="-228600" algn="l" defTabSz="914400" rtl="0" eaLnBrk="1" latinLnBrk="0" hangingPunct="1">
+              <a:lnSpc>
+                <a:spcPct val="90000"/>
+              </a:lnSpc>
+              <a:spcBef>
+                <a:spcPts val="500"/>
+              </a:spcBef>
+              <a:buFont typeface="Arial" panose="020B0604020202020204" pitchFamily="34" charset="0"/>
+              <a:buChar char="•"/>
+              <a:defRPr sz="2000" kern="1200">
+                <a:solidFill>
+                  <a:schemeClr val="tx1"/>
+                </a:solidFill>
+                <a:latin typeface="+mn-lt"/>
+                <a:ea typeface="+mn-ea"/>
+                <a:cs typeface="+mn-cs"/>
+              </a:defRPr>
+            </a:lvl3pPr>
+            <a:lvl4pPr marL="1600200" indent="-228600" algn="l" defTabSz="914400" rtl="0" eaLnBrk="1" latinLnBrk="0" hangingPunct="1">
+              <a:lnSpc>
+                <a:spcPct val="90000"/>
+              </a:lnSpc>
+              <a:spcBef>
+                <a:spcPts val="500"/>
+              </a:spcBef>
+              <a:buFont typeface="Arial" panose="020B0604020202020204" pitchFamily="34" charset="0"/>
+              <a:buChar char="•"/>
+              <a:defRPr sz="1800" kern="1200">
+                <a:solidFill>
+                  <a:schemeClr val="tx1"/>
+                </a:solidFill>
+                <a:latin typeface="+mn-lt"/>
+                <a:ea typeface="+mn-ea"/>
+                <a:cs typeface="+mn-cs"/>
+              </a:defRPr>
+            </a:lvl4pPr>
+            <a:lvl5pPr marL="2057400" indent="-228600" algn="l" defTabSz="914400" rtl="0" eaLnBrk="1" latinLnBrk="0" hangingPunct="1">
+              <a:lnSpc>
+                <a:spcPct val="90000"/>
+              </a:lnSpc>
+              <a:spcBef>
+                <a:spcPts val="500"/>
+              </a:spcBef>
+              <a:buFont typeface="Arial" panose="020B0604020202020204" pitchFamily="34" charset="0"/>
+              <a:buChar char="•"/>
+              <a:defRPr sz="1800" kern="1200">
+                <a:solidFill>
+                  <a:schemeClr val="tx1"/>
+                </a:solidFill>
+                <a:latin typeface="+mn-lt"/>
+                <a:ea typeface="+mn-ea"/>
+                <a:cs typeface="+mn-cs"/>
+              </a:defRPr>
+            </a:lvl5pPr>
+            <a:lvl6pPr marL="2514600" indent="-228600" algn="l" defTabSz="914400" rtl="0" eaLnBrk="1" latinLnBrk="0" hangingPunct="1">
+              <a:lnSpc>
+                <a:spcPct val="90000"/>
+              </a:lnSpc>
+              <a:spcBef>
+                <a:spcPts val="500"/>
+              </a:spcBef>
+              <a:buFont typeface="Arial" panose="020B0604020202020204" pitchFamily="34" charset="0"/>
+              <a:buChar char="•"/>
+              <a:defRPr sz="1800" kern="1200">
+                <a:solidFill>
+                  <a:schemeClr val="tx1"/>
+                </a:solidFill>
+                <a:latin typeface="+mn-lt"/>
+                <a:ea typeface="+mn-ea"/>
+                <a:cs typeface="+mn-cs"/>
+              </a:defRPr>
+            </a:lvl6pPr>
+            <a:lvl7pPr marL="2971800" indent="-228600" algn="l" defTabSz="914400" rtl="0" eaLnBrk="1" latinLnBrk="0" hangingPunct="1">
+              <a:lnSpc>
+                <a:spcPct val="90000"/>
+              </a:lnSpc>
+              <a:spcBef>
+                <a:spcPts val="500"/>
+              </a:spcBef>
+              <a:buFont typeface="Arial" panose="020B0604020202020204" pitchFamily="34" charset="0"/>
+              <a:buChar char="•"/>
+              <a:defRPr sz="1800" kern="1200">
+                <a:solidFill>
+                  <a:schemeClr val="tx1"/>
+                </a:solidFill>
+                <a:latin typeface="+mn-lt"/>
+                <a:ea typeface="+mn-ea"/>
+                <a:cs typeface="+mn-cs"/>
+              </a:defRPr>
+            </a:lvl7pPr>
+            <a:lvl8pPr marL="3429000" indent="-228600" algn="l" defTabSz="914400" rtl="0" eaLnBrk="1" latinLnBrk="0" hangingPunct="1">
+              <a:lnSpc>
+                <a:spcPct val="90000"/>
+              </a:lnSpc>
+              <a:spcBef>
+                <a:spcPts val="500"/>
+              </a:spcBef>
+              <a:buFont typeface="Arial" panose="020B0604020202020204" pitchFamily="34" charset="0"/>
+              <a:buChar char="•"/>
+              <a:defRPr sz="1800" kern="1200">
+                <a:solidFill>
+                  <a:schemeClr val="tx1"/>
+                </a:solidFill>
+                <a:latin typeface="+mn-lt"/>
+                <a:ea typeface="+mn-ea"/>
+                <a:cs typeface="+mn-cs"/>
+              </a:defRPr>
+            </a:lvl8pPr>
+            <a:lvl9pPr marL="3886200" indent="-228600" algn="l" defTabSz="914400" rtl="0" eaLnBrk="1" latinLnBrk="0" hangingPunct="1">
+              <a:lnSpc>
+                <a:spcPct val="90000"/>
+              </a:lnSpc>
+              <a:spcBef>
+                <a:spcPts val="500"/>
+              </a:spcBef>
+              <a:buFont typeface="Arial" panose="020B0604020202020204" pitchFamily="34" charset="0"/>
+              <a:buChar char="•"/>
+              <a:defRPr sz="1800" kern="1200">
+                <a:solidFill>
+                  <a:schemeClr val="tx1"/>
+                </a:solidFill>
+                <a:latin typeface="+mn-lt"/>
+                <a:ea typeface="+mn-ea"/>
+                <a:cs typeface="+mn-cs"/>
+              </a:defRPr>
+            </a:lvl9pPr>
+          </a:lstStyle>
+          <a:p>
+            <a:r>
+              <a:rPr lang="en-US" dirty="0"/>
+              <a:t>Total content hours (All Datasets)</a:t>
+            </a:r>
+            <a:r>
+              <a:rPr lang="en-US" dirty="0">
+                <a:sym typeface="Wingdings" panose="05000000000000000000" pitchFamily="2" charset="2"/>
+              </a:rPr>
+              <a:t> 181242 </a:t>
+            </a:r>
+            <a:endParaRPr lang="en-US" dirty="0"/>
+          </a:p>
+          <a:p>
+            <a:pPr marL="0" indent="0">
+              <a:buNone/>
+            </a:pPr>
+            <a:endParaRPr lang="en-US" dirty="0">
+              <a:sym typeface="Wingdings" panose="05000000000000000000" pitchFamily="2" charset="2"/>
+            </a:endParaRPr>
+          </a:p>
+        </p:txBody>
+      </p:sp>
+    </p:spTree>
+    <p:extLst>
+      <p:ext uri="{BB962C8B-B14F-4D97-AF65-F5344CB8AC3E}">
+        <p14:creationId xmlns:p14="http://schemas.microsoft.com/office/powerpoint/2010/main" val="3854234934"/>
+      </p:ext>
+    </p:extLst>
+  </p:cSld>
+  <p:clrMapOvr>
+    <a:masterClrMapping/>
+  </p:clrMapOvr>
+</p:sld>
+</file>
+
+<file path=ppt/slides/slide19.xml><?xml version="1.0" encoding="utf-8"?>
+<p:sld xmlns:a="http://schemas.openxmlformats.org/drawingml/2006/main" xmlns:r="http://schemas.openxmlformats.org/officeDocument/2006/relationships" xmlns:p="http://schemas.openxmlformats.org/presentationml/2006/main">
+  <p:cSld>
+    <p:spTree>
+      <p:nvGrpSpPr>
+        <p:cNvPr id="1" name=""/>
+        <p:cNvGrpSpPr/>
+        <p:nvPr/>
+      </p:nvGrpSpPr>
+      <p:grpSpPr>
+        <a:xfrm>
+          <a:off x="0" y="0"/>
+          <a:ext cx="0" cy="0"/>
+          <a:chOff x="0" y="0"/>
+          <a:chExt cx="0" cy="0"/>
+        </a:xfrm>
+      </p:grpSpPr>
+      <p:sp>
+        <p:nvSpPr>
+          <p:cNvPr id="2" name="Title 1">
+            <a:extLst>
+              <a:ext uri="{FF2B5EF4-FFF2-40B4-BE49-F238E27FC236}">
+                <a16:creationId xmlns:a16="http://schemas.microsoft.com/office/drawing/2014/main" id="{80715D95-BB7D-480A-BF4C-383DDD0CC3B1}"/>
+              </a:ext>
+            </a:extLst>
+          </p:cNvPr>
+          <p:cNvSpPr>
+            <a:spLocks noGrp="1"/>
+          </p:cNvSpPr>
+          <p:nvPr>
+            <p:ph type="title"/>
+          </p:nvPr>
+        </p:nvSpPr>
+        <p:spPr/>
+        <p:txBody>
+          <a:bodyPr/>
+          <a:lstStyle/>
+          <a:p>
+            <a:r>
+              <a:rPr lang="en-US" dirty="0"/>
+              <a:t>Selection criteria</a:t>
+            </a:r>
+            <a:endParaRPr lang="en-AT" dirty="0"/>
+          </a:p>
+        </p:txBody>
+      </p:sp>
+      <p:sp>
+        <p:nvSpPr>
+          <p:cNvPr id="3" name="Slide Number Placeholder 2">
+            <a:extLst>
+              <a:ext uri="{FF2B5EF4-FFF2-40B4-BE49-F238E27FC236}">
+                <a16:creationId xmlns:a16="http://schemas.microsoft.com/office/drawing/2014/main" id="{7D4EA89B-8B57-4A4B-952B-D487C3271830}"/>
+              </a:ext>
+            </a:extLst>
+          </p:cNvPr>
+          <p:cNvSpPr>
+            <a:spLocks noGrp="1"/>
+          </p:cNvSpPr>
+          <p:nvPr>
+            <p:ph type="sldNum" sz="quarter" idx="12"/>
+          </p:nvPr>
+        </p:nvSpPr>
+        <p:spPr/>
+        <p:txBody>
+          <a:bodyPr/>
+          <a:lstStyle/>
+          <a:p>
+            <a:fld id="{4A398261-F701-46B7-83E5-4561CE5D0B2C}" type="slidenum">
+              <a:rPr lang="de-AT" smtClean="0"/>
+              <a:t>19</a:t>
+            </a:fld>
+            <a:endParaRPr lang="de-AT"/>
+          </a:p>
+        </p:txBody>
+      </p:sp>
+      <p:sp>
+        <p:nvSpPr>
+          <p:cNvPr id="4" name="Inhaltsplatzhalter 3">
+            <a:extLst>
+              <a:ext uri="{FF2B5EF4-FFF2-40B4-BE49-F238E27FC236}">
+                <a16:creationId xmlns:a16="http://schemas.microsoft.com/office/drawing/2014/main" id="{24BC2481-ABE4-4CE9-9793-3B66E26155AB}"/>
+              </a:ext>
+            </a:extLst>
+          </p:cNvPr>
+          <p:cNvSpPr txBox="1">
+            <a:spLocks/>
+          </p:cNvSpPr>
+          <p:nvPr/>
+        </p:nvSpPr>
+        <p:spPr>
+          <a:xfrm>
+            <a:off x="589027" y="1250830"/>
+            <a:ext cx="6628896" cy="500957"/>
+          </a:xfrm>
+          <a:prstGeom prst="rect">
+            <a:avLst/>
+          </a:prstGeom>
+        </p:spPr>
+        <p:txBody>
+          <a:bodyPr>
+            <a:noAutofit/>
+          </a:bodyPr>
+          <a:lstStyle>
+            <a:lvl1pPr marL="228600" indent="-228600" algn="l" defTabSz="914400" rtl="0" eaLnBrk="1" latinLnBrk="0" hangingPunct="1">
+              <a:lnSpc>
+                <a:spcPct val="90000"/>
+              </a:lnSpc>
+              <a:spcBef>
+                <a:spcPts val="1000"/>
+              </a:spcBef>
+              <a:buFont typeface="Arial" panose="020B0604020202020204" pitchFamily="34" charset="0"/>
+              <a:buChar char="•"/>
+              <a:defRPr sz="2800" kern="1200">
+                <a:solidFill>
+                  <a:schemeClr val="tx1"/>
+                </a:solidFill>
+                <a:latin typeface="+mn-lt"/>
+                <a:ea typeface="+mn-ea"/>
+                <a:cs typeface="+mn-cs"/>
+              </a:defRPr>
+            </a:lvl1pPr>
+            <a:lvl2pPr marL="685800" indent="-228600" algn="l" defTabSz="914400" rtl="0" eaLnBrk="1" latinLnBrk="0" hangingPunct="1">
+              <a:lnSpc>
+                <a:spcPct val="90000"/>
+              </a:lnSpc>
+              <a:spcBef>
+                <a:spcPts val="500"/>
+              </a:spcBef>
+              <a:buFont typeface="Arial" panose="020B0604020202020204" pitchFamily="34" charset="0"/>
+              <a:buChar char="•"/>
+              <a:defRPr sz="2400" kern="1200">
+                <a:solidFill>
+                  <a:schemeClr val="tx1"/>
+                </a:solidFill>
+                <a:latin typeface="+mn-lt"/>
+                <a:ea typeface="+mn-ea"/>
+                <a:cs typeface="+mn-cs"/>
+              </a:defRPr>
+            </a:lvl2pPr>
+            <a:lvl3pPr marL="1143000" indent="-228600" algn="l" defTabSz="914400" rtl="0" eaLnBrk="1" latinLnBrk="0" hangingPunct="1">
+              <a:lnSpc>
+                <a:spcPct val="90000"/>
+              </a:lnSpc>
+              <a:spcBef>
+                <a:spcPts val="500"/>
+              </a:spcBef>
+              <a:buFont typeface="Arial" panose="020B0604020202020204" pitchFamily="34" charset="0"/>
+              <a:buChar char="•"/>
+              <a:defRPr sz="2000" kern="1200">
+                <a:solidFill>
+                  <a:schemeClr val="tx1"/>
+                </a:solidFill>
+                <a:latin typeface="+mn-lt"/>
+                <a:ea typeface="+mn-ea"/>
+                <a:cs typeface="+mn-cs"/>
+              </a:defRPr>
+            </a:lvl3pPr>
+            <a:lvl4pPr marL="1600200" indent="-228600" algn="l" defTabSz="914400" rtl="0" eaLnBrk="1" latinLnBrk="0" hangingPunct="1">
+              <a:lnSpc>
+                <a:spcPct val="90000"/>
+              </a:lnSpc>
+              <a:spcBef>
+                <a:spcPts val="500"/>
+              </a:spcBef>
+              <a:buFont typeface="Arial" panose="020B0604020202020204" pitchFamily="34" charset="0"/>
+              <a:buChar char="•"/>
+              <a:defRPr sz="1800" kern="1200">
+                <a:solidFill>
+                  <a:schemeClr val="tx1"/>
+                </a:solidFill>
+                <a:latin typeface="+mn-lt"/>
+                <a:ea typeface="+mn-ea"/>
+                <a:cs typeface="+mn-cs"/>
+              </a:defRPr>
+            </a:lvl4pPr>
+            <a:lvl5pPr marL="2057400" indent="-228600" algn="l" defTabSz="914400" rtl="0" eaLnBrk="1" latinLnBrk="0" hangingPunct="1">
+              <a:lnSpc>
+                <a:spcPct val="90000"/>
+              </a:lnSpc>
+              <a:spcBef>
+                <a:spcPts val="500"/>
+              </a:spcBef>
+              <a:buFont typeface="Arial" panose="020B0604020202020204" pitchFamily="34" charset="0"/>
+              <a:buChar char="•"/>
+              <a:defRPr sz="1800" kern="1200">
+                <a:solidFill>
+                  <a:schemeClr val="tx1"/>
+                </a:solidFill>
+                <a:latin typeface="+mn-lt"/>
+                <a:ea typeface="+mn-ea"/>
+                <a:cs typeface="+mn-cs"/>
+              </a:defRPr>
+            </a:lvl5pPr>
+            <a:lvl6pPr marL="2514600" indent="-228600" algn="l" defTabSz="914400" rtl="0" eaLnBrk="1" latinLnBrk="0" hangingPunct="1">
+              <a:lnSpc>
+                <a:spcPct val="90000"/>
+              </a:lnSpc>
+              <a:spcBef>
+                <a:spcPts val="500"/>
+              </a:spcBef>
+              <a:buFont typeface="Arial" panose="020B0604020202020204" pitchFamily="34" charset="0"/>
+              <a:buChar char="•"/>
+              <a:defRPr sz="1800" kern="1200">
+                <a:solidFill>
+                  <a:schemeClr val="tx1"/>
+                </a:solidFill>
+                <a:latin typeface="+mn-lt"/>
+                <a:ea typeface="+mn-ea"/>
+                <a:cs typeface="+mn-cs"/>
+              </a:defRPr>
+            </a:lvl6pPr>
+            <a:lvl7pPr marL="2971800" indent="-228600" algn="l" defTabSz="914400" rtl="0" eaLnBrk="1" latinLnBrk="0" hangingPunct="1">
+              <a:lnSpc>
+                <a:spcPct val="90000"/>
+              </a:lnSpc>
+              <a:spcBef>
+                <a:spcPts val="500"/>
+              </a:spcBef>
+              <a:buFont typeface="Arial" panose="020B0604020202020204" pitchFamily="34" charset="0"/>
+              <a:buChar char="•"/>
+              <a:defRPr sz="1800" kern="1200">
+                <a:solidFill>
+                  <a:schemeClr val="tx1"/>
+                </a:solidFill>
+                <a:latin typeface="+mn-lt"/>
+                <a:ea typeface="+mn-ea"/>
+                <a:cs typeface="+mn-cs"/>
+              </a:defRPr>
+            </a:lvl7pPr>
+            <a:lvl8pPr marL="3429000" indent="-228600" algn="l" defTabSz="914400" rtl="0" eaLnBrk="1" latinLnBrk="0" hangingPunct="1">
+              <a:lnSpc>
+                <a:spcPct val="90000"/>
+              </a:lnSpc>
+              <a:spcBef>
+                <a:spcPts val="500"/>
+              </a:spcBef>
+              <a:buFont typeface="Arial" panose="020B0604020202020204" pitchFamily="34" charset="0"/>
+              <a:buChar char="•"/>
+              <a:defRPr sz="1800" kern="1200">
+                <a:solidFill>
+                  <a:schemeClr val="tx1"/>
+                </a:solidFill>
+                <a:latin typeface="+mn-lt"/>
+                <a:ea typeface="+mn-ea"/>
+                <a:cs typeface="+mn-cs"/>
+              </a:defRPr>
+            </a:lvl8pPr>
+            <a:lvl9pPr marL="3886200" indent="-228600" algn="l" defTabSz="914400" rtl="0" eaLnBrk="1" latinLnBrk="0" hangingPunct="1">
+              <a:lnSpc>
+                <a:spcPct val="90000"/>
+              </a:lnSpc>
+              <a:spcBef>
+                <a:spcPts val="500"/>
+              </a:spcBef>
+              <a:buFont typeface="Arial" panose="020B0604020202020204" pitchFamily="34" charset="0"/>
+              <a:buChar char="•"/>
+              <a:defRPr sz="1800" kern="1200">
+                <a:solidFill>
+                  <a:schemeClr val="tx1"/>
+                </a:solidFill>
+                <a:latin typeface="+mn-lt"/>
+                <a:ea typeface="+mn-ea"/>
+                <a:cs typeface="+mn-cs"/>
+              </a:defRPr>
+            </a:lvl9pPr>
+          </a:lstStyle>
+          <a:p>
+            <a:r>
+              <a:rPr lang="en-US" dirty="0"/>
+              <a:t>Original Use Case </a:t>
+            </a:r>
+            <a:r>
+              <a:rPr lang="en-US" dirty="0">
+                <a:sym typeface="Wingdings" panose="05000000000000000000" pitchFamily="2" charset="2"/>
+              </a:rPr>
+              <a:t> Audio classification</a:t>
+            </a:r>
+          </a:p>
+          <a:p>
+            <a:r>
+              <a:rPr lang="en-US" dirty="0" err="1">
+                <a:sym typeface="Wingdings" panose="05000000000000000000" pitchFamily="2" charset="2"/>
+              </a:rPr>
+              <a:t>Accessable</a:t>
+            </a:r>
+            <a:endParaRPr lang="en-US" dirty="0">
+              <a:sym typeface="Wingdings" panose="05000000000000000000" pitchFamily="2" charset="2"/>
+            </a:endParaRPr>
+          </a:p>
+          <a:p>
+            <a:r>
+              <a:rPr lang="en-US" dirty="0"/>
+              <a:t>Easy downloadable</a:t>
+            </a:r>
+          </a:p>
+          <a:p>
+            <a:r>
+              <a:rPr lang="en-US" dirty="0"/>
+              <a:t>Has a benchmark and paper</a:t>
+            </a:r>
+          </a:p>
+        </p:txBody>
+      </p:sp>
+      <p:pic>
+        <p:nvPicPr>
+          <p:cNvPr id="6" name="Picture 5">
+            <a:extLst>
+              <a:ext uri="{FF2B5EF4-FFF2-40B4-BE49-F238E27FC236}">
+                <a16:creationId xmlns:a16="http://schemas.microsoft.com/office/drawing/2014/main" id="{2AE93F24-3CD4-4C9B-BD67-478CCD70BB07}"/>
+              </a:ext>
+            </a:extLst>
+          </p:cNvPr>
+          <p:cNvPicPr>
+            <a:picLocks noChangeAspect="1"/>
+          </p:cNvPicPr>
+          <p:nvPr/>
+        </p:nvPicPr>
+        <p:blipFill>
+          <a:blip r:embed="rId2"/>
+          <a:stretch>
+            <a:fillRect/>
+          </a:stretch>
+        </p:blipFill>
+        <p:spPr>
+          <a:xfrm>
+            <a:off x="7062280" y="712325"/>
+            <a:ext cx="2700014" cy="5578330"/>
+          </a:xfrm>
+          <a:prstGeom prst="rect">
+            <a:avLst/>
+          </a:prstGeom>
+        </p:spPr>
+      </p:pic>
+      <p:sp>
+        <p:nvSpPr>
+          <p:cNvPr id="8" name="TextBox 7">
+            <a:extLst>
+              <a:ext uri="{FF2B5EF4-FFF2-40B4-BE49-F238E27FC236}">
+                <a16:creationId xmlns:a16="http://schemas.microsoft.com/office/drawing/2014/main" id="{0B21740D-E9A7-4226-BF2A-C63E9916C8D6}"/>
+              </a:ext>
+            </a:extLst>
+          </p:cNvPr>
+          <p:cNvSpPr txBox="1"/>
+          <p:nvPr/>
+        </p:nvSpPr>
+        <p:spPr>
+          <a:xfrm>
+            <a:off x="10211834" y="3316824"/>
+            <a:ext cx="6138152" cy="369332"/>
+          </a:xfrm>
+          <a:prstGeom prst="rect">
+            <a:avLst/>
+          </a:prstGeom>
+          <a:noFill/>
+        </p:spPr>
+        <p:txBody>
+          <a:bodyPr wrap="square">
+            <a:spAutoFit/>
+          </a:bodyPr>
+          <a:lstStyle/>
+          <a:p>
+            <a:r>
+              <a:rPr lang="en-US" dirty="0">
+                <a:sym typeface="Wingdings" panose="05000000000000000000" pitchFamily="2" charset="2"/>
+              </a:rPr>
+              <a:t>15 Datasets</a:t>
+            </a:r>
+          </a:p>
+        </p:txBody>
+      </p:sp>
+    </p:spTree>
+    <p:extLst>
+      <p:ext uri="{BB962C8B-B14F-4D97-AF65-F5344CB8AC3E}">
+        <p14:creationId xmlns:p14="http://schemas.microsoft.com/office/powerpoint/2010/main" val="2449248560"/>
       </p:ext>
     </p:extLst>
   </p:cSld>
@@ -5603,6 +7750,401 @@
     <p:extLst>
       <p:ext uri="{BB962C8B-B14F-4D97-AF65-F5344CB8AC3E}">
         <p14:creationId xmlns:p14="http://schemas.microsoft.com/office/powerpoint/2010/main" val="2257926447"/>
+      </p:ext>
+    </p:extLst>
+  </p:cSld>
+  <p:clrMapOvr>
+    <a:masterClrMapping/>
+  </p:clrMapOvr>
+</p:sld>
+</file>
+
+<file path=ppt/slides/slide20.xml><?xml version="1.0" encoding="utf-8"?>
+<p:sld xmlns:a="http://schemas.openxmlformats.org/drawingml/2006/main" xmlns:r="http://schemas.openxmlformats.org/officeDocument/2006/relationships" xmlns:p="http://schemas.openxmlformats.org/presentationml/2006/main">
+  <p:cSld>
+    <p:spTree>
+      <p:nvGrpSpPr>
+        <p:cNvPr id="1" name=""/>
+        <p:cNvGrpSpPr/>
+        <p:nvPr/>
+      </p:nvGrpSpPr>
+      <p:grpSpPr>
+        <a:xfrm>
+          <a:off x="0" y="0"/>
+          <a:ext cx="0" cy="0"/>
+          <a:chOff x="0" y="0"/>
+          <a:chExt cx="0" cy="0"/>
+        </a:xfrm>
+      </p:grpSpPr>
+      <p:sp>
+        <p:nvSpPr>
+          <p:cNvPr id="2" name="Title 1">
+            <a:extLst>
+              <a:ext uri="{FF2B5EF4-FFF2-40B4-BE49-F238E27FC236}">
+                <a16:creationId xmlns:a16="http://schemas.microsoft.com/office/drawing/2014/main" id="{59AC40B9-F454-412E-BF49-F1679AABD1A0}"/>
+              </a:ext>
+            </a:extLst>
+          </p:cNvPr>
+          <p:cNvSpPr>
+            <a:spLocks noGrp="1"/>
+          </p:cNvSpPr>
+          <p:nvPr>
+            <p:ph type="title"/>
+          </p:nvPr>
+        </p:nvSpPr>
+        <p:spPr>
+          <a:xfrm>
+            <a:off x="163901" y="136525"/>
+            <a:ext cx="11878573" cy="841375"/>
+          </a:xfrm>
+        </p:spPr>
+        <p:txBody>
+          <a:bodyPr/>
+          <a:lstStyle/>
+          <a:p>
+            <a:r>
+              <a:rPr lang="en-US" dirty="0"/>
+              <a:t>Some plots</a:t>
+            </a:r>
+            <a:endParaRPr lang="en-AT" dirty="0"/>
+          </a:p>
+        </p:txBody>
+      </p:sp>
+      <p:sp>
+        <p:nvSpPr>
+          <p:cNvPr id="3" name="Slide Number Placeholder 2">
+            <a:extLst>
+              <a:ext uri="{FF2B5EF4-FFF2-40B4-BE49-F238E27FC236}">
+                <a16:creationId xmlns:a16="http://schemas.microsoft.com/office/drawing/2014/main" id="{7496C5C6-86B7-474B-BF21-1BA28787D613}"/>
+              </a:ext>
+            </a:extLst>
+          </p:cNvPr>
+          <p:cNvSpPr>
+            <a:spLocks noGrp="1"/>
+          </p:cNvSpPr>
+          <p:nvPr>
+            <p:ph type="sldNum" sz="quarter" idx="12"/>
+          </p:nvPr>
+        </p:nvSpPr>
+        <p:spPr/>
+        <p:txBody>
+          <a:bodyPr/>
+          <a:lstStyle/>
+          <a:p>
+            <a:fld id="{4A398261-F701-46B7-83E5-4561CE5D0B2C}" type="slidenum">
+              <a:rPr lang="de-AT" smtClean="0"/>
+              <a:t>20</a:t>
+            </a:fld>
+            <a:endParaRPr lang="de-AT"/>
+          </a:p>
+        </p:txBody>
+      </p:sp>
+      <p:pic>
+        <p:nvPicPr>
+          <p:cNvPr id="5" name="Picture 4">
+            <a:extLst>
+              <a:ext uri="{FF2B5EF4-FFF2-40B4-BE49-F238E27FC236}">
+                <a16:creationId xmlns:a16="http://schemas.microsoft.com/office/drawing/2014/main" id="{54571CA9-528C-40E4-A1F0-AC913ACB69F6}"/>
+              </a:ext>
+            </a:extLst>
+          </p:cNvPr>
+          <p:cNvPicPr>
+            <a:picLocks noChangeAspect="1"/>
+          </p:cNvPicPr>
+          <p:nvPr/>
+        </p:nvPicPr>
+        <p:blipFill>
+          <a:blip r:embed="rId2"/>
+          <a:stretch>
+            <a:fillRect/>
+          </a:stretch>
+        </p:blipFill>
+        <p:spPr>
+          <a:xfrm>
+            <a:off x="136826" y="923827"/>
+            <a:ext cx="5093524" cy="5222973"/>
+          </a:xfrm>
+          <a:prstGeom prst="rect">
+            <a:avLst/>
+          </a:prstGeom>
+        </p:spPr>
+      </p:pic>
+      <p:pic>
+        <p:nvPicPr>
+          <p:cNvPr id="7" name="Picture 6">
+            <a:extLst>
+              <a:ext uri="{FF2B5EF4-FFF2-40B4-BE49-F238E27FC236}">
+                <a16:creationId xmlns:a16="http://schemas.microsoft.com/office/drawing/2014/main" id="{C74A30BC-6921-4E7A-92D0-8E4EDD7FF7F6}"/>
+              </a:ext>
+            </a:extLst>
+          </p:cNvPr>
+          <p:cNvPicPr>
+            <a:picLocks noChangeAspect="1"/>
+          </p:cNvPicPr>
+          <p:nvPr/>
+        </p:nvPicPr>
+        <p:blipFill>
+          <a:blip r:embed="rId3"/>
+          <a:stretch>
+            <a:fillRect/>
+          </a:stretch>
+        </p:blipFill>
+        <p:spPr>
+          <a:xfrm>
+            <a:off x="5977322" y="136525"/>
+            <a:ext cx="5547928" cy="3813109"/>
+          </a:xfrm>
+          <a:prstGeom prst="rect">
+            <a:avLst/>
+          </a:prstGeom>
+        </p:spPr>
+      </p:pic>
+      <p:pic>
+        <p:nvPicPr>
+          <p:cNvPr id="9" name="Picture 8">
+            <a:extLst>
+              <a:ext uri="{FF2B5EF4-FFF2-40B4-BE49-F238E27FC236}">
+                <a16:creationId xmlns:a16="http://schemas.microsoft.com/office/drawing/2014/main" id="{5C592CC9-FE6A-4525-ACE1-21788F7C4085}"/>
+              </a:ext>
+            </a:extLst>
+          </p:cNvPr>
+          <p:cNvPicPr>
+            <a:picLocks noChangeAspect="1"/>
+          </p:cNvPicPr>
+          <p:nvPr/>
+        </p:nvPicPr>
+        <p:blipFill>
+          <a:blip r:embed="rId4"/>
+          <a:stretch>
+            <a:fillRect/>
+          </a:stretch>
+        </p:blipFill>
+        <p:spPr>
+          <a:xfrm>
+            <a:off x="6372225" y="4003380"/>
+            <a:ext cx="4418647" cy="2535532"/>
+          </a:xfrm>
+          <a:prstGeom prst="rect">
+            <a:avLst/>
+          </a:prstGeom>
+        </p:spPr>
+      </p:pic>
+    </p:spTree>
+    <p:extLst>
+      <p:ext uri="{BB962C8B-B14F-4D97-AF65-F5344CB8AC3E}">
+        <p14:creationId xmlns:p14="http://schemas.microsoft.com/office/powerpoint/2010/main" val="2033253259"/>
+      </p:ext>
+    </p:extLst>
+  </p:cSld>
+  <p:clrMapOvr>
+    <a:masterClrMapping/>
+  </p:clrMapOvr>
+</p:sld>
+</file>
+
+<file path=ppt/slides/slide21.xml><?xml version="1.0" encoding="utf-8"?>
+<p:sld xmlns:a="http://schemas.openxmlformats.org/drawingml/2006/main" xmlns:r="http://schemas.openxmlformats.org/officeDocument/2006/relationships" xmlns:p="http://schemas.openxmlformats.org/presentationml/2006/main">
+  <p:cSld>
+    <p:spTree>
+      <p:nvGrpSpPr>
+        <p:cNvPr id="1" name=""/>
+        <p:cNvGrpSpPr/>
+        <p:nvPr/>
+      </p:nvGrpSpPr>
+      <p:grpSpPr>
+        <a:xfrm>
+          <a:off x="0" y="0"/>
+          <a:ext cx="0" cy="0"/>
+          <a:chOff x="0" y="0"/>
+          <a:chExt cx="0" cy="0"/>
+        </a:xfrm>
+      </p:grpSpPr>
+      <p:sp>
+        <p:nvSpPr>
+          <p:cNvPr id="2" name="Title 1">
+            <a:extLst>
+              <a:ext uri="{FF2B5EF4-FFF2-40B4-BE49-F238E27FC236}">
+                <a16:creationId xmlns:a16="http://schemas.microsoft.com/office/drawing/2014/main" id="{B5E033B0-A647-42C0-8D74-C0A1E3887D8C}"/>
+              </a:ext>
+            </a:extLst>
+          </p:cNvPr>
+          <p:cNvSpPr>
+            <a:spLocks noGrp="1"/>
+          </p:cNvSpPr>
+          <p:nvPr>
+            <p:ph type="title"/>
+          </p:nvPr>
+        </p:nvSpPr>
+        <p:spPr/>
+        <p:txBody>
+          <a:bodyPr/>
+          <a:lstStyle/>
+          <a:p>
+            <a:r>
+              <a:rPr lang="en-US" dirty="0"/>
+              <a:t>Number of Classes</a:t>
+            </a:r>
+            <a:endParaRPr lang="en-AT" dirty="0"/>
+          </a:p>
+        </p:txBody>
+      </p:sp>
+      <p:sp>
+        <p:nvSpPr>
+          <p:cNvPr id="3" name="Slide Number Placeholder 2">
+            <a:extLst>
+              <a:ext uri="{FF2B5EF4-FFF2-40B4-BE49-F238E27FC236}">
+                <a16:creationId xmlns:a16="http://schemas.microsoft.com/office/drawing/2014/main" id="{CC94DAB4-34B7-4D3D-9CD7-F501A9FD5820}"/>
+              </a:ext>
+            </a:extLst>
+          </p:cNvPr>
+          <p:cNvSpPr>
+            <a:spLocks noGrp="1"/>
+          </p:cNvSpPr>
+          <p:nvPr>
+            <p:ph type="sldNum" sz="quarter" idx="12"/>
+          </p:nvPr>
+        </p:nvSpPr>
+        <p:spPr/>
+        <p:txBody>
+          <a:bodyPr/>
+          <a:lstStyle/>
+          <a:p>
+            <a:fld id="{4A398261-F701-46B7-83E5-4561CE5D0B2C}" type="slidenum">
+              <a:rPr lang="de-AT" smtClean="0"/>
+              <a:t>21</a:t>
+            </a:fld>
+            <a:endParaRPr lang="de-AT"/>
+          </a:p>
+        </p:txBody>
+      </p:sp>
+      <p:pic>
+        <p:nvPicPr>
+          <p:cNvPr id="5" name="Picture 4">
+            <a:extLst>
+              <a:ext uri="{FF2B5EF4-FFF2-40B4-BE49-F238E27FC236}">
+                <a16:creationId xmlns:a16="http://schemas.microsoft.com/office/drawing/2014/main" id="{4905B1BE-378D-491A-8F24-4B756324B98F}"/>
+              </a:ext>
+            </a:extLst>
+          </p:cNvPr>
+          <p:cNvPicPr>
+            <a:picLocks noChangeAspect="1"/>
+          </p:cNvPicPr>
+          <p:nvPr/>
+        </p:nvPicPr>
+        <p:blipFill>
+          <a:blip r:embed="rId2"/>
+          <a:stretch>
+            <a:fillRect/>
+          </a:stretch>
+        </p:blipFill>
+        <p:spPr>
+          <a:xfrm>
+            <a:off x="2972511" y="885825"/>
+            <a:ext cx="5933686" cy="5972175"/>
+          </a:xfrm>
+          <a:prstGeom prst="rect">
+            <a:avLst/>
+          </a:prstGeom>
+        </p:spPr>
+      </p:pic>
+    </p:spTree>
+    <p:extLst>
+      <p:ext uri="{BB962C8B-B14F-4D97-AF65-F5344CB8AC3E}">
+        <p14:creationId xmlns:p14="http://schemas.microsoft.com/office/powerpoint/2010/main" val="276728615"/>
+      </p:ext>
+    </p:extLst>
+  </p:cSld>
+  <p:clrMapOvr>
+    <a:masterClrMapping/>
+  </p:clrMapOvr>
+</p:sld>
+</file>
+
+<file path=ppt/slides/slide22.xml><?xml version="1.0" encoding="utf-8"?>
+<p:sld xmlns:a="http://schemas.openxmlformats.org/drawingml/2006/main" xmlns:r="http://schemas.openxmlformats.org/officeDocument/2006/relationships" xmlns:p="http://schemas.openxmlformats.org/presentationml/2006/main">
+  <p:cSld>
+    <p:spTree>
+      <p:nvGrpSpPr>
+        <p:cNvPr id="1" name=""/>
+        <p:cNvGrpSpPr/>
+        <p:nvPr/>
+      </p:nvGrpSpPr>
+      <p:grpSpPr>
+        <a:xfrm>
+          <a:off x="0" y="0"/>
+          <a:ext cx="0" cy="0"/>
+          <a:chOff x="0" y="0"/>
+          <a:chExt cx="0" cy="0"/>
+        </a:xfrm>
+      </p:grpSpPr>
+      <p:sp>
+        <p:nvSpPr>
+          <p:cNvPr id="4" name="Titel 3">
+            <a:extLst>
+              <a:ext uri="{FF2B5EF4-FFF2-40B4-BE49-F238E27FC236}">
+                <a16:creationId xmlns:a16="http://schemas.microsoft.com/office/drawing/2014/main" id="{4453C3EF-AB70-4C49-B9EA-228B28D2DE3F}"/>
+              </a:ext>
+            </a:extLst>
+          </p:cNvPr>
+          <p:cNvSpPr>
+            <a:spLocks noGrp="1"/>
+          </p:cNvSpPr>
+          <p:nvPr>
+            <p:ph type="title"/>
+          </p:nvPr>
+        </p:nvSpPr>
+        <p:spPr>
+          <a:xfrm>
+            <a:off x="838200" y="2766218"/>
+            <a:ext cx="10515600" cy="1325563"/>
+          </a:xfrm>
+        </p:spPr>
+        <p:txBody>
+          <a:bodyPr/>
+          <a:lstStyle/>
+          <a:p>
+            <a:pPr algn="ctr"/>
+            <a:r>
+              <a:rPr lang="en-US" noProof="0" dirty="0"/>
+              <a:t>Thank you for your attention!</a:t>
+            </a:r>
+            <a:endParaRPr lang="de-AT" dirty="0"/>
+          </a:p>
+        </p:txBody>
+      </p:sp>
+      <p:sp>
+        <p:nvSpPr>
+          <p:cNvPr id="5" name="Foliennummernplatzhalter 4">
+            <a:extLst>
+              <a:ext uri="{FF2B5EF4-FFF2-40B4-BE49-F238E27FC236}">
+                <a16:creationId xmlns:a16="http://schemas.microsoft.com/office/drawing/2014/main" id="{BFC8D299-C10B-467A-BACA-475797DE8699}"/>
+              </a:ext>
+            </a:extLst>
+          </p:cNvPr>
+          <p:cNvSpPr>
+            <a:spLocks noGrp="1"/>
+          </p:cNvSpPr>
+          <p:nvPr>
+            <p:ph type="sldNum" sz="quarter" idx="12"/>
+          </p:nvPr>
+        </p:nvSpPr>
+        <p:spPr/>
+        <p:txBody>
+          <a:bodyPr/>
+          <a:lstStyle/>
+          <a:p>
+            <a:fld id="{4A398261-F701-46B7-83E5-4561CE5D0B2C}" type="slidenum">
+              <a:rPr lang="de-AT" smtClean="0"/>
+              <a:t>22</a:t>
+            </a:fld>
+            <a:endParaRPr lang="de-AT"/>
+          </a:p>
+        </p:txBody>
+      </p:sp>
+    </p:spTree>
+    <p:extLst>
+      <p:ext uri="{BB962C8B-B14F-4D97-AF65-F5344CB8AC3E}">
+        <p14:creationId xmlns:p14="http://schemas.microsoft.com/office/powerpoint/2010/main" val="4024874473"/>
       </p:ext>
     </p:extLst>
   </p:cSld>
@@ -6429,44 +8971,262 @@
       </p:grpSpPr>
       <p:sp>
         <p:nvSpPr>
-          <p:cNvPr id="2" name="Foliennummernplatzhalter 1">
-            <a:extLst>
-              <a:ext uri="{FF2B5EF4-FFF2-40B4-BE49-F238E27FC236}">
-                <a16:creationId xmlns:a16="http://schemas.microsoft.com/office/drawing/2014/main" id="{15122CDF-34FF-4D9C-8E7D-DB78AA39CED1}"/>
-              </a:ext>
-            </a:extLst>
-          </p:cNvPr>
-          <p:cNvSpPr>
-            <a:spLocks noGrp="1"/>
-          </p:cNvSpPr>
-          <p:nvPr>
-            <p:ph type="sldNum" sz="quarter" idx="11"/>
-          </p:nvPr>
-        </p:nvSpPr>
-        <p:spPr>
-          <a:xfrm>
-            <a:off x="4724400" y="6356350"/>
-            <a:ext cx="2743200" cy="365125"/>
+          <p:cNvPr id="3" name="Content Placeholder 2">
+            <a:extLst>
+              <a:ext uri="{FF2B5EF4-FFF2-40B4-BE49-F238E27FC236}">
+                <a16:creationId xmlns:a16="http://schemas.microsoft.com/office/drawing/2014/main" id="{B8B44D33-5FE0-4558-A79B-B2BC9D4B89BF}"/>
+              </a:ext>
+            </a:extLst>
+          </p:cNvPr>
+          <p:cNvSpPr>
+            <a:spLocks noGrp="1"/>
+          </p:cNvSpPr>
+          <p:nvPr>
+            <p:ph idx="1"/>
+          </p:nvPr>
+        </p:nvSpPr>
+        <p:spPr>
+          <a:xfrm>
+            <a:off x="1934563" y="3557797"/>
+            <a:ext cx="8684824" cy="2798553"/>
           </a:xfrm>
         </p:spPr>
         <p:txBody>
           <a:bodyPr/>
           <a:lstStyle/>
           <a:p>
+            <a:pPr marL="0" indent="0">
+              <a:buNone/>
+            </a:pPr>
+            <a:r>
+              <a:rPr lang="en-US" dirty="0"/>
+              <a:t>https://miro.com/welcomeonboard/Rnk5eGZZNWtJcHhTT3hWamloUGtaOW9nUjBXU0tzMEtua2dNSmxOQXlSV3kxTW9UR2Z5M3BCa1JYS1pENXd1MC8waUx6b2N2WXA4SVkxQlZ4YXJHQUMxSDdTK3ozZXluMlFRWldtQURxM0F5Q0kxOHNsRmlTcWF0eFFrWFlMeC93VHhHVHd5UWtSM1BidUtUYmxycDRnPT0hdjE=?share_link_id=606456947074</a:t>
+            </a:r>
+            <a:endParaRPr lang="en-AT" dirty="0"/>
+          </a:p>
+        </p:txBody>
+      </p:sp>
+      <p:sp>
+        <p:nvSpPr>
+          <p:cNvPr id="4" name="Slide Number Placeholder 3">
+            <a:extLst>
+              <a:ext uri="{FF2B5EF4-FFF2-40B4-BE49-F238E27FC236}">
+                <a16:creationId xmlns:a16="http://schemas.microsoft.com/office/drawing/2014/main" id="{0CCA6000-81E1-4600-B32C-F79373287189}"/>
+              </a:ext>
+            </a:extLst>
+          </p:cNvPr>
+          <p:cNvSpPr>
+            <a:spLocks noGrp="1"/>
+          </p:cNvSpPr>
+          <p:nvPr>
+            <p:ph type="sldNum" sz="quarter" idx="11"/>
+          </p:nvPr>
+        </p:nvSpPr>
+        <p:spPr/>
+        <p:txBody>
+          <a:bodyPr/>
+          <a:lstStyle/>
+          <a:p>
             <a:fld id="{4A398261-F701-46B7-83E5-4561CE5D0B2C}" type="slidenum">
               <a:rPr lang="de-AT" smtClean="0"/>
+              <a:pPr/>
               <a:t>9</a:t>
             </a:fld>
-            <a:endParaRPr lang="de-AT"/>
-          </a:p>
-        </p:txBody>
-      </p:sp>
+            <a:endParaRPr lang="de-AT" dirty="0"/>
+          </a:p>
+        </p:txBody>
+      </p:sp>
+      <p:sp>
+        <p:nvSpPr>
+          <p:cNvPr id="6" name="TextBox 5">
+            <a:extLst>
+              <a:ext uri="{FF2B5EF4-FFF2-40B4-BE49-F238E27FC236}">
+                <a16:creationId xmlns:a16="http://schemas.microsoft.com/office/drawing/2014/main" id="{B9480EF3-9EE9-4288-BDF7-A32800D2488C}"/>
+              </a:ext>
+            </a:extLst>
+          </p:cNvPr>
+          <p:cNvSpPr txBox="1"/>
+          <p:nvPr/>
+        </p:nvSpPr>
+        <p:spPr>
+          <a:xfrm>
+            <a:off x="3114675" y="663059"/>
+            <a:ext cx="6096000" cy="369332"/>
+          </a:xfrm>
+          <a:prstGeom prst="rect">
+            <a:avLst/>
+          </a:prstGeom>
+          <a:noFill/>
+        </p:spPr>
+        <p:txBody>
+          <a:bodyPr wrap="square">
+            <a:spAutoFit/>
+          </a:bodyPr>
+          <a:lstStyle/>
+          <a:p>
+            <a:r>
+              <a:rPr lang="en-AT" dirty="0"/>
+              <a:t>https://miro.com/app/board/uXjVITf0vUA=/</a:t>
+            </a:r>
+          </a:p>
+        </p:txBody>
+      </p:sp>
+      <p:sp>
+        <p:nvSpPr>
+          <p:cNvPr id="7" name="TextBox 6">
+            <a:extLst>
+              <a:ext uri="{FF2B5EF4-FFF2-40B4-BE49-F238E27FC236}">
+                <a16:creationId xmlns:a16="http://schemas.microsoft.com/office/drawing/2014/main" id="{6B3FF2D2-7A44-4637-87C0-9380D42F9C84}"/>
+              </a:ext>
+            </a:extLst>
+          </p:cNvPr>
+          <p:cNvSpPr txBox="1"/>
+          <p:nvPr/>
+        </p:nvSpPr>
+        <p:spPr>
+          <a:xfrm>
+            <a:off x="400050" y="663059"/>
+            <a:ext cx="6096000" cy="369332"/>
+          </a:xfrm>
+          <a:prstGeom prst="rect">
+            <a:avLst/>
+          </a:prstGeom>
+          <a:noFill/>
+        </p:spPr>
+        <p:txBody>
+          <a:bodyPr wrap="square">
+            <a:spAutoFit/>
+          </a:bodyPr>
+          <a:lstStyle/>
+          <a:p>
+            <a:r>
+              <a:rPr lang="en-US" dirty="0"/>
+              <a:t>LINK FOR ME</a:t>
+            </a:r>
+            <a:endParaRPr lang="en-AT" dirty="0"/>
+          </a:p>
+        </p:txBody>
+      </p:sp>
+      <p:cxnSp>
+        <p:nvCxnSpPr>
+          <p:cNvPr id="9" name="Straight Arrow Connector 8">
+            <a:extLst>
+              <a:ext uri="{FF2B5EF4-FFF2-40B4-BE49-F238E27FC236}">
+                <a16:creationId xmlns:a16="http://schemas.microsoft.com/office/drawing/2014/main" id="{D40E8672-3EC2-4B5B-91D1-1BD09ADE7F3E}"/>
+              </a:ext>
+            </a:extLst>
+          </p:cNvPr>
+          <p:cNvCxnSpPr/>
+          <p:nvPr/>
+        </p:nvCxnSpPr>
+        <p:spPr>
+          <a:xfrm>
+            <a:off x="1819275" y="847725"/>
+            <a:ext cx="1190625" cy="0"/>
+          </a:xfrm>
+          <a:prstGeom prst="straightConnector1">
+            <a:avLst/>
+          </a:prstGeom>
+          <a:ln>
+            <a:tailEnd type="triangle"/>
+          </a:ln>
+        </p:spPr>
+        <p:style>
+          <a:lnRef idx="1">
+            <a:schemeClr val="accent1"/>
+          </a:lnRef>
+          <a:fillRef idx="0">
+            <a:schemeClr val="accent1"/>
+          </a:fillRef>
+          <a:effectRef idx="0">
+            <a:schemeClr val="accent1"/>
+          </a:effectRef>
+          <a:fontRef idx="minor">
+            <a:schemeClr val="tx1"/>
+          </a:fontRef>
+        </p:style>
+      </p:cxnSp>
+      <p:sp>
+        <p:nvSpPr>
+          <p:cNvPr id="10" name="TextBox 9">
+            <a:extLst>
+              <a:ext uri="{FF2B5EF4-FFF2-40B4-BE49-F238E27FC236}">
+                <a16:creationId xmlns:a16="http://schemas.microsoft.com/office/drawing/2014/main" id="{B64BC85B-A443-43AF-939F-E08CC01D7A28}"/>
+              </a:ext>
+            </a:extLst>
+          </p:cNvPr>
+          <p:cNvSpPr txBox="1"/>
+          <p:nvPr/>
+        </p:nvSpPr>
+        <p:spPr>
+          <a:xfrm>
+            <a:off x="962025" y="1925762"/>
+            <a:ext cx="6096000" cy="369332"/>
+          </a:xfrm>
+          <a:prstGeom prst="rect">
+            <a:avLst/>
+          </a:prstGeom>
+          <a:noFill/>
+        </p:spPr>
+        <p:txBody>
+          <a:bodyPr wrap="square">
+            <a:spAutoFit/>
+          </a:bodyPr>
+          <a:lstStyle/>
+          <a:p>
+            <a:r>
+              <a:rPr lang="en-US" dirty="0"/>
+              <a:t>LINK FOR MATTHIAS (Will be deleted in the final version)</a:t>
+            </a:r>
+            <a:endParaRPr lang="en-AT" dirty="0"/>
+          </a:p>
+        </p:txBody>
+      </p:sp>
+      <p:cxnSp>
+        <p:nvCxnSpPr>
+          <p:cNvPr id="12" name="Straight Arrow Connector 11">
+            <a:extLst>
+              <a:ext uri="{FF2B5EF4-FFF2-40B4-BE49-F238E27FC236}">
+                <a16:creationId xmlns:a16="http://schemas.microsoft.com/office/drawing/2014/main" id="{7F2B5C3B-7D4D-45C4-A525-1FA2D0851777}"/>
+              </a:ext>
+            </a:extLst>
+          </p:cNvPr>
+          <p:cNvCxnSpPr/>
+          <p:nvPr/>
+        </p:nvCxnSpPr>
+        <p:spPr>
+          <a:xfrm>
+            <a:off x="4010025" y="2186628"/>
+            <a:ext cx="0" cy="1447369"/>
+          </a:xfrm>
+          <a:prstGeom prst="straightConnector1">
+            <a:avLst/>
+          </a:prstGeom>
+          <a:ln>
+            <a:tailEnd type="triangle"/>
+          </a:ln>
+        </p:spPr>
+        <p:style>
+          <a:lnRef idx="1">
+            <a:schemeClr val="accent1"/>
+          </a:lnRef>
+          <a:fillRef idx="0">
+            <a:schemeClr val="accent1"/>
+          </a:fillRef>
+          <a:effectRef idx="0">
+            <a:schemeClr val="accent1"/>
+          </a:effectRef>
+          <a:fontRef idx="minor">
+            <a:schemeClr val="tx1"/>
+          </a:fontRef>
+        </p:style>
+      </p:cxnSp>
       <p:pic>
         <p:nvPicPr>
-          <p:cNvPr id="5" name="Picture 4">
-            <a:extLst>
-              <a:ext uri="{FF2B5EF4-FFF2-40B4-BE49-F238E27FC236}">
-                <a16:creationId xmlns:a16="http://schemas.microsoft.com/office/drawing/2014/main" id="{3D7F6D22-04F8-4955-BE9C-74B28E74A8DC}"/>
+          <p:cNvPr id="14" name="Picture 13">
+            <a:extLst>
+              <a:ext uri="{FF2B5EF4-FFF2-40B4-BE49-F238E27FC236}">
+                <a16:creationId xmlns:a16="http://schemas.microsoft.com/office/drawing/2014/main" id="{B1B65F64-E3AD-411C-9531-468508020EA7}"/>
               </a:ext>
             </a:extLst>
           </p:cNvPr>
@@ -6483,18 +9243,95 @@
         </p:blipFill>
         <p:spPr>
           <a:xfrm>
-            <a:off x="1278000" y="445764"/>
-            <a:ext cx="9635999" cy="5472436"/>
+            <a:off x="9463248" y="314325"/>
+            <a:ext cx="1077014" cy="3114675"/>
           </a:xfrm>
           <a:prstGeom prst="rect">
             <a:avLst/>
           </a:prstGeom>
         </p:spPr>
       </p:pic>
+      <p:sp>
+        <p:nvSpPr>
+          <p:cNvPr id="16" name="TextBox 15">
+            <a:extLst>
+              <a:ext uri="{FF2B5EF4-FFF2-40B4-BE49-F238E27FC236}">
+                <a16:creationId xmlns:a16="http://schemas.microsoft.com/office/drawing/2014/main" id="{EC8A710F-B0AE-4DCD-901F-7B687B889C1A}"/>
+              </a:ext>
+            </a:extLst>
+          </p:cNvPr>
+          <p:cNvSpPr txBox="1"/>
+          <p:nvPr/>
+        </p:nvSpPr>
+        <p:spPr>
+          <a:xfrm>
+            <a:off x="5676900" y="2725646"/>
+            <a:ext cx="6096000" cy="369332"/>
+          </a:xfrm>
+          <a:prstGeom prst="rect">
+            <a:avLst/>
+          </a:prstGeom>
+          <a:noFill/>
+        </p:spPr>
+        <p:txBody>
+          <a:bodyPr wrap="square">
+            <a:spAutoFit/>
+          </a:bodyPr>
+          <a:lstStyle/>
+          <a:p>
+            <a:r>
+              <a:rPr lang="en-US" dirty="0"/>
+              <a:t>(Will be deleted in the final version)</a:t>
+            </a:r>
+            <a:endParaRPr lang="en-AT" dirty="0"/>
+          </a:p>
+        </p:txBody>
+      </p:sp>
+      <p:cxnSp>
+        <p:nvCxnSpPr>
+          <p:cNvPr id="17" name="Straight Arrow Connector 16">
+            <a:extLst>
+              <a:ext uri="{FF2B5EF4-FFF2-40B4-BE49-F238E27FC236}">
+                <a16:creationId xmlns:a16="http://schemas.microsoft.com/office/drawing/2014/main" id="{1C182F01-7AAB-48DC-99FE-E7251A0878E6}"/>
+              </a:ext>
+            </a:extLst>
+          </p:cNvPr>
+          <p:cNvCxnSpPr>
+            <a:cxnSpLocks/>
+          </p:cNvCxnSpPr>
+          <p:nvPr/>
+        </p:nvCxnSpPr>
+        <p:spPr>
+          <a:xfrm flipV="1">
+            <a:off x="8534400" y="2130516"/>
+            <a:ext cx="676275" cy="460009"/>
+          </a:xfrm>
+          <a:prstGeom prst="straightConnector1">
+            <a:avLst/>
+          </a:prstGeom>
+          <a:ln>
+            <a:tailEnd type="triangle"/>
+          </a:ln>
+        </p:spPr>
+        <p:style>
+          <a:lnRef idx="1">
+            <a:schemeClr val="accent1"/>
+          </a:lnRef>
+          <a:fillRef idx="0">
+            <a:schemeClr val="accent1"/>
+          </a:fillRef>
+          <a:effectRef idx="0">
+            <a:schemeClr val="accent1"/>
+          </a:effectRef>
+          <a:fontRef idx="minor">
+            <a:schemeClr val="tx1"/>
+          </a:fontRef>
+        </p:style>
+      </p:cxnSp>
     </p:spTree>
     <p:extLst>
       <p:ext uri="{BB962C8B-B14F-4D97-AF65-F5344CB8AC3E}">
-        <p14:creationId xmlns:p14="http://schemas.microsoft.com/office/powerpoint/2010/main" val="3709173479"/>
+        <p14:creationId xmlns:p14="http://schemas.microsoft.com/office/powerpoint/2010/main" val="912757153"/>
       </p:ext>
     </p:extLst>
   </p:cSld>

--- a/BA/datasets_survey_presentation.pptx
+++ b/BA/datasets_survey_presentation.pptx
@@ -5,34 +5,33 @@
     <p:sldMasterId id="2147483648" r:id="rId1"/>
   </p:sldMasterIdLst>
   <p:notesMasterIdLst>
-    <p:notesMasterId r:id="rId24"/>
+    <p:notesMasterId r:id="rId23"/>
   </p:notesMasterIdLst>
   <p:handoutMasterIdLst>
-    <p:handoutMasterId r:id="rId25"/>
+    <p:handoutMasterId r:id="rId24"/>
   </p:handoutMasterIdLst>
   <p:sldIdLst>
     <p:sldId id="256" r:id="rId2"/>
-    <p:sldId id="257" r:id="rId3"/>
-    <p:sldId id="258" r:id="rId4"/>
-    <p:sldId id="259" r:id="rId5"/>
-    <p:sldId id="260" r:id="rId6"/>
-    <p:sldId id="263" r:id="rId7"/>
-    <p:sldId id="267" r:id="rId8"/>
-    <p:sldId id="265" r:id="rId9"/>
-    <p:sldId id="279" r:id="rId10"/>
-    <p:sldId id="266" r:id="rId11"/>
-    <p:sldId id="272" r:id="rId12"/>
-    <p:sldId id="268" r:id="rId13"/>
-    <p:sldId id="269" r:id="rId14"/>
-    <p:sldId id="273" r:id="rId15"/>
-    <p:sldId id="274" r:id="rId16"/>
-    <p:sldId id="270" r:id="rId17"/>
-    <p:sldId id="271" r:id="rId18"/>
-    <p:sldId id="275" r:id="rId19"/>
-    <p:sldId id="276" r:id="rId20"/>
-    <p:sldId id="277" r:id="rId21"/>
-    <p:sldId id="278" r:id="rId22"/>
-    <p:sldId id="261" r:id="rId23"/>
+    <p:sldId id="258" r:id="rId3"/>
+    <p:sldId id="259" r:id="rId4"/>
+    <p:sldId id="260" r:id="rId5"/>
+    <p:sldId id="263" r:id="rId6"/>
+    <p:sldId id="267" r:id="rId7"/>
+    <p:sldId id="265" r:id="rId8"/>
+    <p:sldId id="279" r:id="rId9"/>
+    <p:sldId id="266" r:id="rId10"/>
+    <p:sldId id="272" r:id="rId11"/>
+    <p:sldId id="268" r:id="rId12"/>
+    <p:sldId id="269" r:id="rId13"/>
+    <p:sldId id="273" r:id="rId14"/>
+    <p:sldId id="274" r:id="rId15"/>
+    <p:sldId id="270" r:id="rId16"/>
+    <p:sldId id="271" r:id="rId17"/>
+    <p:sldId id="275" r:id="rId18"/>
+    <p:sldId id="276" r:id="rId19"/>
+    <p:sldId id="277" r:id="rId20"/>
+    <p:sldId id="278" r:id="rId21"/>
+    <p:sldId id="261" r:id="rId22"/>
   </p:sldIdLst>
   <p:sldSz cx="12192000" cy="6858000"/>
   <p:notesSz cx="6858000" cy="9144000"/>
@@ -236,7 +235,7 @@
           <a:p>
             <a:fld id="{C0A7DB85-EE5E-4B89-A00E-8344E8B639BA}" type="datetimeFigureOut">
               <a:rPr lang="en-US" smtClean="0"/>
-              <a:t>3/10/2025</a:t>
+              <a:t>3/12/2025</a:t>
             </a:fld>
             <a:endParaRPr lang="en-US"/>
           </a:p>
@@ -413,7 +412,7 @@
           <a:p>
             <a:fld id="{B35B5EF2-A964-4D7D-9158-777FD8535308}" type="datetimeFigureOut">
               <a:rPr lang="de-AT" smtClean="0"/>
-              <a:t>10.03.2025</a:t>
+              <a:t>12.03.2025</a:t>
             </a:fld>
             <a:endParaRPr lang="de-AT"/>
           </a:p>
@@ -852,7 +851,7 @@
           <a:p>
             <a:fld id="{50D9DC21-A691-4E12-BE63-F3D936BE7372}" type="datetime1">
               <a:rPr lang="de-AT" smtClean="0"/>
-              <a:t>10.03.2025</a:t>
+              <a:t>12.03.2025</a:t>
             </a:fld>
             <a:endParaRPr lang="de-AT"/>
           </a:p>
@@ -1133,7 +1132,7 @@
           <a:p>
             <a:fld id="{028FCB96-2F42-4462-A342-00EC35B71FF6}" type="datetime1">
               <a:rPr lang="de-AT" smtClean="0"/>
-              <a:t>10.03.2025</a:t>
+              <a:t>12.03.2025</a:t>
             </a:fld>
             <a:endParaRPr lang="de-AT"/>
           </a:p>
@@ -1357,7 +1356,7 @@
           <a:p>
             <a:fld id="{6A55E67A-D367-4A6F-98CA-BE7661CC9263}" type="datetime1">
               <a:rPr lang="de-AT" smtClean="0"/>
-              <a:t>10.03.2025</a:t>
+              <a:t>12.03.2025</a:t>
             </a:fld>
             <a:endParaRPr lang="de-AT"/>
           </a:p>
@@ -1591,7 +1590,7 @@
           <a:p>
             <a:fld id="{91DF8F64-70FA-4748-A379-D6027052AD1D}" type="datetime1">
               <a:rPr lang="de-AT" smtClean="0"/>
-              <a:t>10.03.2025</a:t>
+              <a:t>12.03.2025</a:t>
             </a:fld>
             <a:endParaRPr lang="de-AT"/>
           </a:p>
@@ -1821,7 +1820,7 @@
           <a:p>
             <a:fld id="{50D9DC21-A691-4E12-BE63-F3D936BE7372}" type="datetime1">
               <a:rPr lang="de-AT" smtClean="0"/>
-              <a:t>10.03.2025</a:t>
+              <a:t>12.03.2025</a:t>
             </a:fld>
             <a:endParaRPr lang="de-AT"/>
           </a:p>
@@ -2171,7 +2170,7 @@
           <a:p>
             <a:fld id="{962D501D-BCED-4878-8047-57F06292E8C5}" type="datetime1">
               <a:rPr lang="de-AT" smtClean="0"/>
-              <a:t>10.03.2025</a:t>
+              <a:t>12.03.2025</a:t>
             </a:fld>
             <a:endParaRPr lang="de-AT"/>
           </a:p>
@@ -2463,7 +2462,7 @@
           <a:p>
             <a:fld id="{831B355B-158D-4FD1-AA6B-BA0F89F3C796}" type="datetime1">
               <a:rPr lang="de-AT" smtClean="0"/>
-              <a:t>10.03.2025</a:t>
+              <a:t>12.03.2025</a:t>
             </a:fld>
             <a:endParaRPr lang="de-AT"/>
           </a:p>
@@ -2902,7 +2901,7 @@
           <a:p>
             <a:fld id="{0DD6BFA3-EA7E-491F-8E0A-F722489964A3}" type="datetime1">
               <a:rPr lang="de-AT" smtClean="0"/>
-              <a:t>10.03.2025</a:t>
+              <a:t>12.03.2025</a:t>
             </a:fld>
             <a:endParaRPr lang="de-AT"/>
           </a:p>
@@ -3068,7 +3067,7 @@
           <a:p>
             <a:fld id="{811366F0-3C03-4B90-998A-D47A82F6384C}" type="datetime1">
               <a:rPr lang="de-AT" smtClean="0"/>
-              <a:t>10.03.2025</a:t>
+              <a:t>12.03.2025</a:t>
             </a:fld>
             <a:endParaRPr lang="de-AT"/>
           </a:p>
@@ -3205,7 +3204,7 @@
           <a:p>
             <a:fld id="{BA46F52E-F80E-4B87-BB70-1E9A0792144F}" type="datetime1">
               <a:rPr lang="de-AT" smtClean="0"/>
-              <a:t>10.03.2025</a:t>
+              <a:t>12.03.2025</a:t>
             </a:fld>
             <a:endParaRPr lang="de-AT"/>
           </a:p>
@@ -3542,7 +3541,7 @@
           <a:p>
             <a:fld id="{51E4DD5C-A999-4615-9604-BA1AEED49628}" type="datetime1">
               <a:rPr lang="de-AT" smtClean="0"/>
-              <a:t>10.03.2025</a:t>
+              <a:t>12.03.2025</a:t>
             </a:fld>
             <a:endParaRPr lang="de-AT"/>
           </a:p>
@@ -4156,7 +4155,12 @@
             <p:ph type="ctrTitle"/>
           </p:nvPr>
         </p:nvSpPr>
-        <p:spPr/>
+        <p:spPr>
+          <a:xfrm>
+            <a:off x="3244" y="2678113"/>
+            <a:ext cx="12188756" cy="2387600"/>
+          </a:xfrm>
+        </p:spPr>
         <p:txBody>
           <a:bodyPr>
             <a:normAutofit fontScale="90000"/>
@@ -4165,7 +4169,21 @@
           <a:p>
             <a:r>
               <a:rPr lang="en-US" dirty="0"/>
-              <a:t>Survey of Datasets: Foundations for Bachelor Thesis</a:t>
+              <a:t>Survey of Datasets: </a:t>
+            </a:r>
+            <a:br>
+              <a:rPr lang="en-US" dirty="0"/>
+            </a:br>
+            <a:r>
+              <a:rPr lang="en-US" dirty="0"/>
+              <a:t>Foundations for Bachelor Thesis</a:t>
+            </a:r>
+            <a:br>
+              <a:rPr lang="en-US" dirty="0"/>
+            </a:br>
+            <a:r>
+              <a:rPr lang="en-US" dirty="0"/>
+              <a:t>Benchmarking State Space Models (SSMs) for Raw Audio Classification on diverse Datasets</a:t>
             </a:r>
             <a:endParaRPr lang="de-AT" dirty="0"/>
           </a:p>
@@ -4187,7 +4205,12 @@
             <p:ph type="subTitle" idx="1"/>
           </p:nvPr>
         </p:nvSpPr>
-        <p:spPr/>
+        <p:spPr>
+          <a:xfrm>
+            <a:off x="1524000" y="5190888"/>
+            <a:ext cx="9144000" cy="1655762"/>
+          </a:xfrm>
+        </p:spPr>
         <p:txBody>
           <a:bodyPr/>
           <a:lstStyle/>
@@ -4225,7 +4248,7 @@
           <a:p>
             <a:fld id="{95129EDE-2129-415B-887D-3F661C69B039}" type="datetime1">
               <a:rPr lang="de-AT" smtClean="0"/>
-              <a:t>10.03.2025</a:t>
+              <a:t>12.03.2025</a:t>
             </a:fld>
             <a:endParaRPr lang="de-AT"/>
           </a:p>
@@ -4295,130 +4318,6 @@
           </a:p>
         </p:txBody>
       </p:sp>
-      <p:pic>
-        <p:nvPicPr>
-          <p:cNvPr id="5" name="Picture 4">
-            <a:extLst>
-              <a:ext uri="{FF2B5EF4-FFF2-40B4-BE49-F238E27FC236}">
-                <a16:creationId xmlns:a16="http://schemas.microsoft.com/office/drawing/2014/main" id="{3D7F6D22-04F8-4955-BE9C-74B28E74A8DC}"/>
-              </a:ext>
-            </a:extLst>
-          </p:cNvPr>
-          <p:cNvPicPr>
-            <a:picLocks noChangeAspect="1"/>
-          </p:cNvPicPr>
-          <p:nvPr/>
-        </p:nvPicPr>
-        <p:blipFill>
-          <a:blip r:embed="rId2"/>
-          <a:stretch>
-            <a:fillRect/>
-          </a:stretch>
-        </p:blipFill>
-        <p:spPr>
-          <a:xfrm>
-            <a:off x="1278000" y="445764"/>
-            <a:ext cx="9635999" cy="5472436"/>
-          </a:xfrm>
-          <a:prstGeom prst="rect">
-            <a:avLst/>
-          </a:prstGeom>
-        </p:spPr>
-      </p:pic>
-    </p:spTree>
-    <p:extLst>
-      <p:ext uri="{BB962C8B-B14F-4D97-AF65-F5344CB8AC3E}">
-        <p14:creationId xmlns:p14="http://schemas.microsoft.com/office/powerpoint/2010/main" val="3709173479"/>
-      </p:ext>
-    </p:extLst>
-  </p:cSld>
-  <p:clrMapOvr>
-    <a:masterClrMapping/>
-  </p:clrMapOvr>
-</p:sld>
-</file>
-
-<file path=ppt/slides/slide11.xml><?xml version="1.0" encoding="utf-8"?>
-<p:sld xmlns:a="http://schemas.openxmlformats.org/drawingml/2006/main" xmlns:r="http://schemas.openxmlformats.org/officeDocument/2006/relationships" xmlns:p="http://schemas.openxmlformats.org/presentationml/2006/main">
-  <p:cSld>
-    <p:spTree>
-      <p:nvGrpSpPr>
-        <p:cNvPr id="1" name=""/>
-        <p:cNvGrpSpPr/>
-        <p:nvPr/>
-      </p:nvGrpSpPr>
-      <p:grpSpPr>
-        <a:xfrm>
-          <a:off x="0" y="0"/>
-          <a:ext cx="0" cy="0"/>
-          <a:chOff x="0" y="0"/>
-          <a:chExt cx="0" cy="0"/>
-        </a:xfrm>
-      </p:grpSpPr>
-      <p:sp>
-        <p:nvSpPr>
-          <p:cNvPr id="2" name="Foliennummernplatzhalter 1">
-            <a:extLst>
-              <a:ext uri="{FF2B5EF4-FFF2-40B4-BE49-F238E27FC236}">
-                <a16:creationId xmlns:a16="http://schemas.microsoft.com/office/drawing/2014/main" id="{15122CDF-34FF-4D9C-8E7D-DB78AA39CED1}"/>
-              </a:ext>
-            </a:extLst>
-          </p:cNvPr>
-          <p:cNvSpPr>
-            <a:spLocks noGrp="1"/>
-          </p:cNvSpPr>
-          <p:nvPr>
-            <p:ph type="sldNum" sz="quarter" idx="11"/>
-          </p:nvPr>
-        </p:nvSpPr>
-        <p:spPr>
-          <a:xfrm>
-            <a:off x="4724400" y="6356350"/>
-            <a:ext cx="2743200" cy="365125"/>
-          </a:xfrm>
-        </p:spPr>
-        <p:txBody>
-          <a:bodyPr/>
-          <a:lstStyle/>
-          <a:p>
-            <a:fld id="{4A398261-F701-46B7-83E5-4561CE5D0B2C}" type="slidenum">
-              <a:rPr lang="de-AT" smtClean="0"/>
-              <a:t>11</a:t>
-            </a:fld>
-            <a:endParaRPr lang="de-AT"/>
-          </a:p>
-        </p:txBody>
-      </p:sp>
-      <p:pic>
-        <p:nvPicPr>
-          <p:cNvPr id="8" name="Picture 7">
-            <a:extLst>
-              <a:ext uri="{FF2B5EF4-FFF2-40B4-BE49-F238E27FC236}">
-                <a16:creationId xmlns:a16="http://schemas.microsoft.com/office/drawing/2014/main" id="{0D9C6677-B4A4-4381-A484-620478394377}"/>
-              </a:ext>
-            </a:extLst>
-          </p:cNvPr>
-          <p:cNvPicPr>
-            <a:picLocks noChangeAspect="1"/>
-          </p:cNvPicPr>
-          <p:nvPr/>
-        </p:nvPicPr>
-        <p:blipFill>
-          <a:blip r:embed="rId2"/>
-          <a:stretch>
-            <a:fillRect/>
-          </a:stretch>
-        </p:blipFill>
-        <p:spPr>
-          <a:xfrm>
-            <a:off x="125514" y="0"/>
-            <a:ext cx="5970486" cy="6103475"/>
-          </a:xfrm>
-          <a:prstGeom prst="rect">
-            <a:avLst/>
-          </a:prstGeom>
-        </p:spPr>
-      </p:pic>
       <p:sp>
         <p:nvSpPr>
           <p:cNvPr id="9" name="Inhaltsplatzhalter 3">
@@ -5178,10 +5077,454 @@
           </a:p>
         </p:txBody>
       </p:sp>
+      <p:pic>
+        <p:nvPicPr>
+          <p:cNvPr id="4" name="Picture 3">
+            <a:extLst>
+              <a:ext uri="{FF2B5EF4-FFF2-40B4-BE49-F238E27FC236}">
+                <a16:creationId xmlns:a16="http://schemas.microsoft.com/office/drawing/2014/main" id="{3ECD5B50-4994-4C66-9888-F182657858EF}"/>
+              </a:ext>
+            </a:extLst>
+          </p:cNvPr>
+          <p:cNvPicPr>
+            <a:picLocks noChangeAspect="1"/>
+          </p:cNvPicPr>
+          <p:nvPr/>
+        </p:nvPicPr>
+        <p:blipFill>
+          <a:blip r:embed="rId2"/>
+          <a:stretch>
+            <a:fillRect/>
+          </a:stretch>
+        </p:blipFill>
+        <p:spPr>
+          <a:xfrm>
+            <a:off x="44560" y="0"/>
+            <a:ext cx="5999406" cy="6128426"/>
+          </a:xfrm>
+          <a:prstGeom prst="rect">
+            <a:avLst/>
+          </a:prstGeom>
+        </p:spPr>
+      </p:pic>
     </p:spTree>
     <p:extLst>
       <p:ext uri="{BB962C8B-B14F-4D97-AF65-F5344CB8AC3E}">
         <p14:creationId xmlns:p14="http://schemas.microsoft.com/office/powerpoint/2010/main" val="3430806475"/>
+      </p:ext>
+    </p:extLst>
+  </p:cSld>
+  <p:clrMapOvr>
+    <a:masterClrMapping/>
+  </p:clrMapOvr>
+</p:sld>
+</file>
+
+<file path=ppt/slides/slide11.xml><?xml version="1.0" encoding="utf-8"?>
+<p:sld xmlns:a="http://schemas.openxmlformats.org/drawingml/2006/main" xmlns:r="http://schemas.openxmlformats.org/officeDocument/2006/relationships" xmlns:p="http://schemas.openxmlformats.org/presentationml/2006/main">
+  <p:cSld>
+    <p:spTree>
+      <p:nvGrpSpPr>
+        <p:cNvPr id="1" name=""/>
+        <p:cNvGrpSpPr/>
+        <p:nvPr/>
+      </p:nvGrpSpPr>
+      <p:grpSpPr>
+        <a:xfrm>
+          <a:off x="0" y="0"/>
+          <a:ext cx="0" cy="0"/>
+          <a:chOff x="0" y="0"/>
+          <a:chExt cx="0" cy="0"/>
+        </a:xfrm>
+      </p:grpSpPr>
+      <p:sp>
+        <p:nvSpPr>
+          <p:cNvPr id="2" name="Foliennummernplatzhalter 1">
+            <a:extLst>
+              <a:ext uri="{FF2B5EF4-FFF2-40B4-BE49-F238E27FC236}">
+                <a16:creationId xmlns:a16="http://schemas.microsoft.com/office/drawing/2014/main" id="{15122CDF-34FF-4D9C-8E7D-DB78AA39CED1}"/>
+              </a:ext>
+            </a:extLst>
+          </p:cNvPr>
+          <p:cNvSpPr>
+            <a:spLocks noGrp="1"/>
+          </p:cNvSpPr>
+          <p:nvPr>
+            <p:ph type="sldNum" sz="quarter" idx="11"/>
+          </p:nvPr>
+        </p:nvSpPr>
+        <p:spPr>
+          <a:xfrm>
+            <a:off x="4724400" y="6356350"/>
+            <a:ext cx="2743200" cy="365125"/>
+          </a:xfrm>
+        </p:spPr>
+        <p:txBody>
+          <a:bodyPr/>
+          <a:lstStyle/>
+          <a:p>
+            <a:fld id="{4A398261-F701-46B7-83E5-4561CE5D0B2C}" type="slidenum">
+              <a:rPr lang="de-AT" smtClean="0"/>
+              <a:t>11</a:t>
+            </a:fld>
+            <a:endParaRPr lang="de-AT"/>
+          </a:p>
+        </p:txBody>
+      </p:sp>
+      <p:pic>
+        <p:nvPicPr>
+          <p:cNvPr id="6" name="Picture 5">
+            <a:extLst>
+              <a:ext uri="{FF2B5EF4-FFF2-40B4-BE49-F238E27FC236}">
+                <a16:creationId xmlns:a16="http://schemas.microsoft.com/office/drawing/2014/main" id="{273F13DF-B7D7-45F9-B102-EE052603CDC2}"/>
+              </a:ext>
+            </a:extLst>
+          </p:cNvPr>
+          <p:cNvPicPr>
+            <a:picLocks noChangeAspect="1"/>
+          </p:cNvPicPr>
+          <p:nvPr/>
+        </p:nvPicPr>
+        <p:blipFill>
+          <a:blip r:embed="rId2"/>
+          <a:stretch>
+            <a:fillRect/>
+          </a:stretch>
+        </p:blipFill>
+        <p:spPr>
+          <a:xfrm>
+            <a:off x="448301" y="1902436"/>
+            <a:ext cx="11295397" cy="2368008"/>
+          </a:xfrm>
+          <a:prstGeom prst="rect">
+            <a:avLst/>
+          </a:prstGeom>
+        </p:spPr>
+      </p:pic>
+      <p:sp>
+        <p:nvSpPr>
+          <p:cNvPr id="16" name="Titel 2">
+            <a:extLst>
+              <a:ext uri="{FF2B5EF4-FFF2-40B4-BE49-F238E27FC236}">
+                <a16:creationId xmlns:a16="http://schemas.microsoft.com/office/drawing/2014/main" id="{39D45C2B-D4E8-4D65-BF1D-BC689FF6F230}"/>
+              </a:ext>
+            </a:extLst>
+          </p:cNvPr>
+          <p:cNvSpPr>
+            <a:spLocks noGrp="1"/>
+          </p:cNvSpPr>
+          <p:nvPr>
+            <p:ph type="title"/>
+          </p:nvPr>
+        </p:nvSpPr>
+        <p:spPr>
+          <a:xfrm>
+            <a:off x="4502639" y="369031"/>
+            <a:ext cx="3258232" cy="1114305"/>
+          </a:xfrm>
+        </p:spPr>
+        <p:txBody>
+          <a:bodyPr>
+            <a:normAutofit/>
+          </a:bodyPr>
+          <a:lstStyle/>
+          <a:p>
+            <a:r>
+              <a:rPr lang="en-US" sz="3600" b="1" noProof="0" dirty="0"/>
+              <a:t>Hours in Dataset</a:t>
+            </a:r>
+            <a:endParaRPr lang="de-AT" sz="3600" b="1" dirty="0"/>
+          </a:p>
+        </p:txBody>
+      </p:sp>
+      <p:cxnSp>
+        <p:nvCxnSpPr>
+          <p:cNvPr id="17" name="Straight Arrow Connector 16">
+            <a:extLst>
+              <a:ext uri="{FF2B5EF4-FFF2-40B4-BE49-F238E27FC236}">
+                <a16:creationId xmlns:a16="http://schemas.microsoft.com/office/drawing/2014/main" id="{9A271D5A-84E7-48A6-9D02-25CE37AABD92}"/>
+              </a:ext>
+            </a:extLst>
+          </p:cNvPr>
+          <p:cNvCxnSpPr/>
+          <p:nvPr/>
+        </p:nvCxnSpPr>
+        <p:spPr>
+          <a:xfrm flipV="1">
+            <a:off x="925952" y="3939539"/>
+            <a:ext cx="496110" cy="817123"/>
+          </a:xfrm>
+          <a:prstGeom prst="straightConnector1">
+            <a:avLst/>
+          </a:prstGeom>
+          <a:ln>
+            <a:tailEnd type="triangle"/>
+          </a:ln>
+        </p:spPr>
+        <p:style>
+          <a:lnRef idx="1">
+            <a:schemeClr val="accent2"/>
+          </a:lnRef>
+          <a:fillRef idx="0">
+            <a:schemeClr val="accent2"/>
+          </a:fillRef>
+          <a:effectRef idx="0">
+            <a:schemeClr val="accent2"/>
+          </a:effectRef>
+          <a:fontRef idx="minor">
+            <a:schemeClr val="tx1"/>
+          </a:fontRef>
+        </p:style>
+      </p:cxnSp>
+      <p:sp>
+        <p:nvSpPr>
+          <p:cNvPr id="18" name="Titel 2">
+            <a:extLst>
+              <a:ext uri="{FF2B5EF4-FFF2-40B4-BE49-F238E27FC236}">
+                <a16:creationId xmlns:a16="http://schemas.microsoft.com/office/drawing/2014/main" id="{674025A6-1BE8-4BD7-BE81-6D3915C27241}"/>
+              </a:ext>
+            </a:extLst>
+          </p:cNvPr>
+          <p:cNvSpPr txBox="1">
+            <a:spLocks/>
+          </p:cNvSpPr>
+          <p:nvPr/>
+        </p:nvSpPr>
+        <p:spPr>
+          <a:xfrm>
+            <a:off x="561431" y="4484009"/>
+            <a:ext cx="4077244" cy="1114305"/>
+          </a:xfrm>
+          <a:prstGeom prst="rect">
+            <a:avLst/>
+          </a:prstGeom>
+        </p:spPr>
+        <p:txBody>
+          <a:bodyPr vert="horz" lIns="91440" tIns="45720" rIns="91440" bIns="45720" rtlCol="0" anchor="ctr">
+            <a:normAutofit/>
+          </a:bodyPr>
+          <a:lstStyle>
+            <a:lvl1pPr algn="l" defTabSz="914400" rtl="0" eaLnBrk="1" latinLnBrk="0" hangingPunct="1">
+              <a:lnSpc>
+                <a:spcPct val="90000"/>
+              </a:lnSpc>
+              <a:spcBef>
+                <a:spcPct val="0"/>
+              </a:spcBef>
+              <a:buNone/>
+              <a:defRPr sz="4400" kern="1200">
+                <a:solidFill>
+                  <a:schemeClr val="tx1"/>
+                </a:solidFill>
+                <a:latin typeface="+mj-lt"/>
+                <a:ea typeface="+mj-ea"/>
+                <a:cs typeface="+mj-cs"/>
+              </a:defRPr>
+            </a:lvl1pPr>
+          </a:lstStyle>
+          <a:p>
+            <a:r>
+              <a:rPr lang="en-US" sz="2400" b="1" dirty="0"/>
+              <a:t>58000</a:t>
+            </a:r>
+            <a:endParaRPr lang="de-AT" sz="2400" b="1" dirty="0"/>
+          </a:p>
+        </p:txBody>
+      </p:sp>
+      <p:cxnSp>
+        <p:nvCxnSpPr>
+          <p:cNvPr id="19" name="Straight Arrow Connector 18">
+            <a:extLst>
+              <a:ext uri="{FF2B5EF4-FFF2-40B4-BE49-F238E27FC236}">
+                <a16:creationId xmlns:a16="http://schemas.microsoft.com/office/drawing/2014/main" id="{A6B5A84E-A898-461B-B996-CA587FD8B82F}"/>
+              </a:ext>
+            </a:extLst>
+          </p:cNvPr>
+          <p:cNvCxnSpPr/>
+          <p:nvPr/>
+        </p:nvCxnSpPr>
+        <p:spPr>
+          <a:xfrm flipV="1">
+            <a:off x="8125392" y="3939539"/>
+            <a:ext cx="496110" cy="817123"/>
+          </a:xfrm>
+          <a:prstGeom prst="straightConnector1">
+            <a:avLst/>
+          </a:prstGeom>
+          <a:ln>
+            <a:tailEnd type="triangle"/>
+          </a:ln>
+        </p:spPr>
+        <p:style>
+          <a:lnRef idx="1">
+            <a:schemeClr val="accent2"/>
+          </a:lnRef>
+          <a:fillRef idx="0">
+            <a:schemeClr val="accent2"/>
+          </a:fillRef>
+          <a:effectRef idx="0">
+            <a:schemeClr val="accent2"/>
+          </a:effectRef>
+          <a:fontRef idx="minor">
+            <a:schemeClr val="tx1"/>
+          </a:fontRef>
+        </p:style>
+      </p:cxnSp>
+      <p:sp>
+        <p:nvSpPr>
+          <p:cNvPr id="20" name="Titel 2">
+            <a:extLst>
+              <a:ext uri="{FF2B5EF4-FFF2-40B4-BE49-F238E27FC236}">
+                <a16:creationId xmlns:a16="http://schemas.microsoft.com/office/drawing/2014/main" id="{F01A3B59-89EB-4249-8127-AC411528DE70}"/>
+              </a:ext>
+            </a:extLst>
+          </p:cNvPr>
+          <p:cNvSpPr txBox="1">
+            <a:spLocks/>
+          </p:cNvSpPr>
+          <p:nvPr/>
+        </p:nvSpPr>
+        <p:spPr>
+          <a:xfrm>
+            <a:off x="7760871" y="4484009"/>
+            <a:ext cx="4077244" cy="1114305"/>
+          </a:xfrm>
+          <a:prstGeom prst="rect">
+            <a:avLst/>
+          </a:prstGeom>
+        </p:spPr>
+        <p:txBody>
+          <a:bodyPr vert="horz" lIns="91440" tIns="45720" rIns="91440" bIns="45720" rtlCol="0" anchor="ctr">
+            <a:normAutofit/>
+          </a:bodyPr>
+          <a:lstStyle>
+            <a:lvl1pPr algn="l" defTabSz="914400" rtl="0" eaLnBrk="1" latinLnBrk="0" hangingPunct="1">
+              <a:lnSpc>
+                <a:spcPct val="90000"/>
+              </a:lnSpc>
+              <a:spcBef>
+                <a:spcPct val="0"/>
+              </a:spcBef>
+              <a:buNone/>
+              <a:defRPr sz="4400" kern="1200">
+                <a:solidFill>
+                  <a:schemeClr val="tx1"/>
+                </a:solidFill>
+                <a:latin typeface="+mj-lt"/>
+                <a:ea typeface="+mj-ea"/>
+                <a:cs typeface="+mj-cs"/>
+              </a:defRPr>
+            </a:lvl1pPr>
+          </a:lstStyle>
+          <a:p>
+            <a:r>
+              <a:rPr lang="en-US" sz="2400" b="1" dirty="0"/>
+              <a:t>45784</a:t>
+            </a:r>
+            <a:endParaRPr lang="de-AT" sz="2400" b="1" dirty="0"/>
+          </a:p>
+        </p:txBody>
+      </p:sp>
+      <p:cxnSp>
+        <p:nvCxnSpPr>
+          <p:cNvPr id="21" name="Straight Arrow Connector 20">
+            <a:extLst>
+              <a:ext uri="{FF2B5EF4-FFF2-40B4-BE49-F238E27FC236}">
+                <a16:creationId xmlns:a16="http://schemas.microsoft.com/office/drawing/2014/main" id="{D9FB86E3-1735-4CE3-B98A-E6F08F130D7E}"/>
+              </a:ext>
+            </a:extLst>
+          </p:cNvPr>
+          <p:cNvCxnSpPr>
+            <a:cxnSpLocks/>
+          </p:cNvCxnSpPr>
+          <p:nvPr/>
+        </p:nvCxnSpPr>
+        <p:spPr>
+          <a:xfrm>
+            <a:off x="11238873" y="1483336"/>
+            <a:ext cx="1" cy="1389902"/>
+          </a:xfrm>
+          <a:prstGeom prst="straightConnector1">
+            <a:avLst/>
+          </a:prstGeom>
+          <a:ln>
+            <a:tailEnd type="triangle"/>
+          </a:ln>
+        </p:spPr>
+        <p:style>
+          <a:lnRef idx="1">
+            <a:schemeClr val="accent2"/>
+          </a:lnRef>
+          <a:fillRef idx="0">
+            <a:schemeClr val="accent2"/>
+          </a:fillRef>
+          <a:effectRef idx="0">
+            <a:schemeClr val="accent2"/>
+          </a:effectRef>
+          <a:fontRef idx="minor">
+            <a:schemeClr val="tx1"/>
+          </a:fontRef>
+        </p:style>
+      </p:cxnSp>
+      <p:sp>
+        <p:nvSpPr>
+          <p:cNvPr id="22" name="Titel 2">
+            <a:extLst>
+              <a:ext uri="{FF2B5EF4-FFF2-40B4-BE49-F238E27FC236}">
+                <a16:creationId xmlns:a16="http://schemas.microsoft.com/office/drawing/2014/main" id="{D2916AD3-7418-49CD-A3C1-650D88A1276B}"/>
+              </a:ext>
+            </a:extLst>
+          </p:cNvPr>
+          <p:cNvSpPr txBox="1">
+            <a:spLocks/>
+          </p:cNvSpPr>
+          <p:nvPr/>
+        </p:nvSpPr>
+        <p:spPr>
+          <a:xfrm>
+            <a:off x="10459827" y="702533"/>
+            <a:ext cx="4077244" cy="1114305"/>
+          </a:xfrm>
+          <a:prstGeom prst="rect">
+            <a:avLst/>
+          </a:prstGeom>
+        </p:spPr>
+        <p:txBody>
+          <a:bodyPr vert="horz" lIns="91440" tIns="45720" rIns="91440" bIns="45720" rtlCol="0" anchor="ctr">
+            <a:normAutofit/>
+          </a:bodyPr>
+          <a:lstStyle>
+            <a:lvl1pPr algn="l" defTabSz="914400" rtl="0" eaLnBrk="1" latinLnBrk="0" hangingPunct="1">
+              <a:lnSpc>
+                <a:spcPct val="90000"/>
+              </a:lnSpc>
+              <a:spcBef>
+                <a:spcPct val="0"/>
+              </a:spcBef>
+              <a:buNone/>
+              <a:defRPr sz="4400" kern="1200">
+                <a:solidFill>
+                  <a:schemeClr val="tx1"/>
+                </a:solidFill>
+                <a:latin typeface="+mj-lt"/>
+                <a:ea typeface="+mj-ea"/>
+                <a:cs typeface="+mj-cs"/>
+              </a:defRPr>
+            </a:lvl1pPr>
+          </a:lstStyle>
+          <a:p>
+            <a:r>
+              <a:rPr lang="en-US" sz="2400" b="1" dirty="0"/>
+              <a:t>45797</a:t>
+            </a:r>
+            <a:endParaRPr lang="de-AT" sz="2400" b="1" dirty="0"/>
+          </a:p>
+        </p:txBody>
+      </p:sp>
+    </p:spTree>
+    <p:extLst>
+      <p:ext uri="{BB962C8B-B14F-4D97-AF65-F5344CB8AC3E}">
+        <p14:creationId xmlns:p14="http://schemas.microsoft.com/office/powerpoint/2010/main" val="1992590223"/>
       </p:ext>
     </p:extLst>
   </p:cSld>
@@ -5244,10 +5587,10 @@
       </p:sp>
       <p:pic>
         <p:nvPicPr>
-          <p:cNvPr id="6" name="Picture 5">
-            <a:extLst>
-              <a:ext uri="{FF2B5EF4-FFF2-40B4-BE49-F238E27FC236}">
-                <a16:creationId xmlns:a16="http://schemas.microsoft.com/office/drawing/2014/main" id="{273F13DF-B7D7-45F9-B102-EE052603CDC2}"/>
+          <p:cNvPr id="13" name="Picture 12">
+            <a:extLst>
+              <a:ext uri="{FF2B5EF4-FFF2-40B4-BE49-F238E27FC236}">
+                <a16:creationId xmlns:a16="http://schemas.microsoft.com/office/drawing/2014/main" id="{D0AE28CA-005E-4521-8A5A-841A738E7C7F}"/>
               </a:ext>
             </a:extLst>
           </p:cNvPr>
@@ -5264,338 +5607,48 @@
         </p:blipFill>
         <p:spPr>
           <a:xfrm>
-            <a:off x="448301" y="1902436"/>
-            <a:ext cx="11295397" cy="2368008"/>
+            <a:off x="94436" y="1391442"/>
+            <a:ext cx="7539540" cy="3971649"/>
           </a:xfrm>
           <a:prstGeom prst="rect">
             <a:avLst/>
           </a:prstGeom>
         </p:spPr>
       </p:pic>
-      <p:sp>
-        <p:nvSpPr>
-          <p:cNvPr id="16" name="Titel 2">
-            <a:extLst>
-              <a:ext uri="{FF2B5EF4-FFF2-40B4-BE49-F238E27FC236}">
-                <a16:creationId xmlns:a16="http://schemas.microsoft.com/office/drawing/2014/main" id="{39D45C2B-D4E8-4D65-BF1D-BC689FF6F230}"/>
-              </a:ext>
-            </a:extLst>
-          </p:cNvPr>
-          <p:cNvSpPr>
-            <a:spLocks noGrp="1"/>
-          </p:cNvSpPr>
-          <p:nvPr>
-            <p:ph type="title"/>
-          </p:nvPr>
-        </p:nvSpPr>
-        <p:spPr>
-          <a:xfrm>
-            <a:off x="4502639" y="369031"/>
-            <a:ext cx="3258232" cy="1114305"/>
-          </a:xfrm>
-        </p:spPr>
-        <p:txBody>
-          <a:bodyPr>
-            <a:normAutofit/>
-          </a:bodyPr>
-          <a:lstStyle/>
-          <a:p>
-            <a:r>
-              <a:rPr lang="en-US" sz="3600" b="1" noProof="0" dirty="0"/>
-              <a:t>Hours in Dataset</a:t>
-            </a:r>
-            <a:endParaRPr lang="de-AT" sz="3600" b="1" dirty="0"/>
-          </a:p>
-        </p:txBody>
-      </p:sp>
-      <p:cxnSp>
-        <p:nvCxnSpPr>
-          <p:cNvPr id="17" name="Straight Arrow Connector 16">
-            <a:extLst>
-              <a:ext uri="{FF2B5EF4-FFF2-40B4-BE49-F238E27FC236}">
-                <a16:creationId xmlns:a16="http://schemas.microsoft.com/office/drawing/2014/main" id="{9A271D5A-84E7-48A6-9D02-25CE37AABD92}"/>
-              </a:ext>
-            </a:extLst>
-          </p:cNvPr>
-          <p:cNvCxnSpPr/>
+      <p:pic>
+        <p:nvPicPr>
+          <p:cNvPr id="15" name="Picture 14">
+            <a:extLst>
+              <a:ext uri="{FF2B5EF4-FFF2-40B4-BE49-F238E27FC236}">
+                <a16:creationId xmlns:a16="http://schemas.microsoft.com/office/drawing/2014/main" id="{35509244-F299-4FBF-A1BE-FB1BDCEADA8D}"/>
+              </a:ext>
+            </a:extLst>
+          </p:cNvPr>
+          <p:cNvPicPr>
+            <a:picLocks noChangeAspect="1"/>
+          </p:cNvPicPr>
           <p:nvPr/>
-        </p:nvCxnSpPr>
-        <p:spPr>
-          <a:xfrm flipV="1">
-            <a:off x="925952" y="3939539"/>
-            <a:ext cx="496110" cy="817123"/>
-          </a:xfrm>
-          <a:prstGeom prst="straightConnector1">
-            <a:avLst/>
-          </a:prstGeom>
-          <a:ln>
-            <a:tailEnd type="triangle"/>
-          </a:ln>
-        </p:spPr>
-        <p:style>
-          <a:lnRef idx="1">
-            <a:schemeClr val="accent2"/>
-          </a:lnRef>
-          <a:fillRef idx="0">
-            <a:schemeClr val="accent2"/>
-          </a:fillRef>
-          <a:effectRef idx="0">
-            <a:schemeClr val="accent2"/>
-          </a:effectRef>
-          <a:fontRef idx="minor">
-            <a:schemeClr val="tx1"/>
-          </a:fontRef>
-        </p:style>
-      </p:cxnSp>
-      <p:sp>
-        <p:nvSpPr>
-          <p:cNvPr id="18" name="Titel 2">
-            <a:extLst>
-              <a:ext uri="{FF2B5EF4-FFF2-40B4-BE49-F238E27FC236}">
-                <a16:creationId xmlns:a16="http://schemas.microsoft.com/office/drawing/2014/main" id="{674025A6-1BE8-4BD7-BE81-6D3915C27241}"/>
-              </a:ext>
-            </a:extLst>
-          </p:cNvPr>
-          <p:cNvSpPr txBox="1">
-            <a:spLocks/>
-          </p:cNvSpPr>
-          <p:nvPr/>
-        </p:nvSpPr>
-        <p:spPr>
-          <a:xfrm>
-            <a:off x="561431" y="4484009"/>
-            <a:ext cx="4077244" cy="1114305"/>
+        </p:nvPicPr>
+        <p:blipFill>
+          <a:blip r:embed="rId3"/>
+          <a:stretch>
+            <a:fillRect/>
+          </a:stretch>
+        </p:blipFill>
+        <p:spPr>
+          <a:xfrm>
+            <a:off x="7633976" y="1663148"/>
+            <a:ext cx="4258321" cy="3428239"/>
           </a:xfrm>
           <a:prstGeom prst="rect">
             <a:avLst/>
           </a:prstGeom>
         </p:spPr>
-        <p:txBody>
-          <a:bodyPr vert="horz" lIns="91440" tIns="45720" rIns="91440" bIns="45720" rtlCol="0" anchor="ctr">
-            <a:normAutofit/>
-          </a:bodyPr>
-          <a:lstStyle>
-            <a:lvl1pPr algn="l" defTabSz="914400" rtl="0" eaLnBrk="1" latinLnBrk="0" hangingPunct="1">
-              <a:lnSpc>
-                <a:spcPct val="90000"/>
-              </a:lnSpc>
-              <a:spcBef>
-                <a:spcPct val="0"/>
-              </a:spcBef>
-              <a:buNone/>
-              <a:defRPr sz="4400" kern="1200">
-                <a:solidFill>
-                  <a:schemeClr val="tx1"/>
-                </a:solidFill>
-                <a:latin typeface="+mj-lt"/>
-                <a:ea typeface="+mj-ea"/>
-                <a:cs typeface="+mj-cs"/>
-              </a:defRPr>
-            </a:lvl1pPr>
-          </a:lstStyle>
-          <a:p>
-            <a:r>
-              <a:rPr lang="en-US" sz="2400" b="1" dirty="0"/>
-              <a:t>58000</a:t>
-            </a:r>
-            <a:endParaRPr lang="de-AT" sz="2400" b="1" dirty="0"/>
-          </a:p>
-        </p:txBody>
-      </p:sp>
-      <p:cxnSp>
-        <p:nvCxnSpPr>
-          <p:cNvPr id="19" name="Straight Arrow Connector 18">
-            <a:extLst>
-              <a:ext uri="{FF2B5EF4-FFF2-40B4-BE49-F238E27FC236}">
-                <a16:creationId xmlns:a16="http://schemas.microsoft.com/office/drawing/2014/main" id="{A6B5A84E-A898-461B-B996-CA587FD8B82F}"/>
-              </a:ext>
-            </a:extLst>
-          </p:cNvPr>
-          <p:cNvCxnSpPr/>
-          <p:nvPr/>
-        </p:nvCxnSpPr>
-        <p:spPr>
-          <a:xfrm flipV="1">
-            <a:off x="8125392" y="3939539"/>
-            <a:ext cx="496110" cy="817123"/>
-          </a:xfrm>
-          <a:prstGeom prst="straightConnector1">
-            <a:avLst/>
-          </a:prstGeom>
-          <a:ln>
-            <a:tailEnd type="triangle"/>
-          </a:ln>
-        </p:spPr>
-        <p:style>
-          <a:lnRef idx="1">
-            <a:schemeClr val="accent2"/>
-          </a:lnRef>
-          <a:fillRef idx="0">
-            <a:schemeClr val="accent2"/>
-          </a:fillRef>
-          <a:effectRef idx="0">
-            <a:schemeClr val="accent2"/>
-          </a:effectRef>
-          <a:fontRef idx="minor">
-            <a:schemeClr val="tx1"/>
-          </a:fontRef>
-        </p:style>
-      </p:cxnSp>
-      <p:sp>
-        <p:nvSpPr>
-          <p:cNvPr id="20" name="Titel 2">
-            <a:extLst>
-              <a:ext uri="{FF2B5EF4-FFF2-40B4-BE49-F238E27FC236}">
-                <a16:creationId xmlns:a16="http://schemas.microsoft.com/office/drawing/2014/main" id="{F01A3B59-89EB-4249-8127-AC411528DE70}"/>
-              </a:ext>
-            </a:extLst>
-          </p:cNvPr>
-          <p:cNvSpPr txBox="1">
-            <a:spLocks/>
-          </p:cNvSpPr>
-          <p:nvPr/>
-        </p:nvSpPr>
-        <p:spPr>
-          <a:xfrm>
-            <a:off x="7760871" y="4484009"/>
-            <a:ext cx="4077244" cy="1114305"/>
-          </a:xfrm>
-          <a:prstGeom prst="rect">
-            <a:avLst/>
-          </a:prstGeom>
-        </p:spPr>
-        <p:txBody>
-          <a:bodyPr vert="horz" lIns="91440" tIns="45720" rIns="91440" bIns="45720" rtlCol="0" anchor="ctr">
-            <a:normAutofit/>
-          </a:bodyPr>
-          <a:lstStyle>
-            <a:lvl1pPr algn="l" defTabSz="914400" rtl="0" eaLnBrk="1" latinLnBrk="0" hangingPunct="1">
-              <a:lnSpc>
-                <a:spcPct val="90000"/>
-              </a:lnSpc>
-              <a:spcBef>
-                <a:spcPct val="0"/>
-              </a:spcBef>
-              <a:buNone/>
-              <a:defRPr sz="4400" kern="1200">
-                <a:solidFill>
-                  <a:schemeClr val="tx1"/>
-                </a:solidFill>
-                <a:latin typeface="+mj-lt"/>
-                <a:ea typeface="+mj-ea"/>
-                <a:cs typeface="+mj-cs"/>
-              </a:defRPr>
-            </a:lvl1pPr>
-          </a:lstStyle>
-          <a:p>
-            <a:r>
-              <a:rPr lang="en-US" sz="2400" b="1" dirty="0"/>
-              <a:t>45784</a:t>
-            </a:r>
-            <a:endParaRPr lang="de-AT" sz="2400" b="1" dirty="0"/>
-          </a:p>
-        </p:txBody>
-      </p:sp>
-      <p:cxnSp>
-        <p:nvCxnSpPr>
-          <p:cNvPr id="21" name="Straight Arrow Connector 20">
-            <a:extLst>
-              <a:ext uri="{FF2B5EF4-FFF2-40B4-BE49-F238E27FC236}">
-                <a16:creationId xmlns:a16="http://schemas.microsoft.com/office/drawing/2014/main" id="{D9FB86E3-1735-4CE3-B98A-E6F08F130D7E}"/>
-              </a:ext>
-            </a:extLst>
-          </p:cNvPr>
-          <p:cNvCxnSpPr>
-            <a:cxnSpLocks/>
-          </p:cNvCxnSpPr>
-          <p:nvPr/>
-        </p:nvCxnSpPr>
-        <p:spPr>
-          <a:xfrm>
-            <a:off x="11238873" y="1483336"/>
-            <a:ext cx="1" cy="1389902"/>
-          </a:xfrm>
-          <a:prstGeom prst="straightConnector1">
-            <a:avLst/>
-          </a:prstGeom>
-          <a:ln>
-            <a:tailEnd type="triangle"/>
-          </a:ln>
-        </p:spPr>
-        <p:style>
-          <a:lnRef idx="1">
-            <a:schemeClr val="accent2"/>
-          </a:lnRef>
-          <a:fillRef idx="0">
-            <a:schemeClr val="accent2"/>
-          </a:fillRef>
-          <a:effectRef idx="0">
-            <a:schemeClr val="accent2"/>
-          </a:effectRef>
-          <a:fontRef idx="minor">
-            <a:schemeClr val="tx1"/>
-          </a:fontRef>
-        </p:style>
-      </p:cxnSp>
-      <p:sp>
-        <p:nvSpPr>
-          <p:cNvPr id="22" name="Titel 2">
-            <a:extLst>
-              <a:ext uri="{FF2B5EF4-FFF2-40B4-BE49-F238E27FC236}">
-                <a16:creationId xmlns:a16="http://schemas.microsoft.com/office/drawing/2014/main" id="{D2916AD3-7418-49CD-A3C1-650D88A1276B}"/>
-              </a:ext>
-            </a:extLst>
-          </p:cNvPr>
-          <p:cNvSpPr txBox="1">
-            <a:spLocks/>
-          </p:cNvSpPr>
-          <p:nvPr/>
-        </p:nvSpPr>
-        <p:spPr>
-          <a:xfrm>
-            <a:off x="10459827" y="702533"/>
-            <a:ext cx="4077244" cy="1114305"/>
-          </a:xfrm>
-          <a:prstGeom prst="rect">
-            <a:avLst/>
-          </a:prstGeom>
-        </p:spPr>
-        <p:txBody>
-          <a:bodyPr vert="horz" lIns="91440" tIns="45720" rIns="91440" bIns="45720" rtlCol="0" anchor="ctr">
-            <a:normAutofit/>
-          </a:bodyPr>
-          <a:lstStyle>
-            <a:lvl1pPr algn="l" defTabSz="914400" rtl="0" eaLnBrk="1" latinLnBrk="0" hangingPunct="1">
-              <a:lnSpc>
-                <a:spcPct val="90000"/>
-              </a:lnSpc>
-              <a:spcBef>
-                <a:spcPct val="0"/>
-              </a:spcBef>
-              <a:buNone/>
-              <a:defRPr sz="4400" kern="1200">
-                <a:solidFill>
-                  <a:schemeClr val="tx1"/>
-                </a:solidFill>
-                <a:latin typeface="+mj-lt"/>
-                <a:ea typeface="+mj-ea"/>
-                <a:cs typeface="+mj-cs"/>
-              </a:defRPr>
-            </a:lvl1pPr>
-          </a:lstStyle>
-          <a:p>
-            <a:r>
-              <a:rPr lang="en-US" sz="2400" b="1" dirty="0"/>
-              <a:t>45797</a:t>
-            </a:r>
-            <a:endParaRPr lang="de-AT" sz="2400" b="1" dirty="0"/>
-          </a:p>
-        </p:txBody>
-      </p:sp>
+      </p:pic>
     </p:spTree>
     <p:extLst>
       <p:ext uri="{BB962C8B-B14F-4D97-AF65-F5344CB8AC3E}">
-        <p14:creationId xmlns:p14="http://schemas.microsoft.com/office/powerpoint/2010/main" val="1992590223"/>
+        <p14:creationId xmlns:p14="http://schemas.microsoft.com/office/powerpoint/2010/main" val="1024135226"/>
       </p:ext>
     </p:extLst>
   </p:cSld>
@@ -5651,130 +5704,6 @@
             <a:fld id="{4A398261-F701-46B7-83E5-4561CE5D0B2C}" type="slidenum">
               <a:rPr lang="de-AT" smtClean="0"/>
               <a:t>13</a:t>
-            </a:fld>
-            <a:endParaRPr lang="de-AT"/>
-          </a:p>
-        </p:txBody>
-      </p:sp>
-      <p:pic>
-        <p:nvPicPr>
-          <p:cNvPr id="13" name="Picture 12">
-            <a:extLst>
-              <a:ext uri="{FF2B5EF4-FFF2-40B4-BE49-F238E27FC236}">
-                <a16:creationId xmlns:a16="http://schemas.microsoft.com/office/drawing/2014/main" id="{D0AE28CA-005E-4521-8A5A-841A738E7C7F}"/>
-              </a:ext>
-            </a:extLst>
-          </p:cNvPr>
-          <p:cNvPicPr>
-            <a:picLocks noChangeAspect="1"/>
-          </p:cNvPicPr>
-          <p:nvPr/>
-        </p:nvPicPr>
-        <p:blipFill>
-          <a:blip r:embed="rId2"/>
-          <a:stretch>
-            <a:fillRect/>
-          </a:stretch>
-        </p:blipFill>
-        <p:spPr>
-          <a:xfrm>
-            <a:off x="94436" y="1391442"/>
-            <a:ext cx="7539540" cy="3971649"/>
-          </a:xfrm>
-          <a:prstGeom prst="rect">
-            <a:avLst/>
-          </a:prstGeom>
-        </p:spPr>
-      </p:pic>
-      <p:pic>
-        <p:nvPicPr>
-          <p:cNvPr id="15" name="Picture 14">
-            <a:extLst>
-              <a:ext uri="{FF2B5EF4-FFF2-40B4-BE49-F238E27FC236}">
-                <a16:creationId xmlns:a16="http://schemas.microsoft.com/office/drawing/2014/main" id="{35509244-F299-4FBF-A1BE-FB1BDCEADA8D}"/>
-              </a:ext>
-            </a:extLst>
-          </p:cNvPr>
-          <p:cNvPicPr>
-            <a:picLocks noChangeAspect="1"/>
-          </p:cNvPicPr>
-          <p:nvPr/>
-        </p:nvPicPr>
-        <p:blipFill>
-          <a:blip r:embed="rId3"/>
-          <a:stretch>
-            <a:fillRect/>
-          </a:stretch>
-        </p:blipFill>
-        <p:spPr>
-          <a:xfrm>
-            <a:off x="7633976" y="1663148"/>
-            <a:ext cx="4258321" cy="3428239"/>
-          </a:xfrm>
-          <a:prstGeom prst="rect">
-            <a:avLst/>
-          </a:prstGeom>
-        </p:spPr>
-      </p:pic>
-    </p:spTree>
-    <p:extLst>
-      <p:ext uri="{BB962C8B-B14F-4D97-AF65-F5344CB8AC3E}">
-        <p14:creationId xmlns:p14="http://schemas.microsoft.com/office/powerpoint/2010/main" val="1024135226"/>
-      </p:ext>
-    </p:extLst>
-  </p:cSld>
-  <p:clrMapOvr>
-    <a:masterClrMapping/>
-  </p:clrMapOvr>
-</p:sld>
-</file>
-
-<file path=ppt/slides/slide14.xml><?xml version="1.0" encoding="utf-8"?>
-<p:sld xmlns:a="http://schemas.openxmlformats.org/drawingml/2006/main" xmlns:r="http://schemas.openxmlformats.org/officeDocument/2006/relationships" xmlns:p="http://schemas.openxmlformats.org/presentationml/2006/main">
-  <p:cSld>
-    <p:spTree>
-      <p:nvGrpSpPr>
-        <p:cNvPr id="1" name=""/>
-        <p:cNvGrpSpPr/>
-        <p:nvPr/>
-      </p:nvGrpSpPr>
-      <p:grpSpPr>
-        <a:xfrm>
-          <a:off x="0" y="0"/>
-          <a:ext cx="0" cy="0"/>
-          <a:chOff x="0" y="0"/>
-          <a:chExt cx="0" cy="0"/>
-        </a:xfrm>
-      </p:grpSpPr>
-      <p:sp>
-        <p:nvSpPr>
-          <p:cNvPr id="2" name="Foliennummernplatzhalter 1">
-            <a:extLst>
-              <a:ext uri="{FF2B5EF4-FFF2-40B4-BE49-F238E27FC236}">
-                <a16:creationId xmlns:a16="http://schemas.microsoft.com/office/drawing/2014/main" id="{15122CDF-34FF-4D9C-8E7D-DB78AA39CED1}"/>
-              </a:ext>
-            </a:extLst>
-          </p:cNvPr>
-          <p:cNvSpPr>
-            <a:spLocks noGrp="1"/>
-          </p:cNvSpPr>
-          <p:nvPr>
-            <p:ph type="sldNum" sz="quarter" idx="11"/>
-          </p:nvPr>
-        </p:nvSpPr>
-        <p:spPr>
-          <a:xfrm>
-            <a:off x="4724400" y="6356350"/>
-            <a:ext cx="2743200" cy="365125"/>
-          </a:xfrm>
-        </p:spPr>
-        <p:txBody>
-          <a:bodyPr/>
-          <a:lstStyle/>
-          <a:p>
-            <a:fld id="{4A398261-F701-46B7-83E5-4561CE5D0B2C}" type="slidenum">
-              <a:rPr lang="de-AT" smtClean="0"/>
-              <a:t>14</a:t>
             </a:fld>
             <a:endParaRPr lang="de-AT"/>
           </a:p>
@@ -6151,6 +6080,96 @@
 </p:sld>
 </file>
 
+<file path=ppt/slides/slide14.xml><?xml version="1.0" encoding="utf-8"?>
+<p:sld xmlns:a="http://schemas.openxmlformats.org/drawingml/2006/main" xmlns:r="http://schemas.openxmlformats.org/officeDocument/2006/relationships" xmlns:p="http://schemas.openxmlformats.org/presentationml/2006/main">
+  <p:cSld>
+    <p:spTree>
+      <p:nvGrpSpPr>
+        <p:cNvPr id="1" name=""/>
+        <p:cNvGrpSpPr/>
+        <p:nvPr/>
+      </p:nvGrpSpPr>
+      <p:grpSpPr>
+        <a:xfrm>
+          <a:off x="0" y="0"/>
+          <a:ext cx="0" cy="0"/>
+          <a:chOff x="0" y="0"/>
+          <a:chExt cx="0" cy="0"/>
+        </a:xfrm>
+      </p:grpSpPr>
+      <p:sp>
+        <p:nvSpPr>
+          <p:cNvPr id="4" name="Slide Number Placeholder 3">
+            <a:extLst>
+              <a:ext uri="{FF2B5EF4-FFF2-40B4-BE49-F238E27FC236}">
+                <a16:creationId xmlns:a16="http://schemas.microsoft.com/office/drawing/2014/main" id="{B1DAB5C0-C948-4091-8EBA-0EB86DD906FC}"/>
+              </a:ext>
+            </a:extLst>
+          </p:cNvPr>
+          <p:cNvSpPr>
+            <a:spLocks noGrp="1"/>
+          </p:cNvSpPr>
+          <p:nvPr>
+            <p:ph type="sldNum" sz="quarter" idx="11"/>
+          </p:nvPr>
+        </p:nvSpPr>
+        <p:spPr/>
+        <p:txBody>
+          <a:bodyPr/>
+          <a:lstStyle/>
+          <a:p>
+            <a:fld id="{4A398261-F701-46B7-83E5-4561CE5D0B2C}" type="slidenum">
+              <a:rPr lang="de-AT" smtClean="0"/>
+              <a:pPr/>
+              <a:t>14</a:t>
+            </a:fld>
+            <a:endParaRPr lang="de-AT" dirty="0"/>
+          </a:p>
+        </p:txBody>
+      </p:sp>
+      <p:pic>
+        <p:nvPicPr>
+          <p:cNvPr id="6" name="Picture 5">
+            <a:extLst>
+              <a:ext uri="{FF2B5EF4-FFF2-40B4-BE49-F238E27FC236}">
+                <a16:creationId xmlns:a16="http://schemas.microsoft.com/office/drawing/2014/main" id="{9E1B1C82-1B32-4ED5-AAB6-783C5BBABA21}"/>
+              </a:ext>
+            </a:extLst>
+          </p:cNvPr>
+          <p:cNvPicPr>
+            <a:picLocks noChangeAspect="1"/>
+          </p:cNvPicPr>
+          <p:nvPr/>
+        </p:nvPicPr>
+        <p:blipFill>
+          <a:blip r:embed="rId2"/>
+          <a:stretch>
+            <a:fillRect/>
+          </a:stretch>
+        </p:blipFill>
+        <p:spPr>
+          <a:xfrm>
+            <a:off x="1566967" y="578879"/>
+            <a:ext cx="8668960" cy="4610743"/>
+          </a:xfrm>
+          <a:prstGeom prst="rect">
+            <a:avLst/>
+          </a:prstGeom>
+        </p:spPr>
+      </p:pic>
+    </p:spTree>
+    <p:extLst>
+      <p:ext uri="{BB962C8B-B14F-4D97-AF65-F5344CB8AC3E}">
+        <p14:creationId xmlns:p14="http://schemas.microsoft.com/office/powerpoint/2010/main" val="911299174"/>
+      </p:ext>
+    </p:extLst>
+  </p:cSld>
+  <p:clrMapOvr>
+    <a:masterClrMapping/>
+  </p:clrMapOvr>
+</p:sld>
+</file>
+
 <file path=ppt/slides/slide15.xml><?xml version="1.0" encoding="utf-8"?>
 <p:sld xmlns:a="http://schemas.openxmlformats.org/drawingml/2006/main" xmlns:r="http://schemas.openxmlformats.org/officeDocument/2006/relationships" xmlns:p="http://schemas.openxmlformats.org/presentationml/2006/main">
   <p:cSld>
@@ -6173,7 +6192,7 @@
           <p:cNvPr id="4" name="Slide Number Placeholder 3">
             <a:extLst>
               <a:ext uri="{FF2B5EF4-FFF2-40B4-BE49-F238E27FC236}">
-                <a16:creationId xmlns:a16="http://schemas.microsoft.com/office/drawing/2014/main" id="{B1DAB5C0-C948-4091-8EBA-0EB86DD906FC}"/>
+                <a16:creationId xmlns:a16="http://schemas.microsoft.com/office/drawing/2014/main" id="{454A80C6-6C3C-45CC-9AEC-B56DC6F68D3D}"/>
               </a:ext>
             </a:extLst>
           </p:cNvPr>
@@ -6203,7 +6222,7 @@
           <p:cNvPr id="6" name="Picture 5">
             <a:extLst>
               <a:ext uri="{FF2B5EF4-FFF2-40B4-BE49-F238E27FC236}">
-                <a16:creationId xmlns:a16="http://schemas.microsoft.com/office/drawing/2014/main" id="{9E1B1C82-1B32-4ED5-AAB6-783C5BBABA21}"/>
+                <a16:creationId xmlns:a16="http://schemas.microsoft.com/office/drawing/2014/main" id="{D180A29D-3C36-429E-A71C-562AED6A1CE4}"/>
               </a:ext>
             </a:extLst>
           </p:cNvPr>
@@ -6220,8 +6239,8 @@
         </p:blipFill>
         <p:spPr>
           <a:xfrm>
-            <a:off x="1566967" y="578879"/>
-            <a:ext cx="8668960" cy="4610743"/>
+            <a:off x="954477" y="789733"/>
+            <a:ext cx="10283045" cy="4916018"/>
           </a:xfrm>
           <a:prstGeom prst="rect">
             <a:avLst/>
@@ -6231,7 +6250,7 @@
     </p:spTree>
     <p:extLst>
       <p:ext uri="{BB962C8B-B14F-4D97-AF65-F5344CB8AC3E}">
-        <p14:creationId xmlns:p14="http://schemas.microsoft.com/office/powerpoint/2010/main" val="911299174"/>
+        <p14:creationId xmlns:p14="http://schemas.microsoft.com/office/powerpoint/2010/main" val="3530473453"/>
       </p:ext>
     </p:extLst>
   </p:cSld>
@@ -6260,18 +6279,18 @@
       </p:grpSpPr>
       <p:sp>
         <p:nvSpPr>
-          <p:cNvPr id="4" name="Slide Number Placeholder 3">
-            <a:extLst>
-              <a:ext uri="{FF2B5EF4-FFF2-40B4-BE49-F238E27FC236}">
-                <a16:creationId xmlns:a16="http://schemas.microsoft.com/office/drawing/2014/main" id="{454A80C6-6C3C-45CC-9AEC-B56DC6F68D3D}"/>
-              </a:ext>
-            </a:extLst>
-          </p:cNvPr>
-          <p:cNvSpPr>
-            <a:spLocks noGrp="1"/>
-          </p:cNvSpPr>
-          <p:nvPr>
-            <p:ph type="sldNum" sz="quarter" idx="11"/>
+          <p:cNvPr id="4" name="Titel 3">
+            <a:extLst>
+              <a:ext uri="{FF2B5EF4-FFF2-40B4-BE49-F238E27FC236}">
+                <a16:creationId xmlns:a16="http://schemas.microsoft.com/office/drawing/2014/main" id="{B6793014-A3F0-483E-B553-1C5083D217C3}"/>
+              </a:ext>
+            </a:extLst>
+          </p:cNvPr>
+          <p:cNvSpPr>
+            <a:spLocks noGrp="1"/>
+          </p:cNvSpPr>
+          <p:nvPr>
+            <p:ph type="title"/>
           </p:nvPr>
         </p:nvSpPr>
         <p:spPr/>
@@ -6279,49 +6298,55 @@
           <a:bodyPr/>
           <a:lstStyle/>
           <a:p>
-            <a:fld id="{4A398261-F701-46B7-83E5-4561CE5D0B2C}" type="slidenum">
-              <a:rPr lang="de-AT" smtClean="0"/>
-              <a:pPr/>
-              <a:t>16</a:t>
-            </a:fld>
+            <a:r>
+              <a:rPr lang="en-US" dirty="0"/>
+              <a:t>Explore Audio Classification Datasets</a:t>
+            </a:r>
             <a:endParaRPr lang="de-AT" dirty="0"/>
           </a:p>
         </p:txBody>
       </p:sp>
-      <p:pic>
-        <p:nvPicPr>
-          <p:cNvPr id="6" name="Picture 5">
-            <a:extLst>
-              <a:ext uri="{FF2B5EF4-FFF2-40B4-BE49-F238E27FC236}">
-                <a16:creationId xmlns:a16="http://schemas.microsoft.com/office/drawing/2014/main" id="{D180A29D-3C36-429E-A71C-562AED6A1CE4}"/>
-              </a:ext>
-            </a:extLst>
-          </p:cNvPr>
-          <p:cNvPicPr>
-            <a:picLocks noChangeAspect="1"/>
-          </p:cNvPicPr>
-          <p:nvPr/>
-        </p:nvPicPr>
-        <p:blipFill>
-          <a:blip r:embed="rId2"/>
-          <a:stretch>
-            <a:fillRect/>
-          </a:stretch>
-        </p:blipFill>
-        <p:spPr>
-          <a:xfrm>
-            <a:off x="954477" y="789733"/>
-            <a:ext cx="10283045" cy="4916018"/>
+      <p:sp>
+        <p:nvSpPr>
+          <p:cNvPr id="2" name="Foliennummernplatzhalter 1">
+            <a:extLst>
+              <a:ext uri="{FF2B5EF4-FFF2-40B4-BE49-F238E27FC236}">
+                <a16:creationId xmlns:a16="http://schemas.microsoft.com/office/drawing/2014/main" id="{6DECA6F6-28E2-46BC-BEB7-A4288C9737A7}"/>
+              </a:ext>
+            </a:extLst>
+          </p:cNvPr>
+          <p:cNvSpPr>
+            <a:spLocks noGrp="1"/>
+          </p:cNvSpPr>
+          <p:nvPr>
+            <p:ph type="sldNum" sz="quarter" idx="4294967295"/>
+          </p:nvPr>
+        </p:nvSpPr>
+        <p:spPr>
+          <a:xfrm>
+            <a:off x="4724400" y="6356350"/>
+            <a:ext cx="2743200" cy="365125"/>
           </a:xfrm>
           <a:prstGeom prst="rect">
             <a:avLst/>
           </a:prstGeom>
         </p:spPr>
-      </p:pic>
+        <p:txBody>
+          <a:bodyPr/>
+          <a:lstStyle/>
+          <a:p>
+            <a:fld id="{4A398261-F701-46B7-83E5-4561CE5D0B2C}" type="slidenum">
+              <a:rPr lang="de-AT" smtClean="0"/>
+              <a:t>16</a:t>
+            </a:fld>
+            <a:endParaRPr lang="de-AT"/>
+          </a:p>
+        </p:txBody>
+      </p:sp>
     </p:spTree>
     <p:extLst>
       <p:ext uri="{BB962C8B-B14F-4D97-AF65-F5344CB8AC3E}">
-        <p14:creationId xmlns:p14="http://schemas.microsoft.com/office/powerpoint/2010/main" val="3530473453"/>
+        <p14:creationId xmlns:p14="http://schemas.microsoft.com/office/powerpoint/2010/main" val="214001632"/>
       </p:ext>
     </p:extLst>
   </p:cSld>
@@ -6350,10 +6375,10 @@
       </p:grpSpPr>
       <p:sp>
         <p:nvSpPr>
-          <p:cNvPr id="4" name="Titel 3">
-            <a:extLst>
-              <a:ext uri="{FF2B5EF4-FFF2-40B4-BE49-F238E27FC236}">
-                <a16:creationId xmlns:a16="http://schemas.microsoft.com/office/drawing/2014/main" id="{B6793014-A3F0-483E-B553-1C5083D217C3}"/>
+          <p:cNvPr id="2" name="Title 1">
+            <a:extLst>
+              <a:ext uri="{FF2B5EF4-FFF2-40B4-BE49-F238E27FC236}">
+                <a16:creationId xmlns:a16="http://schemas.microsoft.com/office/drawing/2014/main" id="{409379BB-F66F-4D09-B1FD-C171693DC1C7}"/>
               </a:ext>
             </a:extLst>
           </p:cNvPr>
@@ -6371,37 +6396,29 @@
           <a:p>
             <a:r>
               <a:rPr lang="en-US" dirty="0"/>
-              <a:t>Explore Audio Classification Datasets</a:t>
-            </a:r>
-            <a:endParaRPr lang="de-AT" dirty="0"/>
-          </a:p>
-        </p:txBody>
-      </p:sp>
-      <p:sp>
-        <p:nvSpPr>
-          <p:cNvPr id="2" name="Foliennummernplatzhalter 1">
-            <a:extLst>
-              <a:ext uri="{FF2B5EF4-FFF2-40B4-BE49-F238E27FC236}">
-                <a16:creationId xmlns:a16="http://schemas.microsoft.com/office/drawing/2014/main" id="{6DECA6F6-28E2-46BC-BEB7-A4288C9737A7}"/>
-              </a:ext>
-            </a:extLst>
-          </p:cNvPr>
-          <p:cNvSpPr>
-            <a:spLocks noGrp="1"/>
-          </p:cNvSpPr>
-          <p:nvPr>
-            <p:ph type="sldNum" sz="quarter" idx="4294967295"/>
-          </p:nvPr>
-        </p:nvSpPr>
-        <p:spPr>
-          <a:xfrm>
-            <a:off x="4724400" y="6356350"/>
-            <a:ext cx="2743200" cy="365125"/>
-          </a:xfrm>
-          <a:prstGeom prst="rect">
-            <a:avLst/>
-          </a:prstGeom>
-        </p:spPr>
+              <a:t>Some numbers</a:t>
+            </a:r>
+            <a:endParaRPr lang="en-AT" dirty="0"/>
+          </a:p>
+        </p:txBody>
+      </p:sp>
+      <p:sp>
+        <p:nvSpPr>
+          <p:cNvPr id="3" name="Slide Number Placeholder 2">
+            <a:extLst>
+              <a:ext uri="{FF2B5EF4-FFF2-40B4-BE49-F238E27FC236}">
+                <a16:creationId xmlns:a16="http://schemas.microsoft.com/office/drawing/2014/main" id="{0A961397-D5E0-4402-9BB6-B03F3AF5FAE3}"/>
+              </a:ext>
+            </a:extLst>
+          </p:cNvPr>
+          <p:cNvSpPr>
+            <a:spLocks noGrp="1"/>
+          </p:cNvSpPr>
+          <p:nvPr>
+            <p:ph type="sldNum" sz="quarter" idx="12"/>
+          </p:nvPr>
+        </p:nvSpPr>
+        <p:spPr/>
         <p:txBody>
           <a:bodyPr/>
           <a:lstStyle/>
@@ -6409,94 +6426,6 @@
             <a:fld id="{4A398261-F701-46B7-83E5-4561CE5D0B2C}" type="slidenum">
               <a:rPr lang="de-AT" smtClean="0"/>
               <a:t>17</a:t>
-            </a:fld>
-            <a:endParaRPr lang="de-AT"/>
-          </a:p>
-        </p:txBody>
-      </p:sp>
-    </p:spTree>
-    <p:extLst>
-      <p:ext uri="{BB962C8B-B14F-4D97-AF65-F5344CB8AC3E}">
-        <p14:creationId xmlns:p14="http://schemas.microsoft.com/office/powerpoint/2010/main" val="214001632"/>
-      </p:ext>
-    </p:extLst>
-  </p:cSld>
-  <p:clrMapOvr>
-    <a:masterClrMapping/>
-  </p:clrMapOvr>
-</p:sld>
-</file>
-
-<file path=ppt/slides/slide18.xml><?xml version="1.0" encoding="utf-8"?>
-<p:sld xmlns:a="http://schemas.openxmlformats.org/drawingml/2006/main" xmlns:r="http://schemas.openxmlformats.org/officeDocument/2006/relationships" xmlns:p="http://schemas.openxmlformats.org/presentationml/2006/main">
-  <p:cSld>
-    <p:spTree>
-      <p:nvGrpSpPr>
-        <p:cNvPr id="1" name=""/>
-        <p:cNvGrpSpPr/>
-        <p:nvPr/>
-      </p:nvGrpSpPr>
-      <p:grpSpPr>
-        <a:xfrm>
-          <a:off x="0" y="0"/>
-          <a:ext cx="0" cy="0"/>
-          <a:chOff x="0" y="0"/>
-          <a:chExt cx="0" cy="0"/>
-        </a:xfrm>
-      </p:grpSpPr>
-      <p:sp>
-        <p:nvSpPr>
-          <p:cNvPr id="2" name="Title 1">
-            <a:extLst>
-              <a:ext uri="{FF2B5EF4-FFF2-40B4-BE49-F238E27FC236}">
-                <a16:creationId xmlns:a16="http://schemas.microsoft.com/office/drawing/2014/main" id="{409379BB-F66F-4D09-B1FD-C171693DC1C7}"/>
-              </a:ext>
-            </a:extLst>
-          </p:cNvPr>
-          <p:cNvSpPr>
-            <a:spLocks noGrp="1"/>
-          </p:cNvSpPr>
-          <p:nvPr>
-            <p:ph type="title"/>
-          </p:nvPr>
-        </p:nvSpPr>
-        <p:spPr/>
-        <p:txBody>
-          <a:bodyPr/>
-          <a:lstStyle/>
-          <a:p>
-            <a:r>
-              <a:rPr lang="en-US" dirty="0"/>
-              <a:t>Some numbers</a:t>
-            </a:r>
-            <a:endParaRPr lang="en-AT" dirty="0"/>
-          </a:p>
-        </p:txBody>
-      </p:sp>
-      <p:sp>
-        <p:nvSpPr>
-          <p:cNvPr id="3" name="Slide Number Placeholder 2">
-            <a:extLst>
-              <a:ext uri="{FF2B5EF4-FFF2-40B4-BE49-F238E27FC236}">
-                <a16:creationId xmlns:a16="http://schemas.microsoft.com/office/drawing/2014/main" id="{0A961397-D5E0-4402-9BB6-B03F3AF5FAE3}"/>
-              </a:ext>
-            </a:extLst>
-          </p:cNvPr>
-          <p:cNvSpPr>
-            <a:spLocks noGrp="1"/>
-          </p:cNvSpPr>
-          <p:nvPr>
-            <p:ph type="sldNum" sz="quarter" idx="12"/>
-          </p:nvPr>
-        </p:nvSpPr>
-        <p:spPr/>
-        <p:txBody>
-          <a:bodyPr/>
-          <a:lstStyle/>
-          <a:p>
-            <a:fld id="{4A398261-F701-46B7-83E5-4561CE5D0B2C}" type="slidenum">
-              <a:rPr lang="de-AT" smtClean="0"/>
-              <a:t>18</a:t>
             </a:fld>
             <a:endParaRPr lang="de-AT"/>
           </a:p>
@@ -7257,7 +7186,7 @@
 </p:sld>
 </file>
 
-<file path=ppt/slides/slide19.xml><?xml version="1.0" encoding="utf-8"?>
+<file path=ppt/slides/slide18.xml><?xml version="1.0" encoding="utf-8"?>
 <p:sld xmlns:a="http://schemas.openxmlformats.org/drawingml/2006/main" xmlns:r="http://schemas.openxmlformats.org/officeDocument/2006/relationships" xmlns:p="http://schemas.openxmlformats.org/presentationml/2006/main">
   <p:cSld>
     <p:spTree>
@@ -7326,7 +7255,7 @@
           <a:p>
             <a:fld id="{4A398261-F701-46B7-83E5-4561CE5D0B2C}" type="slidenum">
               <a:rPr lang="de-AT" smtClean="0"/>
-              <a:t>19</a:t>
+              <a:t>18</a:t>
             </a:fld>
             <a:endParaRPr lang="de-AT"/>
           </a:p>
@@ -7640,6 +7569,189 @@
 </p:sld>
 </file>
 
+<file path=ppt/slides/slide19.xml><?xml version="1.0" encoding="utf-8"?>
+<p:sld xmlns:a="http://schemas.openxmlformats.org/drawingml/2006/main" xmlns:r="http://schemas.openxmlformats.org/officeDocument/2006/relationships" xmlns:p="http://schemas.openxmlformats.org/presentationml/2006/main">
+  <p:cSld>
+    <p:spTree>
+      <p:nvGrpSpPr>
+        <p:cNvPr id="1" name=""/>
+        <p:cNvGrpSpPr/>
+        <p:nvPr/>
+      </p:nvGrpSpPr>
+      <p:grpSpPr>
+        <a:xfrm>
+          <a:off x="0" y="0"/>
+          <a:ext cx="0" cy="0"/>
+          <a:chOff x="0" y="0"/>
+          <a:chExt cx="0" cy="0"/>
+        </a:xfrm>
+      </p:grpSpPr>
+      <p:sp>
+        <p:nvSpPr>
+          <p:cNvPr id="2" name="Title 1">
+            <a:extLst>
+              <a:ext uri="{FF2B5EF4-FFF2-40B4-BE49-F238E27FC236}">
+                <a16:creationId xmlns:a16="http://schemas.microsoft.com/office/drawing/2014/main" id="{59AC40B9-F454-412E-BF49-F1679AABD1A0}"/>
+              </a:ext>
+            </a:extLst>
+          </p:cNvPr>
+          <p:cNvSpPr>
+            <a:spLocks noGrp="1"/>
+          </p:cNvSpPr>
+          <p:nvPr>
+            <p:ph type="title"/>
+          </p:nvPr>
+        </p:nvSpPr>
+        <p:spPr>
+          <a:xfrm>
+            <a:off x="163901" y="136525"/>
+            <a:ext cx="11878573" cy="841375"/>
+          </a:xfrm>
+        </p:spPr>
+        <p:txBody>
+          <a:bodyPr/>
+          <a:lstStyle/>
+          <a:p>
+            <a:r>
+              <a:rPr lang="en-US" dirty="0"/>
+              <a:t>Some plots</a:t>
+            </a:r>
+            <a:endParaRPr lang="en-AT" dirty="0"/>
+          </a:p>
+        </p:txBody>
+      </p:sp>
+      <p:sp>
+        <p:nvSpPr>
+          <p:cNvPr id="3" name="Slide Number Placeholder 2">
+            <a:extLst>
+              <a:ext uri="{FF2B5EF4-FFF2-40B4-BE49-F238E27FC236}">
+                <a16:creationId xmlns:a16="http://schemas.microsoft.com/office/drawing/2014/main" id="{7496C5C6-86B7-474B-BF21-1BA28787D613}"/>
+              </a:ext>
+            </a:extLst>
+          </p:cNvPr>
+          <p:cNvSpPr>
+            <a:spLocks noGrp="1"/>
+          </p:cNvSpPr>
+          <p:nvPr>
+            <p:ph type="sldNum" sz="quarter" idx="12"/>
+          </p:nvPr>
+        </p:nvSpPr>
+        <p:spPr/>
+        <p:txBody>
+          <a:bodyPr/>
+          <a:lstStyle/>
+          <a:p>
+            <a:fld id="{4A398261-F701-46B7-83E5-4561CE5D0B2C}" type="slidenum">
+              <a:rPr lang="de-AT" smtClean="0"/>
+              <a:t>19</a:t>
+            </a:fld>
+            <a:endParaRPr lang="de-AT"/>
+          </a:p>
+        </p:txBody>
+      </p:sp>
+      <p:pic>
+        <p:nvPicPr>
+          <p:cNvPr id="5" name="Picture 4">
+            <a:extLst>
+              <a:ext uri="{FF2B5EF4-FFF2-40B4-BE49-F238E27FC236}">
+                <a16:creationId xmlns:a16="http://schemas.microsoft.com/office/drawing/2014/main" id="{54571CA9-528C-40E4-A1F0-AC913ACB69F6}"/>
+              </a:ext>
+            </a:extLst>
+          </p:cNvPr>
+          <p:cNvPicPr>
+            <a:picLocks noChangeAspect="1"/>
+          </p:cNvPicPr>
+          <p:nvPr/>
+        </p:nvPicPr>
+        <p:blipFill>
+          <a:blip r:embed="rId2"/>
+          <a:stretch>
+            <a:fillRect/>
+          </a:stretch>
+        </p:blipFill>
+        <p:spPr>
+          <a:xfrm>
+            <a:off x="136826" y="923827"/>
+            <a:ext cx="5093524" cy="5222973"/>
+          </a:xfrm>
+          <a:prstGeom prst="rect">
+            <a:avLst/>
+          </a:prstGeom>
+        </p:spPr>
+      </p:pic>
+      <p:pic>
+        <p:nvPicPr>
+          <p:cNvPr id="7" name="Picture 6">
+            <a:extLst>
+              <a:ext uri="{FF2B5EF4-FFF2-40B4-BE49-F238E27FC236}">
+                <a16:creationId xmlns:a16="http://schemas.microsoft.com/office/drawing/2014/main" id="{C74A30BC-6921-4E7A-92D0-8E4EDD7FF7F6}"/>
+              </a:ext>
+            </a:extLst>
+          </p:cNvPr>
+          <p:cNvPicPr>
+            <a:picLocks noChangeAspect="1"/>
+          </p:cNvPicPr>
+          <p:nvPr/>
+        </p:nvPicPr>
+        <p:blipFill>
+          <a:blip r:embed="rId3"/>
+          <a:stretch>
+            <a:fillRect/>
+          </a:stretch>
+        </p:blipFill>
+        <p:spPr>
+          <a:xfrm>
+            <a:off x="5977322" y="136525"/>
+            <a:ext cx="5547928" cy="3813109"/>
+          </a:xfrm>
+          <a:prstGeom prst="rect">
+            <a:avLst/>
+          </a:prstGeom>
+        </p:spPr>
+      </p:pic>
+      <p:pic>
+        <p:nvPicPr>
+          <p:cNvPr id="9" name="Picture 8">
+            <a:extLst>
+              <a:ext uri="{FF2B5EF4-FFF2-40B4-BE49-F238E27FC236}">
+                <a16:creationId xmlns:a16="http://schemas.microsoft.com/office/drawing/2014/main" id="{5C592CC9-FE6A-4525-ACE1-21788F7C4085}"/>
+              </a:ext>
+            </a:extLst>
+          </p:cNvPr>
+          <p:cNvPicPr>
+            <a:picLocks noChangeAspect="1"/>
+          </p:cNvPicPr>
+          <p:nvPr/>
+        </p:nvPicPr>
+        <p:blipFill>
+          <a:blip r:embed="rId4"/>
+          <a:stretch>
+            <a:fillRect/>
+          </a:stretch>
+        </p:blipFill>
+        <p:spPr>
+          <a:xfrm>
+            <a:off x="6372225" y="4003380"/>
+            <a:ext cx="4418647" cy="2535532"/>
+          </a:xfrm>
+          <a:prstGeom prst="rect">
+            <a:avLst/>
+          </a:prstGeom>
+        </p:spPr>
+      </p:pic>
+    </p:spTree>
+    <p:extLst>
+      <p:ext uri="{BB962C8B-B14F-4D97-AF65-F5344CB8AC3E}">
+        <p14:creationId xmlns:p14="http://schemas.microsoft.com/office/powerpoint/2010/main" val="2033253259"/>
+      </p:ext>
+    </p:extLst>
+  </p:cSld>
+  <p:clrMapOvr>
+    <a:masterClrMapping/>
+  </p:clrMapOvr>
+</p:sld>
+</file>
+
 <file path=ppt/slides/slide2.xml><?xml version="1.0" encoding="utf-8"?>
 <p:sld xmlns:a="http://schemas.openxmlformats.org/drawingml/2006/main" xmlns:r="http://schemas.openxmlformats.org/officeDocument/2006/relationships" xmlns:p="http://schemas.openxmlformats.org/presentationml/2006/main">
   <p:cSld>
@@ -7659,10 +7771,10 @@
       </p:grpSpPr>
       <p:sp>
         <p:nvSpPr>
-          <p:cNvPr id="4" name="Titel 3">
-            <a:extLst>
-              <a:ext uri="{FF2B5EF4-FFF2-40B4-BE49-F238E27FC236}">
-                <a16:creationId xmlns:a16="http://schemas.microsoft.com/office/drawing/2014/main" id="{B6793014-A3F0-483E-B553-1C5083D217C3}"/>
+          <p:cNvPr id="3" name="Titel 2">
+            <a:extLst>
+              <a:ext uri="{FF2B5EF4-FFF2-40B4-BE49-F238E27FC236}">
+                <a16:creationId xmlns:a16="http://schemas.microsoft.com/office/drawing/2014/main" id="{38C1E7A0-00A7-406F-8CE0-B1BE17B05EEA}"/>
               </a:ext>
             </a:extLst>
           </p:cNvPr>
@@ -7675,35 +7787,72 @@
         </p:nvSpPr>
         <p:spPr/>
         <p:txBody>
-          <a:bodyPr>
-            <a:normAutofit fontScale="90000"/>
-          </a:bodyPr>
+          <a:bodyPr/>
           <a:lstStyle/>
           <a:p>
             <a:r>
+              <a:rPr lang="en-US" b="1" dirty="0"/>
+              <a:t>Main topics of the thesis</a:t>
+            </a:r>
+            <a:endParaRPr lang="de-AT" b="1" dirty="0"/>
+          </a:p>
+        </p:txBody>
+      </p:sp>
+      <p:sp>
+        <p:nvSpPr>
+          <p:cNvPr id="4" name="Inhaltsplatzhalter 3">
+            <a:extLst>
+              <a:ext uri="{FF2B5EF4-FFF2-40B4-BE49-F238E27FC236}">
+                <a16:creationId xmlns:a16="http://schemas.microsoft.com/office/drawing/2014/main" id="{B2C07712-1109-466E-BA1B-D70E479BEB3A}"/>
+              </a:ext>
+            </a:extLst>
+          </p:cNvPr>
+          <p:cNvSpPr>
+            <a:spLocks noGrp="1"/>
+          </p:cNvSpPr>
+          <p:nvPr>
+            <p:ph idx="1"/>
+          </p:nvPr>
+        </p:nvSpPr>
+        <p:spPr/>
+        <p:txBody>
+          <a:bodyPr/>
+          <a:lstStyle/>
+          <a:p>
+            <a:r>
               <a:rPr lang="en-US" dirty="0"/>
-              <a:t>Analysis of the Influence of Dataset</a:t>
-            </a:r>
-            <a:br>
+              <a:t>Audio Signal Processing with Machine Learning</a:t>
+            </a:r>
+          </a:p>
+          <a:p>
+            <a:pPr lvl="1"/>
+            <a:r>
               <a:rPr lang="en-US" dirty="0"/>
-            </a:br>
+              <a:t>Audio Data in the Context of Machine Learning</a:t>
+            </a:r>
+          </a:p>
+          <a:p>
+            <a:pPr lvl="1"/>
+            <a:r>
+              <a:rPr lang="en-US" dirty="0">
+                <a:highlight>
+                  <a:srgbClr val="FFFF00"/>
+                </a:highlight>
+              </a:rPr>
+              <a:t>Survey of Available Datasets for Audio Classification</a:t>
+            </a:r>
+          </a:p>
+          <a:p>
             <a:r>
               <a:rPr lang="en-US" dirty="0"/>
-              <a:t>Characteristics and Architectural</a:t>
-            </a:r>
-            <a:br>
+              <a:t>Exploring Model Architectures for Audio Classification</a:t>
+            </a:r>
+          </a:p>
+          <a:p>
+            <a:pPr lvl="1"/>
+            <a:r>
               <a:rPr lang="en-US" dirty="0"/>
-            </a:br>
-            <a:r>
-              <a:rPr lang="en-US" dirty="0"/>
-              <a:t>Configurations on State Space Models (SSMs)</a:t>
-            </a:r>
-            <a:br>
-              <a:rPr lang="en-US" dirty="0"/>
-            </a:br>
-            <a:r>
-              <a:rPr lang="en-US" dirty="0"/>
-              <a:t>for Raw Audio Classification</a:t>
+              <a:t>State Space Model (SSM) evaluation</a:t>
             </a:r>
             <a:endParaRPr lang="de-AT" dirty="0"/>
           </a:p>
@@ -7711,18 +7860,18 @@
       </p:sp>
       <p:sp>
         <p:nvSpPr>
-          <p:cNvPr id="5" name="Foliennummernplatzhalter 4">
-            <a:extLst>
-              <a:ext uri="{FF2B5EF4-FFF2-40B4-BE49-F238E27FC236}">
-                <a16:creationId xmlns:a16="http://schemas.microsoft.com/office/drawing/2014/main" id="{DA6814CC-9849-412F-B85D-EDC324832DC5}"/>
-              </a:ext>
-            </a:extLst>
-          </p:cNvPr>
-          <p:cNvSpPr>
-            <a:spLocks noGrp="1"/>
-          </p:cNvSpPr>
-          <p:nvPr>
-            <p:ph type="sldNum" sz="quarter" idx="4294967295"/>
+          <p:cNvPr id="6" name="Foliennummernplatzhalter 5">
+            <a:extLst>
+              <a:ext uri="{FF2B5EF4-FFF2-40B4-BE49-F238E27FC236}">
+                <a16:creationId xmlns:a16="http://schemas.microsoft.com/office/drawing/2014/main" id="{3B0A0C47-3886-4BB6-9D78-4C39A244E9E1}"/>
+              </a:ext>
+            </a:extLst>
+          </p:cNvPr>
+          <p:cNvSpPr>
+            <a:spLocks noGrp="1"/>
+          </p:cNvSpPr>
+          <p:nvPr>
+            <p:ph type="sldNum" sz="quarter" idx="11"/>
           </p:nvPr>
         </p:nvSpPr>
         <p:spPr>
@@ -7730,9 +7879,6 @@
             <a:off x="4724400" y="6356350"/>
             <a:ext cx="2743200" cy="365125"/>
           </a:xfrm>
-          <a:prstGeom prst="rect">
-            <a:avLst/>
-          </a:prstGeom>
         </p:spPr>
         <p:txBody>
           <a:bodyPr/>
@@ -7749,7 +7895,7 @@
     </p:spTree>
     <p:extLst>
       <p:ext uri="{BB962C8B-B14F-4D97-AF65-F5344CB8AC3E}">
-        <p14:creationId xmlns:p14="http://schemas.microsoft.com/office/powerpoint/2010/main" val="2257926447"/>
+        <p14:creationId xmlns:p14="http://schemas.microsoft.com/office/powerpoint/2010/main" val="1164592713"/>
       </p:ext>
     </p:extLst>
   </p:cSld>
@@ -7781,7 +7927,7 @@
           <p:cNvPr id="2" name="Title 1">
             <a:extLst>
               <a:ext uri="{FF2B5EF4-FFF2-40B4-BE49-F238E27FC236}">
-                <a16:creationId xmlns:a16="http://schemas.microsoft.com/office/drawing/2014/main" id="{59AC40B9-F454-412E-BF49-F1679AABD1A0}"/>
+                <a16:creationId xmlns:a16="http://schemas.microsoft.com/office/drawing/2014/main" id="{B5E033B0-A647-42C0-8D74-C0A1E3887D8C}"/>
               </a:ext>
             </a:extLst>
           </p:cNvPr>
@@ -7792,19 +7938,14 @@
             <p:ph type="title"/>
           </p:nvPr>
         </p:nvSpPr>
-        <p:spPr>
-          <a:xfrm>
-            <a:off x="163901" y="136525"/>
-            <a:ext cx="11878573" cy="841375"/>
-          </a:xfrm>
-        </p:spPr>
+        <p:spPr/>
         <p:txBody>
           <a:bodyPr/>
           <a:lstStyle/>
           <a:p>
             <a:r>
               <a:rPr lang="en-US" dirty="0"/>
-              <a:t>Some plots</a:t>
+              <a:t>Number of Classes</a:t>
             </a:r>
             <a:endParaRPr lang="en-AT" dirty="0"/>
           </a:p>
@@ -7815,7 +7956,7 @@
           <p:cNvPr id="3" name="Slide Number Placeholder 2">
             <a:extLst>
               <a:ext uri="{FF2B5EF4-FFF2-40B4-BE49-F238E27FC236}">
-                <a16:creationId xmlns:a16="http://schemas.microsoft.com/office/drawing/2014/main" id="{7496C5C6-86B7-474B-BF21-1BA28787D613}"/>
+                <a16:creationId xmlns:a16="http://schemas.microsoft.com/office/drawing/2014/main" id="{CC94DAB4-34B7-4D3D-9CD7-F501A9FD5820}"/>
               </a:ext>
             </a:extLst>
           </p:cNvPr>
@@ -7844,7 +7985,7 @@
           <p:cNvPr id="5" name="Picture 4">
             <a:extLst>
               <a:ext uri="{FF2B5EF4-FFF2-40B4-BE49-F238E27FC236}">
-                <a16:creationId xmlns:a16="http://schemas.microsoft.com/office/drawing/2014/main" id="{54571CA9-528C-40E4-A1F0-AC913ACB69F6}"/>
+                <a16:creationId xmlns:a16="http://schemas.microsoft.com/office/drawing/2014/main" id="{4905B1BE-378D-491A-8F24-4B756324B98F}"/>
               </a:ext>
             </a:extLst>
           </p:cNvPr>
@@ -7861,68 +8002,8 @@
         </p:blipFill>
         <p:spPr>
           <a:xfrm>
-            <a:off x="136826" y="923827"/>
-            <a:ext cx="5093524" cy="5222973"/>
-          </a:xfrm>
-          <a:prstGeom prst="rect">
-            <a:avLst/>
-          </a:prstGeom>
-        </p:spPr>
-      </p:pic>
-      <p:pic>
-        <p:nvPicPr>
-          <p:cNvPr id="7" name="Picture 6">
-            <a:extLst>
-              <a:ext uri="{FF2B5EF4-FFF2-40B4-BE49-F238E27FC236}">
-                <a16:creationId xmlns:a16="http://schemas.microsoft.com/office/drawing/2014/main" id="{C74A30BC-6921-4E7A-92D0-8E4EDD7FF7F6}"/>
-              </a:ext>
-            </a:extLst>
-          </p:cNvPr>
-          <p:cNvPicPr>
-            <a:picLocks noChangeAspect="1"/>
-          </p:cNvPicPr>
-          <p:nvPr/>
-        </p:nvPicPr>
-        <p:blipFill>
-          <a:blip r:embed="rId3"/>
-          <a:stretch>
-            <a:fillRect/>
-          </a:stretch>
-        </p:blipFill>
-        <p:spPr>
-          <a:xfrm>
-            <a:off x="5977322" y="136525"/>
-            <a:ext cx="5547928" cy="3813109"/>
-          </a:xfrm>
-          <a:prstGeom prst="rect">
-            <a:avLst/>
-          </a:prstGeom>
-        </p:spPr>
-      </p:pic>
-      <p:pic>
-        <p:nvPicPr>
-          <p:cNvPr id="9" name="Picture 8">
-            <a:extLst>
-              <a:ext uri="{FF2B5EF4-FFF2-40B4-BE49-F238E27FC236}">
-                <a16:creationId xmlns:a16="http://schemas.microsoft.com/office/drawing/2014/main" id="{5C592CC9-FE6A-4525-ACE1-21788F7C4085}"/>
-              </a:ext>
-            </a:extLst>
-          </p:cNvPr>
-          <p:cNvPicPr>
-            <a:picLocks noChangeAspect="1"/>
-          </p:cNvPicPr>
-          <p:nvPr/>
-        </p:nvPicPr>
-        <p:blipFill>
-          <a:blip r:embed="rId4"/>
-          <a:stretch>
-            <a:fillRect/>
-          </a:stretch>
-        </p:blipFill>
-        <p:spPr>
-          <a:xfrm>
-            <a:off x="6372225" y="4003380"/>
-            <a:ext cx="4418647" cy="2535532"/>
+            <a:off x="2972511" y="885825"/>
+            <a:ext cx="5933686" cy="5972175"/>
           </a:xfrm>
           <a:prstGeom prst="rect">
             <a:avLst/>
@@ -7932,7 +8013,7 @@
     </p:spTree>
     <p:extLst>
       <p:ext uri="{BB962C8B-B14F-4D97-AF65-F5344CB8AC3E}">
-        <p14:creationId xmlns:p14="http://schemas.microsoft.com/office/powerpoint/2010/main" val="2033253259"/>
+        <p14:creationId xmlns:p14="http://schemas.microsoft.com/office/powerpoint/2010/main" val="276728615"/>
       </p:ext>
     </p:extLst>
   </p:cSld>
@@ -7961,10 +8042,10 @@
       </p:grpSpPr>
       <p:sp>
         <p:nvSpPr>
-          <p:cNvPr id="2" name="Title 1">
-            <a:extLst>
-              <a:ext uri="{FF2B5EF4-FFF2-40B4-BE49-F238E27FC236}">
-                <a16:creationId xmlns:a16="http://schemas.microsoft.com/office/drawing/2014/main" id="{B5E033B0-A647-42C0-8D74-C0A1E3887D8C}"/>
+          <p:cNvPr id="4" name="Titel 3">
+            <a:extLst>
+              <a:ext uri="{FF2B5EF4-FFF2-40B4-BE49-F238E27FC236}">
+                <a16:creationId xmlns:a16="http://schemas.microsoft.com/office/drawing/2014/main" id="{4453C3EF-AB70-4C49-B9EA-228B28D2DE3F}"/>
               </a:ext>
             </a:extLst>
           </p:cNvPr>
@@ -7975,25 +8056,31 @@
             <p:ph type="title"/>
           </p:nvPr>
         </p:nvSpPr>
-        <p:spPr/>
+        <p:spPr>
+          <a:xfrm>
+            <a:off x="838200" y="2766218"/>
+            <a:ext cx="10515600" cy="1325563"/>
+          </a:xfrm>
+        </p:spPr>
         <p:txBody>
           <a:bodyPr/>
           <a:lstStyle/>
           <a:p>
-            <a:r>
-              <a:rPr lang="en-US" dirty="0"/>
-              <a:t>Number of Classes</a:t>
-            </a:r>
-            <a:endParaRPr lang="en-AT" dirty="0"/>
-          </a:p>
-        </p:txBody>
-      </p:sp>
-      <p:sp>
-        <p:nvSpPr>
-          <p:cNvPr id="3" name="Slide Number Placeholder 2">
-            <a:extLst>
-              <a:ext uri="{FF2B5EF4-FFF2-40B4-BE49-F238E27FC236}">
-                <a16:creationId xmlns:a16="http://schemas.microsoft.com/office/drawing/2014/main" id="{CC94DAB4-34B7-4D3D-9CD7-F501A9FD5820}"/>
+            <a:pPr algn="ctr"/>
+            <a:r>
+              <a:rPr lang="en-US" noProof="0" dirty="0"/>
+              <a:t>Thank you for your attention!</a:t>
+            </a:r>
+            <a:endParaRPr lang="de-AT" dirty="0"/>
+          </a:p>
+        </p:txBody>
+      </p:sp>
+      <p:sp>
+        <p:nvSpPr>
+          <p:cNvPr id="5" name="Foliennummernplatzhalter 4">
+            <a:extLst>
+              <a:ext uri="{FF2B5EF4-FFF2-40B4-BE49-F238E27FC236}">
+                <a16:creationId xmlns:a16="http://schemas.microsoft.com/office/drawing/2014/main" id="{BFC8D299-C10B-467A-BACA-475797DE8699}"/>
               </a:ext>
             </a:extLst>
           </p:cNvPr>
@@ -8012,130 +8099,6 @@
             <a:fld id="{4A398261-F701-46B7-83E5-4561CE5D0B2C}" type="slidenum">
               <a:rPr lang="de-AT" smtClean="0"/>
               <a:t>21</a:t>
-            </a:fld>
-            <a:endParaRPr lang="de-AT"/>
-          </a:p>
-        </p:txBody>
-      </p:sp>
-      <p:pic>
-        <p:nvPicPr>
-          <p:cNvPr id="5" name="Picture 4">
-            <a:extLst>
-              <a:ext uri="{FF2B5EF4-FFF2-40B4-BE49-F238E27FC236}">
-                <a16:creationId xmlns:a16="http://schemas.microsoft.com/office/drawing/2014/main" id="{4905B1BE-378D-491A-8F24-4B756324B98F}"/>
-              </a:ext>
-            </a:extLst>
-          </p:cNvPr>
-          <p:cNvPicPr>
-            <a:picLocks noChangeAspect="1"/>
-          </p:cNvPicPr>
-          <p:nvPr/>
-        </p:nvPicPr>
-        <p:blipFill>
-          <a:blip r:embed="rId2"/>
-          <a:stretch>
-            <a:fillRect/>
-          </a:stretch>
-        </p:blipFill>
-        <p:spPr>
-          <a:xfrm>
-            <a:off x="2972511" y="885825"/>
-            <a:ext cx="5933686" cy="5972175"/>
-          </a:xfrm>
-          <a:prstGeom prst="rect">
-            <a:avLst/>
-          </a:prstGeom>
-        </p:spPr>
-      </p:pic>
-    </p:spTree>
-    <p:extLst>
-      <p:ext uri="{BB962C8B-B14F-4D97-AF65-F5344CB8AC3E}">
-        <p14:creationId xmlns:p14="http://schemas.microsoft.com/office/powerpoint/2010/main" val="276728615"/>
-      </p:ext>
-    </p:extLst>
-  </p:cSld>
-  <p:clrMapOvr>
-    <a:masterClrMapping/>
-  </p:clrMapOvr>
-</p:sld>
-</file>
-
-<file path=ppt/slides/slide22.xml><?xml version="1.0" encoding="utf-8"?>
-<p:sld xmlns:a="http://schemas.openxmlformats.org/drawingml/2006/main" xmlns:r="http://schemas.openxmlformats.org/officeDocument/2006/relationships" xmlns:p="http://schemas.openxmlformats.org/presentationml/2006/main">
-  <p:cSld>
-    <p:spTree>
-      <p:nvGrpSpPr>
-        <p:cNvPr id="1" name=""/>
-        <p:cNvGrpSpPr/>
-        <p:nvPr/>
-      </p:nvGrpSpPr>
-      <p:grpSpPr>
-        <a:xfrm>
-          <a:off x="0" y="0"/>
-          <a:ext cx="0" cy="0"/>
-          <a:chOff x="0" y="0"/>
-          <a:chExt cx="0" cy="0"/>
-        </a:xfrm>
-      </p:grpSpPr>
-      <p:sp>
-        <p:nvSpPr>
-          <p:cNvPr id="4" name="Titel 3">
-            <a:extLst>
-              <a:ext uri="{FF2B5EF4-FFF2-40B4-BE49-F238E27FC236}">
-                <a16:creationId xmlns:a16="http://schemas.microsoft.com/office/drawing/2014/main" id="{4453C3EF-AB70-4C49-B9EA-228B28D2DE3F}"/>
-              </a:ext>
-            </a:extLst>
-          </p:cNvPr>
-          <p:cNvSpPr>
-            <a:spLocks noGrp="1"/>
-          </p:cNvSpPr>
-          <p:nvPr>
-            <p:ph type="title"/>
-          </p:nvPr>
-        </p:nvSpPr>
-        <p:spPr>
-          <a:xfrm>
-            <a:off x="838200" y="2766218"/>
-            <a:ext cx="10515600" cy="1325563"/>
-          </a:xfrm>
-        </p:spPr>
-        <p:txBody>
-          <a:bodyPr/>
-          <a:lstStyle/>
-          <a:p>
-            <a:pPr algn="ctr"/>
-            <a:r>
-              <a:rPr lang="en-US" noProof="0" dirty="0"/>
-              <a:t>Thank you for your attention!</a:t>
-            </a:r>
-            <a:endParaRPr lang="de-AT" dirty="0"/>
-          </a:p>
-        </p:txBody>
-      </p:sp>
-      <p:sp>
-        <p:nvSpPr>
-          <p:cNvPr id="5" name="Foliennummernplatzhalter 4">
-            <a:extLst>
-              <a:ext uri="{FF2B5EF4-FFF2-40B4-BE49-F238E27FC236}">
-                <a16:creationId xmlns:a16="http://schemas.microsoft.com/office/drawing/2014/main" id="{BFC8D299-C10B-467A-BACA-475797DE8699}"/>
-              </a:ext>
-            </a:extLst>
-          </p:cNvPr>
-          <p:cNvSpPr>
-            <a:spLocks noGrp="1"/>
-          </p:cNvSpPr>
-          <p:nvPr>
-            <p:ph type="sldNum" sz="quarter" idx="12"/>
-          </p:nvPr>
-        </p:nvSpPr>
-        <p:spPr/>
-        <p:txBody>
-          <a:bodyPr/>
-          <a:lstStyle/>
-          <a:p>
-            <a:fld id="{4A398261-F701-46B7-83E5-4561CE5D0B2C}" type="slidenum">
-              <a:rPr lang="de-AT" smtClean="0"/>
-              <a:t>22</a:t>
             </a:fld>
             <a:endParaRPr lang="de-AT"/>
           </a:p>
@@ -8173,10 +8136,10 @@
       </p:grpSpPr>
       <p:sp>
         <p:nvSpPr>
-          <p:cNvPr id="3" name="Titel 2">
-            <a:extLst>
-              <a:ext uri="{FF2B5EF4-FFF2-40B4-BE49-F238E27FC236}">
-                <a16:creationId xmlns:a16="http://schemas.microsoft.com/office/drawing/2014/main" id="{38C1E7A0-00A7-406F-8CE0-B1BE17B05EEA}"/>
+          <p:cNvPr id="4" name="Titel 3">
+            <a:extLst>
+              <a:ext uri="{FF2B5EF4-FFF2-40B4-BE49-F238E27FC236}">
+                <a16:creationId xmlns:a16="http://schemas.microsoft.com/office/drawing/2014/main" id="{B6793014-A3F0-483E-B553-1C5083D217C3}"/>
               </a:ext>
             </a:extLst>
           </p:cNvPr>
@@ -8193,67 +8156,8 @@
           <a:lstStyle/>
           <a:p>
             <a:r>
-              <a:rPr lang="en-US" b="1" dirty="0"/>
-              <a:t>Main topics of the thesis</a:t>
-            </a:r>
-            <a:endParaRPr lang="de-AT" b="1" dirty="0"/>
-          </a:p>
-        </p:txBody>
-      </p:sp>
-      <p:sp>
-        <p:nvSpPr>
-          <p:cNvPr id="4" name="Inhaltsplatzhalter 3">
-            <a:extLst>
-              <a:ext uri="{FF2B5EF4-FFF2-40B4-BE49-F238E27FC236}">
-                <a16:creationId xmlns:a16="http://schemas.microsoft.com/office/drawing/2014/main" id="{B2C07712-1109-466E-BA1B-D70E479BEB3A}"/>
-              </a:ext>
-            </a:extLst>
-          </p:cNvPr>
-          <p:cNvSpPr>
-            <a:spLocks noGrp="1"/>
-          </p:cNvSpPr>
-          <p:nvPr>
-            <p:ph idx="1"/>
-          </p:nvPr>
-        </p:nvSpPr>
-        <p:spPr/>
-        <p:txBody>
-          <a:bodyPr/>
-          <a:lstStyle/>
-          <a:p>
-            <a:r>
               <a:rPr lang="en-US" dirty="0"/>
-              <a:t>Audio Signal Processing for Machine Learning</a:t>
-            </a:r>
-          </a:p>
-          <a:p>
-            <a:pPr lvl="1"/>
-            <a:r>
-              <a:rPr lang="en-US" dirty="0"/>
-              <a:t>Audio Data in the Context of Machine Learning</a:t>
-            </a:r>
-          </a:p>
-          <a:p>
-            <a:pPr lvl="1"/>
-            <a:r>
-              <a:rPr lang="en-US" dirty="0">
-                <a:highlight>
-                  <a:srgbClr val="FFFF00"/>
-                </a:highlight>
-              </a:rPr>
-              <a:t>Survey of Available Datasets for Audio Classification</a:t>
-            </a:r>
-          </a:p>
-          <a:p>
-            <a:r>
-              <a:rPr lang="en-US" dirty="0"/>
-              <a:t>Exploring Model Architectures for Audio Classification</a:t>
-            </a:r>
-          </a:p>
-          <a:p>
-            <a:r>
-              <a:rPr lang="en-US" dirty="0"/>
-              <a:t>State Space Model (SSM) evaluation</a:t>
+              <a:t>Survey of Available Audio Datasets</a:t>
             </a:r>
             <a:endParaRPr lang="de-AT" dirty="0"/>
           </a:p>
@@ -8261,18 +8165,18 @@
       </p:sp>
       <p:sp>
         <p:nvSpPr>
-          <p:cNvPr id="6" name="Foliennummernplatzhalter 5">
-            <a:extLst>
-              <a:ext uri="{FF2B5EF4-FFF2-40B4-BE49-F238E27FC236}">
-                <a16:creationId xmlns:a16="http://schemas.microsoft.com/office/drawing/2014/main" id="{3B0A0C47-3886-4BB6-9D78-4C39A244E9E1}"/>
-              </a:ext>
-            </a:extLst>
-          </p:cNvPr>
-          <p:cNvSpPr>
-            <a:spLocks noGrp="1"/>
-          </p:cNvSpPr>
-          <p:nvPr>
-            <p:ph type="sldNum" sz="quarter" idx="11"/>
+          <p:cNvPr id="2" name="Foliennummernplatzhalter 1">
+            <a:extLst>
+              <a:ext uri="{FF2B5EF4-FFF2-40B4-BE49-F238E27FC236}">
+                <a16:creationId xmlns:a16="http://schemas.microsoft.com/office/drawing/2014/main" id="{6DECA6F6-28E2-46BC-BEB7-A4288C9737A7}"/>
+              </a:ext>
+            </a:extLst>
+          </p:cNvPr>
+          <p:cNvSpPr>
+            <a:spLocks noGrp="1"/>
+          </p:cNvSpPr>
+          <p:nvPr>
+            <p:ph type="sldNum" sz="quarter" idx="4294967295"/>
           </p:nvPr>
         </p:nvSpPr>
         <p:spPr>
@@ -8280,6 +8184,9 @@
             <a:off x="4724400" y="6356350"/>
             <a:ext cx="2743200" cy="365125"/>
           </a:xfrm>
+          <a:prstGeom prst="rect">
+            <a:avLst/>
+          </a:prstGeom>
         </p:spPr>
         <p:txBody>
           <a:bodyPr/>
@@ -8296,7 +8203,7 @@
     </p:spTree>
     <p:extLst>
       <p:ext uri="{BB962C8B-B14F-4D97-AF65-F5344CB8AC3E}">
-        <p14:creationId xmlns:p14="http://schemas.microsoft.com/office/powerpoint/2010/main" val="1164592713"/>
+        <p14:creationId xmlns:p14="http://schemas.microsoft.com/office/powerpoint/2010/main" val="2611133450"/>
       </p:ext>
     </p:extLst>
   </p:cSld>
@@ -8325,10 +8232,10 @@
       </p:grpSpPr>
       <p:sp>
         <p:nvSpPr>
-          <p:cNvPr id="4" name="Titel 3">
-            <a:extLst>
-              <a:ext uri="{FF2B5EF4-FFF2-40B4-BE49-F238E27FC236}">
-                <a16:creationId xmlns:a16="http://schemas.microsoft.com/office/drawing/2014/main" id="{B6793014-A3F0-483E-B553-1C5083D217C3}"/>
+          <p:cNvPr id="3" name="Titel 2">
+            <a:extLst>
+              <a:ext uri="{FF2B5EF4-FFF2-40B4-BE49-F238E27FC236}">
+                <a16:creationId xmlns:a16="http://schemas.microsoft.com/office/drawing/2014/main" id="{38C1E7A0-00A7-406F-8CE0-B1BE17B05EEA}"/>
               </a:ext>
             </a:extLst>
           </p:cNvPr>
@@ -8345,10 +8252,116 @@
           <a:lstStyle/>
           <a:p>
             <a:r>
+              <a:rPr lang="en-US" b="1" noProof="0" dirty="0"/>
+              <a:t>Overview</a:t>
+            </a:r>
+            <a:endParaRPr lang="de-AT" b="1" dirty="0"/>
+          </a:p>
+        </p:txBody>
+      </p:sp>
+      <p:sp>
+        <p:nvSpPr>
+          <p:cNvPr id="4" name="Inhaltsplatzhalter 3">
+            <a:extLst>
+              <a:ext uri="{FF2B5EF4-FFF2-40B4-BE49-F238E27FC236}">
+                <a16:creationId xmlns:a16="http://schemas.microsoft.com/office/drawing/2014/main" id="{B2C07712-1109-466E-BA1B-D70E479BEB3A}"/>
+              </a:ext>
+            </a:extLst>
+          </p:cNvPr>
+          <p:cNvSpPr>
+            <a:spLocks noGrp="1"/>
+          </p:cNvSpPr>
+          <p:nvPr>
+            <p:ph idx="1"/>
+          </p:nvPr>
+        </p:nvSpPr>
+        <p:spPr>
+          <a:xfrm>
+            <a:off x="163901" y="1354347"/>
+            <a:ext cx="11878573" cy="500957"/>
+          </a:xfrm>
+        </p:spPr>
+        <p:txBody>
+          <a:bodyPr>
+            <a:noAutofit/>
+          </a:bodyPr>
+          <a:lstStyle/>
+          <a:p>
+            <a:r>
               <a:rPr lang="en-US" dirty="0"/>
-              <a:t>Survey of Available Audio Datasets</a:t>
-            </a:r>
-            <a:endParaRPr lang="de-AT" dirty="0"/>
+              <a:t>Total Datasets </a:t>
+            </a:r>
+            <a:r>
+              <a:rPr lang="en-US" dirty="0">
+                <a:sym typeface="Wingdings" panose="05000000000000000000" pitchFamily="2" charset="2"/>
+              </a:rPr>
+              <a:t> 54</a:t>
+            </a:r>
+          </a:p>
+          <a:p>
+            <a:r>
+              <a:rPr lang="en-US" dirty="0">
+                <a:sym typeface="Wingdings" panose="05000000000000000000" pitchFamily="2" charset="2"/>
+              </a:rPr>
+              <a:t>Key Attributes:</a:t>
+            </a:r>
+            <a:endParaRPr lang="en-US" dirty="0"/>
+          </a:p>
+          <a:p>
+            <a:pPr lvl="1"/>
+            <a:r>
+              <a:rPr lang="en-US" dirty="0"/>
+              <a:t>Citation Impact</a:t>
+            </a:r>
+          </a:p>
+          <a:p>
+            <a:pPr lvl="1"/>
+            <a:r>
+              <a:rPr lang="en-US" dirty="0"/>
+              <a:t>Research Usage</a:t>
+            </a:r>
+          </a:p>
+          <a:p>
+            <a:pPr lvl="1"/>
+            <a:r>
+              <a:rPr lang="en-US" dirty="0"/>
+              <a:t>Content Type</a:t>
+            </a:r>
+          </a:p>
+          <a:p>
+            <a:pPr lvl="1"/>
+            <a:r>
+              <a:rPr lang="en-US" dirty="0"/>
+              <a:t>Original Use Case &amp; Source Information</a:t>
+            </a:r>
+          </a:p>
+          <a:p>
+            <a:pPr lvl="1"/>
+            <a:r>
+              <a:rPr lang="en-US" dirty="0"/>
+              <a:t>Dataset Size &amp; Language</a:t>
+            </a:r>
+          </a:p>
+          <a:p>
+            <a:pPr lvl="1"/>
+            <a:r>
+              <a:rPr lang="en-US" dirty="0"/>
+              <a:t>Accessibility &amp; Downloadability</a:t>
+            </a:r>
+          </a:p>
+          <a:p>
+            <a:pPr lvl="1"/>
+            <a:r>
+              <a:rPr lang="en-US" dirty="0"/>
+              <a:t>Benchmark Performance &amp; Best Models</a:t>
+            </a:r>
+            <a:endParaRPr lang="en-US" sz="2800" dirty="0"/>
+          </a:p>
+          <a:p>
+            <a:pPr marL="0" indent="0">
+              <a:buNone/>
+            </a:pPr>
+            <a:endParaRPr lang="en-US" sz="2400" dirty="0"/>
           </a:p>
         </p:txBody>
       </p:sp>
@@ -8357,15 +8370,15 @@
           <p:cNvPr id="2" name="Foliennummernplatzhalter 1">
             <a:extLst>
               <a:ext uri="{FF2B5EF4-FFF2-40B4-BE49-F238E27FC236}">
-                <a16:creationId xmlns:a16="http://schemas.microsoft.com/office/drawing/2014/main" id="{6DECA6F6-28E2-46BC-BEB7-A4288C9737A7}"/>
-              </a:ext>
-            </a:extLst>
-          </p:cNvPr>
-          <p:cNvSpPr>
-            <a:spLocks noGrp="1"/>
-          </p:cNvSpPr>
-          <p:nvPr>
-            <p:ph type="sldNum" sz="quarter" idx="4294967295"/>
+                <a16:creationId xmlns:a16="http://schemas.microsoft.com/office/drawing/2014/main" id="{15122CDF-34FF-4D9C-8E7D-DB78AA39CED1}"/>
+              </a:ext>
+            </a:extLst>
+          </p:cNvPr>
+          <p:cNvSpPr>
+            <a:spLocks noGrp="1"/>
+          </p:cNvSpPr>
+          <p:nvPr>
+            <p:ph type="sldNum" sz="quarter" idx="11"/>
           </p:nvPr>
         </p:nvSpPr>
         <p:spPr>
@@ -8373,9 +8386,6 @@
             <a:off x="4724400" y="6356350"/>
             <a:ext cx="2743200" cy="365125"/>
           </a:xfrm>
-          <a:prstGeom prst="rect">
-            <a:avLst/>
-          </a:prstGeom>
         </p:spPr>
         <p:txBody>
           <a:bodyPr/>
@@ -8389,10 +8399,46 @@
           </a:p>
         </p:txBody>
       </p:sp>
+      <p:pic>
+        <p:nvPicPr>
+          <p:cNvPr id="11" name="Picture 10">
+            <a:extLst>
+              <a:ext uri="{FF2B5EF4-FFF2-40B4-BE49-F238E27FC236}">
+                <a16:creationId xmlns:a16="http://schemas.microsoft.com/office/drawing/2014/main" id="{82A5A1D7-A120-4BED-B4A8-E0FA13A5E644}"/>
+              </a:ext>
+            </a:extLst>
+          </p:cNvPr>
+          <p:cNvPicPr>
+            <a:picLocks noChangeAspect="1"/>
+          </p:cNvPicPr>
+          <p:nvPr/>
+        </p:nvPicPr>
+        <p:blipFill>
+          <a:blip r:embed="rId2">
+            <a:extLst>
+              <a:ext uri="{28A0092B-C50C-407E-A947-70E740481C1C}">
+                <a14:useLocalDpi xmlns:a14="http://schemas.microsoft.com/office/drawing/2010/main" val="0"/>
+              </a:ext>
+            </a:extLst>
+          </a:blip>
+          <a:stretch>
+            <a:fillRect/>
+          </a:stretch>
+        </p:blipFill>
+        <p:spPr>
+          <a:xfrm>
+            <a:off x="7242313" y="1244205"/>
+            <a:ext cx="3876261" cy="3876261"/>
+          </a:xfrm>
+          <a:prstGeom prst="rect">
+            <a:avLst/>
+          </a:prstGeom>
+        </p:spPr>
+      </p:pic>
     </p:spTree>
     <p:extLst>
       <p:ext uri="{BB962C8B-B14F-4D97-AF65-F5344CB8AC3E}">
-        <p14:creationId xmlns:p14="http://schemas.microsoft.com/office/powerpoint/2010/main" val="2611133450"/>
+        <p14:creationId xmlns:p14="http://schemas.microsoft.com/office/powerpoint/2010/main" val="665978701"/>
       </p:ext>
     </p:extLst>
   </p:cSld>
@@ -8421,141 +8467,6 @@
       </p:grpSpPr>
       <p:sp>
         <p:nvSpPr>
-          <p:cNvPr id="3" name="Titel 2">
-            <a:extLst>
-              <a:ext uri="{FF2B5EF4-FFF2-40B4-BE49-F238E27FC236}">
-                <a16:creationId xmlns:a16="http://schemas.microsoft.com/office/drawing/2014/main" id="{38C1E7A0-00A7-406F-8CE0-B1BE17B05EEA}"/>
-              </a:ext>
-            </a:extLst>
-          </p:cNvPr>
-          <p:cNvSpPr>
-            <a:spLocks noGrp="1"/>
-          </p:cNvSpPr>
-          <p:nvPr>
-            <p:ph type="title"/>
-          </p:nvPr>
-        </p:nvSpPr>
-        <p:spPr/>
-        <p:txBody>
-          <a:bodyPr/>
-          <a:lstStyle/>
-          <a:p>
-            <a:r>
-              <a:rPr lang="en-US" b="1" noProof="0" dirty="0"/>
-              <a:t>Overview</a:t>
-            </a:r>
-            <a:endParaRPr lang="de-AT" b="1" dirty="0"/>
-          </a:p>
-        </p:txBody>
-      </p:sp>
-      <p:sp>
-        <p:nvSpPr>
-          <p:cNvPr id="4" name="Inhaltsplatzhalter 3">
-            <a:extLst>
-              <a:ext uri="{FF2B5EF4-FFF2-40B4-BE49-F238E27FC236}">
-                <a16:creationId xmlns:a16="http://schemas.microsoft.com/office/drawing/2014/main" id="{B2C07712-1109-466E-BA1B-D70E479BEB3A}"/>
-              </a:ext>
-            </a:extLst>
-          </p:cNvPr>
-          <p:cNvSpPr>
-            <a:spLocks noGrp="1"/>
-          </p:cNvSpPr>
-          <p:nvPr>
-            <p:ph idx="1"/>
-          </p:nvPr>
-        </p:nvSpPr>
-        <p:spPr>
-          <a:xfrm>
-            <a:off x="163901" y="1354347"/>
-            <a:ext cx="11878573" cy="500957"/>
-          </a:xfrm>
-        </p:spPr>
-        <p:txBody>
-          <a:bodyPr>
-            <a:noAutofit/>
-          </a:bodyPr>
-          <a:lstStyle/>
-          <a:p>
-            <a:r>
-              <a:rPr lang="en-US" dirty="0"/>
-              <a:t>Total Datasets </a:t>
-            </a:r>
-            <a:r>
-              <a:rPr lang="en-US" dirty="0">
-                <a:sym typeface="Wingdings" panose="05000000000000000000" pitchFamily="2" charset="2"/>
-              </a:rPr>
-              <a:t> 54</a:t>
-            </a:r>
-          </a:p>
-          <a:p>
-            <a:r>
-              <a:rPr lang="en-US" dirty="0">
-                <a:sym typeface="Wingdings" panose="05000000000000000000" pitchFamily="2" charset="2"/>
-              </a:rPr>
-              <a:t>Key Attributes:</a:t>
-            </a:r>
-            <a:endParaRPr lang="en-US" dirty="0"/>
-          </a:p>
-          <a:p>
-            <a:pPr lvl="1"/>
-            <a:r>
-              <a:rPr lang="en-US" dirty="0"/>
-              <a:t>Citation Impact</a:t>
-            </a:r>
-          </a:p>
-          <a:p>
-            <a:pPr lvl="1"/>
-            <a:r>
-              <a:rPr lang="en-US" dirty="0"/>
-              <a:t>Research Usage</a:t>
-            </a:r>
-          </a:p>
-          <a:p>
-            <a:pPr lvl="1"/>
-            <a:r>
-              <a:rPr lang="en-US" dirty="0"/>
-              <a:t>Content Type</a:t>
-            </a:r>
-          </a:p>
-          <a:p>
-            <a:pPr lvl="1"/>
-            <a:r>
-              <a:rPr lang="en-US" dirty="0"/>
-              <a:t>Original Use Case &amp; Source Information</a:t>
-            </a:r>
-          </a:p>
-          <a:p>
-            <a:pPr lvl="1"/>
-            <a:r>
-              <a:rPr lang="en-US" dirty="0"/>
-              <a:t>Dataset Size &amp; Language</a:t>
-            </a:r>
-          </a:p>
-          <a:p>
-            <a:pPr lvl="1"/>
-            <a:r>
-              <a:rPr lang="en-US" dirty="0"/>
-              <a:t>Accessibility &amp; Downloadability</a:t>
-            </a:r>
-          </a:p>
-          <a:p>
-            <a:pPr lvl="1"/>
-            <a:r>
-              <a:rPr lang="en-US" dirty="0"/>
-              <a:t>Benchmark Performance &amp; Best Models</a:t>
-            </a:r>
-            <a:endParaRPr lang="en-US" sz="2800" dirty="0"/>
-          </a:p>
-          <a:p>
-            <a:pPr marL="0" indent="0">
-              <a:buNone/>
-            </a:pPr>
-            <a:endParaRPr lang="en-US" sz="2400" dirty="0"/>
-          </a:p>
-        </p:txBody>
-      </p:sp>
-      <p:sp>
-        <p:nvSpPr>
           <p:cNvPr id="2" name="Foliennummernplatzhalter 1">
             <a:extLst>
               <a:ext uri="{FF2B5EF4-FFF2-40B4-BE49-F238E27FC236}">
@@ -8590,10 +8501,10 @@
       </p:sp>
       <p:pic>
         <p:nvPicPr>
-          <p:cNvPr id="11" name="Picture 10">
-            <a:extLst>
-              <a:ext uri="{FF2B5EF4-FFF2-40B4-BE49-F238E27FC236}">
-                <a16:creationId xmlns:a16="http://schemas.microsoft.com/office/drawing/2014/main" id="{82A5A1D7-A120-4BED-B4A8-E0FA13A5E644}"/>
+          <p:cNvPr id="8" name="Picture 7">
+            <a:extLst>
+              <a:ext uri="{FF2B5EF4-FFF2-40B4-BE49-F238E27FC236}">
+                <a16:creationId xmlns:a16="http://schemas.microsoft.com/office/drawing/2014/main" id="{2C729D3A-6E5E-4C6C-B470-42E3961818B6}"/>
               </a:ext>
             </a:extLst>
           </p:cNvPr>
@@ -8603,31 +8514,58 @@
           <p:nvPr/>
         </p:nvPicPr>
         <p:blipFill>
-          <a:blip r:embed="rId2">
-            <a:extLst>
-              <a:ext uri="{28A0092B-C50C-407E-A947-70E740481C1C}">
-                <a14:useLocalDpi xmlns:a14="http://schemas.microsoft.com/office/drawing/2010/main" val="0"/>
-              </a:ext>
-            </a:extLst>
-          </a:blip>
+          <a:blip r:embed="rId2"/>
           <a:stretch>
             <a:fillRect/>
           </a:stretch>
         </p:blipFill>
         <p:spPr>
           <a:xfrm>
-            <a:off x="7242313" y="1244205"/>
-            <a:ext cx="3876261" cy="3876261"/>
+            <a:off x="2137075" y="1250830"/>
+            <a:ext cx="7917849" cy="4831918"/>
           </a:xfrm>
           <a:prstGeom prst="rect">
             <a:avLst/>
           </a:prstGeom>
         </p:spPr>
       </p:pic>
+      <p:sp>
+        <p:nvSpPr>
+          <p:cNvPr id="12" name="Titel 2">
+            <a:extLst>
+              <a:ext uri="{FF2B5EF4-FFF2-40B4-BE49-F238E27FC236}">
+                <a16:creationId xmlns:a16="http://schemas.microsoft.com/office/drawing/2014/main" id="{A3EA05F4-7B4C-4329-918B-BBF736CA7E71}"/>
+              </a:ext>
+            </a:extLst>
+          </p:cNvPr>
+          <p:cNvSpPr>
+            <a:spLocks noGrp="1"/>
+          </p:cNvSpPr>
+          <p:nvPr>
+            <p:ph type="title"/>
+          </p:nvPr>
+        </p:nvSpPr>
+        <p:spPr>
+          <a:xfrm>
+            <a:off x="163901" y="136525"/>
+            <a:ext cx="11878573" cy="1114305"/>
+          </a:xfrm>
+        </p:spPr>
+        <p:txBody>
+          <a:bodyPr/>
+          <a:lstStyle/>
+          <a:p>
+            <a:r>
+              <a:rPr lang="en-US" b="1" dirty="0"/>
+              <a:t>Explore Data</a:t>
+            </a:r>
+          </a:p>
+        </p:txBody>
+      </p:sp>
     </p:spTree>
     <p:extLst>
       <p:ext uri="{BB962C8B-B14F-4D97-AF65-F5344CB8AC3E}">
-        <p14:creationId xmlns:p14="http://schemas.microsoft.com/office/powerpoint/2010/main" val="665978701"/>
+        <p14:creationId xmlns:p14="http://schemas.microsoft.com/office/powerpoint/2010/main" val="92373041"/>
       </p:ext>
     </p:extLst>
   </p:cSld>
@@ -8690,10 +8628,10 @@
       </p:sp>
       <p:pic>
         <p:nvPicPr>
-          <p:cNvPr id="8" name="Picture 7">
-            <a:extLst>
-              <a:ext uri="{FF2B5EF4-FFF2-40B4-BE49-F238E27FC236}">
-                <a16:creationId xmlns:a16="http://schemas.microsoft.com/office/drawing/2014/main" id="{2C729D3A-6E5E-4C6C-B470-42E3961818B6}"/>
+          <p:cNvPr id="4" name="Picture 3">
+            <a:extLst>
+              <a:ext uri="{FF2B5EF4-FFF2-40B4-BE49-F238E27FC236}">
+                <a16:creationId xmlns:a16="http://schemas.microsoft.com/office/drawing/2014/main" id="{F0D05058-F677-419B-A270-A9A417FAA3DE}"/>
               </a:ext>
             </a:extLst>
           </p:cNvPr>
@@ -8710,51 +8648,18 @@
         </p:blipFill>
         <p:spPr>
           <a:xfrm>
-            <a:off x="2137075" y="1250830"/>
-            <a:ext cx="7917849" cy="4831918"/>
+            <a:off x="2033058" y="300651"/>
+            <a:ext cx="8125884" cy="6055699"/>
           </a:xfrm>
           <a:prstGeom prst="rect">
             <a:avLst/>
           </a:prstGeom>
         </p:spPr>
       </p:pic>
-      <p:sp>
-        <p:nvSpPr>
-          <p:cNvPr id="12" name="Titel 2">
-            <a:extLst>
-              <a:ext uri="{FF2B5EF4-FFF2-40B4-BE49-F238E27FC236}">
-                <a16:creationId xmlns:a16="http://schemas.microsoft.com/office/drawing/2014/main" id="{A3EA05F4-7B4C-4329-918B-BBF736CA7E71}"/>
-              </a:ext>
-            </a:extLst>
-          </p:cNvPr>
-          <p:cNvSpPr>
-            <a:spLocks noGrp="1"/>
-          </p:cNvSpPr>
-          <p:nvPr>
-            <p:ph type="title"/>
-          </p:nvPr>
-        </p:nvSpPr>
-        <p:spPr>
-          <a:xfrm>
-            <a:off x="163901" y="136525"/>
-            <a:ext cx="11878573" cy="1114305"/>
-          </a:xfrm>
-        </p:spPr>
-        <p:txBody>
-          <a:bodyPr/>
-          <a:lstStyle/>
-          <a:p>
-            <a:r>
-              <a:rPr lang="en-US" b="1" dirty="0"/>
-              <a:t>Explore Data</a:t>
-            </a:r>
-          </a:p>
-        </p:txBody>
-      </p:sp>
     </p:spTree>
     <p:extLst>
       <p:ext uri="{BB962C8B-B14F-4D97-AF65-F5344CB8AC3E}">
-        <p14:creationId xmlns:p14="http://schemas.microsoft.com/office/powerpoint/2010/main" val="92373041"/>
+        <p14:creationId xmlns:p14="http://schemas.microsoft.com/office/powerpoint/2010/main" val="3274238115"/>
       </p:ext>
     </p:extLst>
   </p:cSld>
@@ -8781,12 +8686,46 @@
           <a:chExt cx="0" cy="0"/>
         </a:xfrm>
       </p:grpSpPr>
+      <p:sp>
+        <p:nvSpPr>
+          <p:cNvPr id="2" name="Foliennummernplatzhalter 1">
+            <a:extLst>
+              <a:ext uri="{FF2B5EF4-FFF2-40B4-BE49-F238E27FC236}">
+                <a16:creationId xmlns:a16="http://schemas.microsoft.com/office/drawing/2014/main" id="{15122CDF-34FF-4D9C-8E7D-DB78AA39CED1}"/>
+              </a:ext>
+            </a:extLst>
+          </p:cNvPr>
+          <p:cNvSpPr>
+            <a:spLocks noGrp="1"/>
+          </p:cNvSpPr>
+          <p:nvPr>
+            <p:ph type="sldNum" sz="quarter" idx="11"/>
+          </p:nvPr>
+        </p:nvSpPr>
+        <p:spPr>
+          <a:xfrm>
+            <a:off x="4724400" y="6356350"/>
+            <a:ext cx="2743200" cy="365125"/>
+          </a:xfrm>
+        </p:spPr>
+        <p:txBody>
+          <a:bodyPr/>
+          <a:lstStyle/>
+          <a:p>
+            <a:fld id="{4A398261-F701-46B7-83E5-4561CE5D0B2C}" type="slidenum">
+              <a:rPr lang="de-AT" smtClean="0"/>
+              <a:t>7</a:t>
+            </a:fld>
+            <a:endParaRPr lang="de-AT"/>
+          </a:p>
+        </p:txBody>
+      </p:sp>
       <p:pic>
         <p:nvPicPr>
-          <p:cNvPr id="5" name="Picture 4">
-            <a:extLst>
-              <a:ext uri="{FF2B5EF4-FFF2-40B4-BE49-F238E27FC236}">
-                <a16:creationId xmlns:a16="http://schemas.microsoft.com/office/drawing/2014/main" id="{A152761A-5D10-4FF1-B8FE-78ED0A2F92C5}"/>
+          <p:cNvPr id="4" name="Picture 3">
+            <a:extLst>
+              <a:ext uri="{FF2B5EF4-FFF2-40B4-BE49-F238E27FC236}">
+                <a16:creationId xmlns:a16="http://schemas.microsoft.com/office/drawing/2014/main" id="{4F411998-B4C3-4443-B971-7BBC2401C647}"/>
               </a:ext>
             </a:extLst>
           </p:cNvPr>
@@ -8803,52 +8742,18 @@
         </p:blipFill>
         <p:spPr>
           <a:xfrm>
-            <a:off x="1676684" y="232609"/>
-            <a:ext cx="8242015" cy="6123741"/>
+            <a:off x="1347787" y="535122"/>
+            <a:ext cx="9496425" cy="5495925"/>
           </a:xfrm>
           <a:prstGeom prst="rect">
             <a:avLst/>
           </a:prstGeom>
         </p:spPr>
       </p:pic>
-      <p:sp>
-        <p:nvSpPr>
-          <p:cNvPr id="2" name="Foliennummernplatzhalter 1">
-            <a:extLst>
-              <a:ext uri="{FF2B5EF4-FFF2-40B4-BE49-F238E27FC236}">
-                <a16:creationId xmlns:a16="http://schemas.microsoft.com/office/drawing/2014/main" id="{15122CDF-34FF-4D9C-8E7D-DB78AA39CED1}"/>
-              </a:ext>
-            </a:extLst>
-          </p:cNvPr>
-          <p:cNvSpPr>
-            <a:spLocks noGrp="1"/>
-          </p:cNvSpPr>
-          <p:nvPr>
-            <p:ph type="sldNum" sz="quarter" idx="11"/>
-          </p:nvPr>
-        </p:nvSpPr>
-        <p:spPr>
-          <a:xfrm>
-            <a:off x="4724400" y="6356350"/>
-            <a:ext cx="2743200" cy="365125"/>
-          </a:xfrm>
-        </p:spPr>
-        <p:txBody>
-          <a:bodyPr/>
-          <a:lstStyle/>
-          <a:p>
-            <a:fld id="{4A398261-F701-46B7-83E5-4561CE5D0B2C}" type="slidenum">
-              <a:rPr lang="de-AT" smtClean="0"/>
-              <a:t>7</a:t>
-            </a:fld>
-            <a:endParaRPr lang="de-AT"/>
-          </a:p>
-        </p:txBody>
-      </p:sp>
     </p:spTree>
     <p:extLst>
       <p:ext uri="{BB962C8B-B14F-4D97-AF65-F5344CB8AC3E}">
-        <p14:creationId xmlns:p14="http://schemas.microsoft.com/office/powerpoint/2010/main" val="3274238115"/>
+        <p14:creationId xmlns:p14="http://schemas.microsoft.com/office/powerpoint/2010/main" val="1990915333"/>
       </p:ext>
     </p:extLst>
   </p:cSld>
@@ -8877,10 +8782,10 @@
       </p:grpSpPr>
       <p:sp>
         <p:nvSpPr>
-          <p:cNvPr id="2" name="Foliennummernplatzhalter 1">
-            <a:extLst>
-              <a:ext uri="{FF2B5EF4-FFF2-40B4-BE49-F238E27FC236}">
-                <a16:creationId xmlns:a16="http://schemas.microsoft.com/office/drawing/2014/main" id="{15122CDF-34FF-4D9C-8E7D-DB78AA39CED1}"/>
+          <p:cNvPr id="4" name="Slide Number Placeholder 3">
+            <a:extLst>
+              <a:ext uri="{FF2B5EF4-FFF2-40B4-BE49-F238E27FC236}">
+                <a16:creationId xmlns:a16="http://schemas.microsoft.com/office/drawing/2014/main" id="{0CCA6000-81E1-4600-B32C-F79373287189}"/>
               </a:ext>
             </a:extLst>
           </p:cNvPr>
@@ -8891,30 +8796,61 @@
             <p:ph type="sldNum" sz="quarter" idx="11"/>
           </p:nvPr>
         </p:nvSpPr>
-        <p:spPr>
-          <a:xfrm>
-            <a:off x="4724400" y="6356350"/>
-            <a:ext cx="2743200" cy="365125"/>
-          </a:xfrm>
-        </p:spPr>
+        <p:spPr/>
         <p:txBody>
           <a:bodyPr/>
           <a:lstStyle/>
           <a:p>
             <a:fld id="{4A398261-F701-46B7-83E5-4561CE5D0B2C}" type="slidenum">
               <a:rPr lang="de-AT" smtClean="0"/>
+              <a:pPr/>
               <a:t>8</a:t>
             </a:fld>
-            <a:endParaRPr lang="de-AT"/>
+            <a:endParaRPr lang="de-AT" dirty="0"/>
+          </a:p>
+        </p:txBody>
+      </p:sp>
+      <p:sp>
+        <p:nvSpPr>
+          <p:cNvPr id="6" name="TextBox 5">
+            <a:extLst>
+              <a:ext uri="{FF2B5EF4-FFF2-40B4-BE49-F238E27FC236}">
+                <a16:creationId xmlns:a16="http://schemas.microsoft.com/office/drawing/2014/main" id="{B9480EF3-9EE9-4288-BDF7-A32800D2488C}"/>
+              </a:ext>
+            </a:extLst>
+          </p:cNvPr>
+          <p:cNvSpPr txBox="1"/>
+          <p:nvPr/>
+        </p:nvSpPr>
+        <p:spPr>
+          <a:xfrm>
+            <a:off x="1743611" y="3059668"/>
+            <a:ext cx="6096000" cy="369332"/>
+          </a:xfrm>
+          <a:prstGeom prst="rect">
+            <a:avLst/>
+          </a:prstGeom>
+          <a:noFill/>
+        </p:spPr>
+        <p:txBody>
+          <a:bodyPr wrap="square">
+            <a:spAutoFit/>
+          </a:bodyPr>
+          <a:lstStyle/>
+          <a:p>
+            <a:r>
+              <a:rPr lang="en-AT" dirty="0"/>
+              <a:t>https://miro.com/app/board/uXjVITf0vUA=/</a:t>
+            </a:r>
           </a:p>
         </p:txBody>
       </p:sp>
       <p:pic>
         <p:nvPicPr>
-          <p:cNvPr id="6" name="Picture 5">
-            <a:extLst>
-              <a:ext uri="{FF2B5EF4-FFF2-40B4-BE49-F238E27FC236}">
-                <a16:creationId xmlns:a16="http://schemas.microsoft.com/office/drawing/2014/main" id="{FA7C3399-BBB5-4CFA-94C6-7F9EC87DC0BA}"/>
+          <p:cNvPr id="14" name="Picture 13">
+            <a:extLst>
+              <a:ext uri="{FF2B5EF4-FFF2-40B4-BE49-F238E27FC236}">
+                <a16:creationId xmlns:a16="http://schemas.microsoft.com/office/drawing/2014/main" id="{B1B65F64-E3AD-411C-9531-468508020EA7}"/>
               </a:ext>
             </a:extLst>
           </p:cNvPr>
@@ -8931,8 +8867,8 @@
         </p:blipFill>
         <p:spPr>
           <a:xfrm>
-            <a:off x="1160983" y="431475"/>
-            <a:ext cx="9870033" cy="5613725"/>
+            <a:off x="7839611" y="191275"/>
+            <a:ext cx="2239126" cy="6475450"/>
           </a:xfrm>
           <a:prstGeom prst="rect">
             <a:avLst/>
@@ -8942,7 +8878,7 @@
     </p:spTree>
     <p:extLst>
       <p:ext uri="{BB962C8B-B14F-4D97-AF65-F5344CB8AC3E}">
-        <p14:creationId xmlns:p14="http://schemas.microsoft.com/office/powerpoint/2010/main" val="1990915333"/>
+        <p14:creationId xmlns:p14="http://schemas.microsoft.com/office/powerpoint/2010/main" val="912757153"/>
       </p:ext>
     </p:extLst>
   </p:cSld>
@@ -8971,262 +8907,44 @@
       </p:grpSpPr>
       <p:sp>
         <p:nvSpPr>
-          <p:cNvPr id="3" name="Content Placeholder 2">
-            <a:extLst>
-              <a:ext uri="{FF2B5EF4-FFF2-40B4-BE49-F238E27FC236}">
-                <a16:creationId xmlns:a16="http://schemas.microsoft.com/office/drawing/2014/main" id="{B8B44D33-5FE0-4558-A79B-B2BC9D4B89BF}"/>
-              </a:ext>
-            </a:extLst>
-          </p:cNvPr>
-          <p:cNvSpPr>
-            <a:spLocks noGrp="1"/>
-          </p:cNvSpPr>
-          <p:nvPr>
-            <p:ph idx="1"/>
-          </p:nvPr>
-        </p:nvSpPr>
-        <p:spPr>
-          <a:xfrm>
-            <a:off x="1934563" y="3557797"/>
-            <a:ext cx="8684824" cy="2798553"/>
+          <p:cNvPr id="2" name="Foliennummernplatzhalter 1">
+            <a:extLst>
+              <a:ext uri="{FF2B5EF4-FFF2-40B4-BE49-F238E27FC236}">
+                <a16:creationId xmlns:a16="http://schemas.microsoft.com/office/drawing/2014/main" id="{15122CDF-34FF-4D9C-8E7D-DB78AA39CED1}"/>
+              </a:ext>
+            </a:extLst>
+          </p:cNvPr>
+          <p:cNvSpPr>
+            <a:spLocks noGrp="1"/>
+          </p:cNvSpPr>
+          <p:nvPr>
+            <p:ph type="sldNum" sz="quarter" idx="11"/>
+          </p:nvPr>
+        </p:nvSpPr>
+        <p:spPr>
+          <a:xfrm>
+            <a:off x="4724400" y="6356350"/>
+            <a:ext cx="2743200" cy="365125"/>
           </a:xfrm>
         </p:spPr>
         <p:txBody>
           <a:bodyPr/>
           <a:lstStyle/>
           <a:p>
-            <a:pPr marL="0" indent="0">
-              <a:buNone/>
-            </a:pPr>
-            <a:r>
-              <a:rPr lang="en-US" dirty="0"/>
-              <a:t>https://miro.com/welcomeonboard/Rnk5eGZZNWtJcHhTT3hWamloUGtaOW9nUjBXU0tzMEtua2dNSmxOQXlSV3kxTW9UR2Z5M3BCa1JYS1pENXd1MC8waUx6b2N2WXA4SVkxQlZ4YXJHQUMxSDdTK3ozZXluMlFRWldtQURxM0F5Q0kxOHNsRmlTcWF0eFFrWFlMeC93VHhHVHd5UWtSM1BidUtUYmxycDRnPT0hdjE=?share_link_id=606456947074</a:t>
-            </a:r>
-            <a:endParaRPr lang="en-AT" dirty="0"/>
-          </a:p>
-        </p:txBody>
-      </p:sp>
-      <p:sp>
-        <p:nvSpPr>
-          <p:cNvPr id="4" name="Slide Number Placeholder 3">
-            <a:extLst>
-              <a:ext uri="{FF2B5EF4-FFF2-40B4-BE49-F238E27FC236}">
-                <a16:creationId xmlns:a16="http://schemas.microsoft.com/office/drawing/2014/main" id="{0CCA6000-81E1-4600-B32C-F79373287189}"/>
-              </a:ext>
-            </a:extLst>
-          </p:cNvPr>
-          <p:cNvSpPr>
-            <a:spLocks noGrp="1"/>
-          </p:cNvSpPr>
-          <p:nvPr>
-            <p:ph type="sldNum" sz="quarter" idx="11"/>
-          </p:nvPr>
-        </p:nvSpPr>
-        <p:spPr/>
-        <p:txBody>
-          <a:bodyPr/>
-          <a:lstStyle/>
-          <a:p>
             <a:fld id="{4A398261-F701-46B7-83E5-4561CE5D0B2C}" type="slidenum">
               <a:rPr lang="de-AT" smtClean="0"/>
-              <a:pPr/>
               <a:t>9</a:t>
             </a:fld>
-            <a:endParaRPr lang="de-AT" dirty="0"/>
-          </a:p>
-        </p:txBody>
-      </p:sp>
-      <p:sp>
-        <p:nvSpPr>
-          <p:cNvPr id="6" name="TextBox 5">
-            <a:extLst>
-              <a:ext uri="{FF2B5EF4-FFF2-40B4-BE49-F238E27FC236}">
-                <a16:creationId xmlns:a16="http://schemas.microsoft.com/office/drawing/2014/main" id="{B9480EF3-9EE9-4288-BDF7-A32800D2488C}"/>
-              </a:ext>
-            </a:extLst>
-          </p:cNvPr>
-          <p:cNvSpPr txBox="1"/>
-          <p:nvPr/>
-        </p:nvSpPr>
-        <p:spPr>
-          <a:xfrm>
-            <a:off x="3114675" y="663059"/>
-            <a:ext cx="6096000" cy="369332"/>
-          </a:xfrm>
-          <a:prstGeom prst="rect">
-            <a:avLst/>
-          </a:prstGeom>
-          <a:noFill/>
-        </p:spPr>
-        <p:txBody>
-          <a:bodyPr wrap="square">
-            <a:spAutoFit/>
-          </a:bodyPr>
-          <a:lstStyle/>
-          <a:p>
-            <a:r>
-              <a:rPr lang="en-AT" dirty="0"/>
-              <a:t>https://miro.com/app/board/uXjVITf0vUA=/</a:t>
-            </a:r>
-          </a:p>
-        </p:txBody>
-      </p:sp>
-      <p:sp>
-        <p:nvSpPr>
-          <p:cNvPr id="7" name="TextBox 6">
-            <a:extLst>
-              <a:ext uri="{FF2B5EF4-FFF2-40B4-BE49-F238E27FC236}">
-                <a16:creationId xmlns:a16="http://schemas.microsoft.com/office/drawing/2014/main" id="{6B3FF2D2-7A44-4637-87C0-9380D42F9C84}"/>
-              </a:ext>
-            </a:extLst>
-          </p:cNvPr>
-          <p:cNvSpPr txBox="1"/>
-          <p:nvPr/>
-        </p:nvSpPr>
-        <p:spPr>
-          <a:xfrm>
-            <a:off x="400050" y="663059"/>
-            <a:ext cx="6096000" cy="369332"/>
-          </a:xfrm>
-          <a:prstGeom prst="rect">
-            <a:avLst/>
-          </a:prstGeom>
-          <a:noFill/>
-        </p:spPr>
-        <p:txBody>
-          <a:bodyPr wrap="square">
-            <a:spAutoFit/>
-          </a:bodyPr>
-          <a:lstStyle/>
-          <a:p>
-            <a:r>
-              <a:rPr lang="en-US" dirty="0"/>
-              <a:t>LINK FOR ME</a:t>
-            </a:r>
-            <a:endParaRPr lang="en-AT" dirty="0"/>
-          </a:p>
-        </p:txBody>
-      </p:sp>
-      <p:cxnSp>
-        <p:nvCxnSpPr>
-          <p:cNvPr id="9" name="Straight Arrow Connector 8">
-            <a:extLst>
-              <a:ext uri="{FF2B5EF4-FFF2-40B4-BE49-F238E27FC236}">
-                <a16:creationId xmlns:a16="http://schemas.microsoft.com/office/drawing/2014/main" id="{D40E8672-3EC2-4B5B-91D1-1BD09ADE7F3E}"/>
-              </a:ext>
-            </a:extLst>
-          </p:cNvPr>
-          <p:cNvCxnSpPr/>
-          <p:nvPr/>
-        </p:nvCxnSpPr>
-        <p:spPr>
-          <a:xfrm>
-            <a:off x="1819275" y="847725"/>
-            <a:ext cx="1190625" cy="0"/>
-          </a:xfrm>
-          <a:prstGeom prst="straightConnector1">
-            <a:avLst/>
-          </a:prstGeom>
-          <a:ln>
-            <a:tailEnd type="triangle"/>
-          </a:ln>
-        </p:spPr>
-        <p:style>
-          <a:lnRef idx="1">
-            <a:schemeClr val="accent1"/>
-          </a:lnRef>
-          <a:fillRef idx="0">
-            <a:schemeClr val="accent1"/>
-          </a:fillRef>
-          <a:effectRef idx="0">
-            <a:schemeClr val="accent1"/>
-          </a:effectRef>
-          <a:fontRef idx="minor">
-            <a:schemeClr val="tx1"/>
-          </a:fontRef>
-        </p:style>
-      </p:cxnSp>
-      <p:sp>
-        <p:nvSpPr>
-          <p:cNvPr id="10" name="TextBox 9">
-            <a:extLst>
-              <a:ext uri="{FF2B5EF4-FFF2-40B4-BE49-F238E27FC236}">
-                <a16:creationId xmlns:a16="http://schemas.microsoft.com/office/drawing/2014/main" id="{B64BC85B-A443-43AF-939F-E08CC01D7A28}"/>
-              </a:ext>
-            </a:extLst>
-          </p:cNvPr>
-          <p:cNvSpPr txBox="1"/>
-          <p:nvPr/>
-        </p:nvSpPr>
-        <p:spPr>
-          <a:xfrm>
-            <a:off x="962025" y="1925762"/>
-            <a:ext cx="6096000" cy="369332"/>
-          </a:xfrm>
-          <a:prstGeom prst="rect">
-            <a:avLst/>
-          </a:prstGeom>
-          <a:noFill/>
-        </p:spPr>
-        <p:txBody>
-          <a:bodyPr wrap="square">
-            <a:spAutoFit/>
-          </a:bodyPr>
-          <a:lstStyle/>
-          <a:p>
-            <a:r>
-              <a:rPr lang="en-US" dirty="0"/>
-              <a:t>LINK FOR MATTHIAS (Will be deleted in the final version)</a:t>
-            </a:r>
-            <a:endParaRPr lang="en-AT" dirty="0"/>
-          </a:p>
-        </p:txBody>
-      </p:sp>
-      <p:cxnSp>
-        <p:nvCxnSpPr>
-          <p:cNvPr id="12" name="Straight Arrow Connector 11">
-            <a:extLst>
-              <a:ext uri="{FF2B5EF4-FFF2-40B4-BE49-F238E27FC236}">
-                <a16:creationId xmlns:a16="http://schemas.microsoft.com/office/drawing/2014/main" id="{7F2B5C3B-7D4D-45C4-A525-1FA2D0851777}"/>
-              </a:ext>
-            </a:extLst>
-          </p:cNvPr>
-          <p:cNvCxnSpPr/>
-          <p:nvPr/>
-        </p:nvCxnSpPr>
-        <p:spPr>
-          <a:xfrm>
-            <a:off x="4010025" y="2186628"/>
-            <a:ext cx="0" cy="1447369"/>
-          </a:xfrm>
-          <a:prstGeom prst="straightConnector1">
-            <a:avLst/>
-          </a:prstGeom>
-          <a:ln>
-            <a:tailEnd type="triangle"/>
-          </a:ln>
-        </p:spPr>
-        <p:style>
-          <a:lnRef idx="1">
-            <a:schemeClr val="accent1"/>
-          </a:lnRef>
-          <a:fillRef idx="0">
-            <a:schemeClr val="accent1"/>
-          </a:fillRef>
-          <a:effectRef idx="0">
-            <a:schemeClr val="accent1"/>
-          </a:effectRef>
-          <a:fontRef idx="minor">
-            <a:schemeClr val="tx1"/>
-          </a:fontRef>
-        </p:style>
-      </p:cxnSp>
+            <a:endParaRPr lang="de-AT"/>
+          </a:p>
+        </p:txBody>
+      </p:sp>
       <p:pic>
         <p:nvPicPr>
-          <p:cNvPr id="14" name="Picture 13">
-            <a:extLst>
-              <a:ext uri="{FF2B5EF4-FFF2-40B4-BE49-F238E27FC236}">
-                <a16:creationId xmlns:a16="http://schemas.microsoft.com/office/drawing/2014/main" id="{B1B65F64-E3AD-411C-9531-468508020EA7}"/>
+          <p:cNvPr id="4" name="Picture 3">
+            <a:extLst>
+              <a:ext uri="{FF2B5EF4-FFF2-40B4-BE49-F238E27FC236}">
+                <a16:creationId xmlns:a16="http://schemas.microsoft.com/office/drawing/2014/main" id="{DE505E3E-A647-40D6-A961-C5FD6206EAF5}"/>
               </a:ext>
             </a:extLst>
           </p:cNvPr>
@@ -9243,95 +8961,18 @@
         </p:blipFill>
         <p:spPr>
           <a:xfrm>
-            <a:off x="9463248" y="314325"/>
-            <a:ext cx="1077014" cy="3114675"/>
+            <a:off x="1225975" y="431868"/>
+            <a:ext cx="9740050" cy="5579826"/>
           </a:xfrm>
           <a:prstGeom prst="rect">
             <a:avLst/>
           </a:prstGeom>
         </p:spPr>
       </p:pic>
-      <p:sp>
-        <p:nvSpPr>
-          <p:cNvPr id="16" name="TextBox 15">
-            <a:extLst>
-              <a:ext uri="{FF2B5EF4-FFF2-40B4-BE49-F238E27FC236}">
-                <a16:creationId xmlns:a16="http://schemas.microsoft.com/office/drawing/2014/main" id="{EC8A710F-B0AE-4DCD-901F-7B687B889C1A}"/>
-              </a:ext>
-            </a:extLst>
-          </p:cNvPr>
-          <p:cNvSpPr txBox="1"/>
-          <p:nvPr/>
-        </p:nvSpPr>
-        <p:spPr>
-          <a:xfrm>
-            <a:off x="5676900" y="2725646"/>
-            <a:ext cx="6096000" cy="369332"/>
-          </a:xfrm>
-          <a:prstGeom prst="rect">
-            <a:avLst/>
-          </a:prstGeom>
-          <a:noFill/>
-        </p:spPr>
-        <p:txBody>
-          <a:bodyPr wrap="square">
-            <a:spAutoFit/>
-          </a:bodyPr>
-          <a:lstStyle/>
-          <a:p>
-            <a:r>
-              <a:rPr lang="en-US" dirty="0"/>
-              <a:t>(Will be deleted in the final version)</a:t>
-            </a:r>
-            <a:endParaRPr lang="en-AT" dirty="0"/>
-          </a:p>
-        </p:txBody>
-      </p:sp>
-      <p:cxnSp>
-        <p:nvCxnSpPr>
-          <p:cNvPr id="17" name="Straight Arrow Connector 16">
-            <a:extLst>
-              <a:ext uri="{FF2B5EF4-FFF2-40B4-BE49-F238E27FC236}">
-                <a16:creationId xmlns:a16="http://schemas.microsoft.com/office/drawing/2014/main" id="{1C182F01-7AAB-48DC-99FE-E7251A0878E6}"/>
-              </a:ext>
-            </a:extLst>
-          </p:cNvPr>
-          <p:cNvCxnSpPr>
-            <a:cxnSpLocks/>
-          </p:cNvCxnSpPr>
-          <p:nvPr/>
-        </p:nvCxnSpPr>
-        <p:spPr>
-          <a:xfrm flipV="1">
-            <a:off x="8534400" y="2130516"/>
-            <a:ext cx="676275" cy="460009"/>
-          </a:xfrm>
-          <a:prstGeom prst="straightConnector1">
-            <a:avLst/>
-          </a:prstGeom>
-          <a:ln>
-            <a:tailEnd type="triangle"/>
-          </a:ln>
-        </p:spPr>
-        <p:style>
-          <a:lnRef idx="1">
-            <a:schemeClr val="accent1"/>
-          </a:lnRef>
-          <a:fillRef idx="0">
-            <a:schemeClr val="accent1"/>
-          </a:fillRef>
-          <a:effectRef idx="0">
-            <a:schemeClr val="accent1"/>
-          </a:effectRef>
-          <a:fontRef idx="minor">
-            <a:schemeClr val="tx1"/>
-          </a:fontRef>
-        </p:style>
-      </p:cxnSp>
     </p:spTree>
     <p:extLst>
       <p:ext uri="{BB962C8B-B14F-4D97-AF65-F5344CB8AC3E}">
-        <p14:creationId xmlns:p14="http://schemas.microsoft.com/office/powerpoint/2010/main" val="912757153"/>
+        <p14:creationId xmlns:p14="http://schemas.microsoft.com/office/powerpoint/2010/main" val="3709173479"/>
       </p:ext>
     </p:extLst>
   </p:cSld>

--- a/BA/datasets_survey_presentation.pptx
+++ b/BA/datasets_survey_presentation.pptx
@@ -235,7 +235,7 @@
           <a:p>
             <a:fld id="{C0A7DB85-EE5E-4B89-A00E-8344E8B639BA}" type="datetimeFigureOut">
               <a:rPr lang="en-US" smtClean="0"/>
-              <a:t>3/12/2025</a:t>
+              <a:t>3/13/2025</a:t>
             </a:fld>
             <a:endParaRPr lang="en-US"/>
           </a:p>
@@ -313,7 +313,7 @@
           <a:p>
             <a:fld id="{51A91138-E24E-4695-9BD5-A3C6F5AAA1FC}" type="slidenum">
               <a:rPr lang="en-US" smtClean="0"/>
-              <a:t>‹#›</a:t>
+              <a:t>‹Nr.›</a:t>
             </a:fld>
             <a:endParaRPr lang="en-US"/>
           </a:p>
@@ -412,7 +412,7 @@
           <a:p>
             <a:fld id="{B35B5EF2-A964-4D7D-9158-777FD8535308}" type="datetimeFigureOut">
               <a:rPr lang="de-AT" smtClean="0"/>
-              <a:t>12.03.2025</a:t>
+              <a:t>13.03.2025</a:t>
             </a:fld>
             <a:endParaRPr lang="de-AT"/>
           </a:p>
@@ -571,7 +571,7 @@
           <a:p>
             <a:fld id="{5A2BD850-B783-4D6F-B68E-0064915BC4AD}" type="slidenum">
               <a:rPr lang="de-AT" smtClean="0"/>
-              <a:t>‹#›</a:t>
+              <a:t>‹Nr.›</a:t>
             </a:fld>
             <a:endParaRPr lang="de-AT"/>
           </a:p>
@@ -851,7 +851,7 @@
           <a:p>
             <a:fld id="{50D9DC21-A691-4E12-BE63-F3D936BE7372}" type="datetime1">
               <a:rPr lang="de-AT" smtClean="0"/>
-              <a:t>12.03.2025</a:t>
+              <a:t>13.03.2025</a:t>
             </a:fld>
             <a:endParaRPr lang="de-AT"/>
           </a:p>
@@ -889,7 +889,7 @@
             <a:fld id="{4A398261-F701-46B7-83E5-4561CE5D0B2C}" type="slidenum">
               <a:rPr lang="de-AT" smtClean="0"/>
               <a:pPr/>
-              <a:t>‹#›</a:t>
+              <a:t>‹Nr.›</a:t>
             </a:fld>
             <a:endParaRPr lang="de-AT" dirty="0"/>
           </a:p>
@@ -1132,7 +1132,7 @@
           <a:p>
             <a:fld id="{028FCB96-2F42-4462-A342-00EC35B71FF6}" type="datetime1">
               <a:rPr lang="de-AT" smtClean="0"/>
-              <a:t>12.03.2025</a:t>
+              <a:t>13.03.2025</a:t>
             </a:fld>
             <a:endParaRPr lang="de-AT"/>
           </a:p>
@@ -1202,7 +1202,7 @@
           <a:p>
             <a:fld id="{4A398261-F701-46B7-83E5-4561CE5D0B2C}" type="slidenum">
               <a:rPr lang="de-AT" smtClean="0"/>
-              <a:t>‹#›</a:t>
+              <a:t>‹Nr.›</a:t>
             </a:fld>
             <a:endParaRPr lang="de-AT"/>
           </a:p>
@@ -1356,7 +1356,7 @@
           <a:p>
             <a:fld id="{6A55E67A-D367-4A6F-98CA-BE7661CC9263}" type="datetime1">
               <a:rPr lang="de-AT" smtClean="0"/>
-              <a:t>12.03.2025</a:t>
+              <a:t>13.03.2025</a:t>
             </a:fld>
             <a:endParaRPr lang="de-AT"/>
           </a:p>
@@ -1426,7 +1426,7 @@
           <a:p>
             <a:fld id="{4A398261-F701-46B7-83E5-4561CE5D0B2C}" type="slidenum">
               <a:rPr lang="de-AT" smtClean="0"/>
-              <a:t>‹#›</a:t>
+              <a:t>‹Nr.›</a:t>
             </a:fld>
             <a:endParaRPr lang="de-AT"/>
           </a:p>
@@ -1590,7 +1590,7 @@
           <a:p>
             <a:fld id="{91DF8F64-70FA-4748-A379-D6027052AD1D}" type="datetime1">
               <a:rPr lang="de-AT" smtClean="0"/>
-              <a:t>12.03.2025</a:t>
+              <a:t>13.03.2025</a:t>
             </a:fld>
             <a:endParaRPr lang="de-AT"/>
           </a:p>
@@ -1660,7 +1660,7 @@
           <a:p>
             <a:fld id="{4A398261-F701-46B7-83E5-4561CE5D0B2C}" type="slidenum">
               <a:rPr lang="de-AT" smtClean="0"/>
-              <a:t>‹#›</a:t>
+              <a:t>‹Nr.›</a:t>
             </a:fld>
             <a:endParaRPr lang="de-AT"/>
           </a:p>
@@ -1820,7 +1820,7 @@
           <a:p>
             <a:fld id="{50D9DC21-A691-4E12-BE63-F3D936BE7372}" type="datetime1">
               <a:rPr lang="de-AT" smtClean="0"/>
-              <a:t>12.03.2025</a:t>
+              <a:t>13.03.2025</a:t>
             </a:fld>
             <a:endParaRPr lang="de-AT"/>
           </a:p>
@@ -1858,7 +1858,7 @@
             <a:fld id="{4A398261-F701-46B7-83E5-4561CE5D0B2C}" type="slidenum">
               <a:rPr lang="de-AT" smtClean="0"/>
               <a:pPr/>
-              <a:t>‹#›</a:t>
+              <a:t>‹Nr.›</a:t>
             </a:fld>
             <a:endParaRPr lang="de-AT" dirty="0"/>
           </a:p>
@@ -2170,7 +2170,7 @@
           <a:p>
             <a:fld id="{962D501D-BCED-4878-8047-57F06292E8C5}" type="datetime1">
               <a:rPr lang="de-AT" smtClean="0"/>
-              <a:t>12.03.2025</a:t>
+              <a:t>13.03.2025</a:t>
             </a:fld>
             <a:endParaRPr lang="de-AT"/>
           </a:p>
@@ -2240,7 +2240,7 @@
           <a:p>
             <a:fld id="{4A398261-F701-46B7-83E5-4561CE5D0B2C}" type="slidenum">
               <a:rPr lang="de-AT" smtClean="0"/>
-              <a:t>‹#›</a:t>
+              <a:t>‹Nr.›</a:t>
             </a:fld>
             <a:endParaRPr lang="de-AT"/>
           </a:p>
@@ -2462,7 +2462,7 @@
           <a:p>
             <a:fld id="{831B355B-158D-4FD1-AA6B-BA0F89F3C796}" type="datetime1">
               <a:rPr lang="de-AT" smtClean="0"/>
-              <a:t>12.03.2025</a:t>
+              <a:t>13.03.2025</a:t>
             </a:fld>
             <a:endParaRPr lang="de-AT"/>
           </a:p>
@@ -2532,7 +2532,7 @@
           <a:p>
             <a:fld id="{4A398261-F701-46B7-83E5-4561CE5D0B2C}" type="slidenum">
               <a:rPr lang="de-AT" smtClean="0"/>
-              <a:t>‹#›</a:t>
+              <a:t>‹Nr.›</a:t>
             </a:fld>
             <a:endParaRPr lang="de-AT"/>
           </a:p>
@@ -2901,7 +2901,7 @@
           <a:p>
             <a:fld id="{0DD6BFA3-EA7E-491F-8E0A-F722489964A3}" type="datetime1">
               <a:rPr lang="de-AT" smtClean="0"/>
-              <a:t>12.03.2025</a:t>
+              <a:t>13.03.2025</a:t>
             </a:fld>
             <a:endParaRPr lang="de-AT"/>
           </a:p>
@@ -2971,7 +2971,7 @@
           <a:p>
             <a:fld id="{4A398261-F701-46B7-83E5-4561CE5D0B2C}" type="slidenum">
               <a:rPr lang="de-AT" smtClean="0"/>
-              <a:t>‹#›</a:t>
+              <a:t>‹Nr.›</a:t>
             </a:fld>
             <a:endParaRPr lang="de-AT"/>
           </a:p>
@@ -3067,7 +3067,7 @@
           <a:p>
             <a:fld id="{811366F0-3C03-4B90-998A-D47A82F6384C}" type="datetime1">
               <a:rPr lang="de-AT" smtClean="0"/>
-              <a:t>12.03.2025</a:t>
+              <a:t>13.03.2025</a:t>
             </a:fld>
             <a:endParaRPr lang="de-AT"/>
           </a:p>
@@ -3137,7 +3137,7 @@
           <a:p>
             <a:fld id="{4A398261-F701-46B7-83E5-4561CE5D0B2C}" type="slidenum">
               <a:rPr lang="de-AT" smtClean="0"/>
-              <a:t>‹#›</a:t>
+              <a:t>‹Nr.›</a:t>
             </a:fld>
             <a:endParaRPr lang="de-AT"/>
           </a:p>
@@ -3204,7 +3204,7 @@
           <a:p>
             <a:fld id="{BA46F52E-F80E-4B87-BB70-1E9A0792144F}" type="datetime1">
               <a:rPr lang="de-AT" smtClean="0"/>
-              <a:t>12.03.2025</a:t>
+              <a:t>13.03.2025</a:t>
             </a:fld>
             <a:endParaRPr lang="de-AT"/>
           </a:p>
@@ -3274,7 +3274,7 @@
           <a:p>
             <a:fld id="{4A398261-F701-46B7-83E5-4561CE5D0B2C}" type="slidenum">
               <a:rPr lang="de-AT" smtClean="0"/>
-              <a:t>‹#›</a:t>
+              <a:t>‹Nr.›</a:t>
             </a:fld>
             <a:endParaRPr lang="de-AT"/>
           </a:p>
@@ -3541,7 +3541,7 @@
           <a:p>
             <a:fld id="{51E4DD5C-A999-4615-9604-BA1AEED49628}" type="datetime1">
               <a:rPr lang="de-AT" smtClean="0"/>
-              <a:t>12.03.2025</a:t>
+              <a:t>13.03.2025</a:t>
             </a:fld>
             <a:endParaRPr lang="de-AT"/>
           </a:p>
@@ -3611,7 +3611,7 @@
           <a:p>
             <a:fld id="{4A398261-F701-46B7-83E5-4561CE5D0B2C}" type="slidenum">
               <a:rPr lang="de-AT" smtClean="0"/>
-              <a:t>‹#›</a:t>
+              <a:t>‹Nr.›</a:t>
             </a:fld>
             <a:endParaRPr lang="de-AT"/>
           </a:p>
@@ -3810,7 +3810,7 @@
             <a:fld id="{4A398261-F701-46B7-83E5-4561CE5D0B2C}" type="slidenum">
               <a:rPr lang="de-AT" smtClean="0"/>
               <a:pPr/>
-              <a:t>‹#›</a:t>
+              <a:t>‹Nr.›</a:t>
             </a:fld>
             <a:endParaRPr lang="de-AT" dirty="0"/>
           </a:p>
@@ -4248,7 +4248,7 @@
           <a:p>
             <a:fld id="{95129EDE-2129-415B-887D-3F661C69B039}" type="datetime1">
               <a:rPr lang="de-AT" smtClean="0"/>
-              <a:t>12.03.2025</a:t>
+              <a:t>13.03.2025</a:t>
             </a:fld>
             <a:endParaRPr lang="de-AT"/>
           </a:p>
@@ -8648,7 +8648,7 @@
         </p:blipFill>
         <p:spPr>
           <a:xfrm>
-            <a:off x="2033058" y="300651"/>
+            <a:off x="1982258" y="300651"/>
             <a:ext cx="8125884" cy="6055699"/>
           </a:xfrm>
           <a:prstGeom prst="rect">
